--- a/tutorial/T09/Tutorial9.pptx
+++ b/tutorial/T09/Tutorial9.pptx
@@ -3,37 +3,37 @@
 <p:presentation xmlns:a="http://schemas.openxmlformats.org/drawingml/2006/main" xmlns:r="http://schemas.openxmlformats.org/officeDocument/2006/relationships" xmlns:p="http://schemas.openxmlformats.org/presentationml/2006/main">
   <p:sldMasterIdLst>
     <p:sldMasterId id="2147483648" r:id="rId1"/>
-    <p:sldMasterId id="2147483660" r:id="rId2"/>
+    <p:sldMasterId id="2147483660" r:id="rId3"/>
   </p:sldMasterIdLst>
   <p:notesMasterIdLst>
-    <p:notesMasterId r:id="rId23"/>
+    <p:notesMasterId r:id="rId13"/>
   </p:notesMasterIdLst>
   <p:sldIdLst>
-    <p:sldId id="256" r:id="rId3"/>
-    <p:sldId id="257" r:id="rId4"/>
-    <p:sldId id="258" r:id="rId5"/>
-    <p:sldId id="259" r:id="rId6"/>
-    <p:sldId id="260" r:id="rId7"/>
-    <p:sldId id="261" r:id="rId8"/>
-    <p:sldId id="262" r:id="rId9"/>
-    <p:sldId id="263" r:id="rId10"/>
-    <p:sldId id="264" r:id="rId11"/>
-    <p:sldId id="265" r:id="rId12"/>
-    <p:sldId id="271" r:id="rId13"/>
-    <p:sldId id="272" r:id="rId14"/>
-    <p:sldId id="273" r:id="rId15"/>
-    <p:sldId id="275" r:id="rId16"/>
-    <p:sldId id="274" r:id="rId17"/>
-    <p:sldId id="267" r:id="rId18"/>
-    <p:sldId id="268" r:id="rId19"/>
-    <p:sldId id="269" r:id="rId20"/>
-    <p:sldId id="270" r:id="rId21"/>
-    <p:sldId id="276" r:id="rId22"/>
+    <p:sldId id="256" r:id="rId4"/>
+    <p:sldId id="257" r:id="rId5"/>
+    <p:sldId id="258" r:id="rId6"/>
+    <p:sldId id="259" r:id="rId7"/>
+    <p:sldId id="260" r:id="rId8"/>
+    <p:sldId id="261" r:id="rId9"/>
+    <p:sldId id="262" r:id="rId10"/>
+    <p:sldId id="263" r:id="rId11"/>
+    <p:sldId id="264" r:id="rId12"/>
+    <p:sldId id="265" r:id="rId14"/>
+    <p:sldId id="271" r:id="rId15"/>
+    <p:sldId id="272" r:id="rId16"/>
+    <p:sldId id="273" r:id="rId17"/>
+    <p:sldId id="275" r:id="rId18"/>
+    <p:sldId id="274" r:id="rId19"/>
+    <p:sldId id="267" r:id="rId20"/>
+    <p:sldId id="268" r:id="rId21"/>
+    <p:sldId id="269" r:id="rId22"/>
+    <p:sldId id="270" r:id="rId23"/>
+    <p:sldId id="276" r:id="rId24"/>
   </p:sldIdLst>
   <p:sldSz cx="12192000" cy="6858000"/>
   <p:notesSz cx="6858000" cy="9144000"/>
   <p:custDataLst>
-    <p:tags r:id="rId24"/>
+    <p:tags r:id="rId28"/>
   </p:custDataLst>
   <p:defaultTextStyle>
     <a:defPPr>
@@ -130,11 +130,6 @@
       </a:defRPr>
     </a:lvl9pPr>
   </p:defaultTextStyle>
-  <p:extLst>
-    <p:ext uri="{EFAFB233-063F-42B5-8137-9DF3F51BA10A}">
-      <p15:sldGuideLst xmlns:p15="http://schemas.microsoft.com/office/powerpoint/2012/main"/>
-    </p:ext>
-  </p:extLst>
 </p:presentation>
 </file>
 
@@ -220,7 +215,6 @@
           <a:p>
             <a:fld id="{C8179AED-ECC2-4C91-8802-0EE7FB193B20}" type="datetimeFigureOut">
               <a:rPr lang="zh-CN" altLang="en-US" smtClean="0"/>
-              <a:t>2023/3/22</a:t>
             </a:fld>
             <a:endParaRPr lang="zh-CN" altLang="en-US"/>
           </a:p>
@@ -287,6 +281,7 @@
               <a:rPr lang="en-US" altLang="zh-CN"/>
               <a:t>Edit Master text styles</a:t>
             </a:r>
+            <a:endParaRPr lang="en-US" altLang="zh-CN"/>
           </a:p>
           <a:p>
             <a:pPr lvl="1"/>
@@ -294,6 +289,7 @@
               <a:rPr lang="en-US" altLang="zh-CN"/>
               <a:t>Second level</a:t>
             </a:r>
+            <a:endParaRPr lang="en-US" altLang="zh-CN"/>
           </a:p>
           <a:p>
             <a:pPr lvl="2"/>
@@ -301,6 +297,7 @@
               <a:rPr lang="en-US" altLang="zh-CN"/>
               <a:t>Third level</a:t>
             </a:r>
+            <a:endParaRPr lang="en-US" altLang="zh-CN"/>
           </a:p>
           <a:p>
             <a:pPr lvl="3"/>
@@ -308,6 +305,7 @@
               <a:rPr lang="en-US" altLang="zh-CN"/>
               <a:t>Fourth level</a:t>
             </a:r>
+            <a:endParaRPr lang="en-US" altLang="zh-CN"/>
           </a:p>
           <a:p>
             <a:pPr lvl="4"/>
@@ -379,18 +377,12 @@
           <a:p>
             <a:fld id="{3DF2B010-1AEA-4471-8F2C-23691641F493}" type="slidenum">
               <a:rPr lang="zh-CN" altLang="en-US" smtClean="0"/>
-              <a:t>‹#›</a:t>
             </a:fld>
             <a:endParaRPr lang="zh-CN" altLang="en-US"/>
           </a:p>
         </p:txBody>
       </p:sp>
     </p:spTree>
-    <p:extLst>
-      <p:ext uri="{BB962C8B-B14F-4D97-AF65-F5344CB8AC3E}">
-        <p14:creationId xmlns:p14="http://schemas.microsoft.com/office/powerpoint/2010/main" val="4140514246"/>
-      </p:ext>
-    </p:extLst>
   </p:cSld>
   <p:clrMap bg1="lt1" tx1="dk1" bg2="lt2" tx2="dk2" accent1="accent1" accent2="accent2" accent3="accent3" accent4="accent4" accent5="accent5" accent6="accent6" hlink="hlink" folHlink="folHlink"/>
   <p:notesStyle>
@@ -553,18 +545,12 @@
           <a:p>
             <a:fld id="{3DF2B010-1AEA-4471-8F2C-23691641F493}" type="slidenum">
               <a:rPr lang="zh-CN" altLang="en-US" smtClean="0"/>
-              <a:t>9</a:t>
             </a:fld>
             <a:endParaRPr lang="zh-CN" altLang="en-US"/>
           </a:p>
         </p:txBody>
       </p:sp>
     </p:spTree>
-    <p:extLst>
-      <p:ext uri="{BB962C8B-B14F-4D97-AF65-F5344CB8AC3E}">
-        <p14:creationId xmlns:p14="http://schemas.microsoft.com/office/powerpoint/2010/main" val="2248068194"/>
-      </p:ext>
-    </p:extLst>
   </p:cSld>
   <p:clrMapOvr>
     <a:masterClrMapping/>
@@ -637,18 +623,12 @@
           <a:p>
             <a:fld id="{3DF2B010-1AEA-4471-8F2C-23691641F493}" type="slidenum">
               <a:rPr lang="zh-CN" altLang="en-US" smtClean="0"/>
-              <a:t>16</a:t>
             </a:fld>
             <a:endParaRPr lang="zh-CN" altLang="en-US"/>
           </a:p>
         </p:txBody>
       </p:sp>
     </p:spTree>
-    <p:extLst>
-      <p:ext uri="{BB962C8B-B14F-4D97-AF65-F5344CB8AC3E}">
-        <p14:creationId xmlns:p14="http://schemas.microsoft.com/office/powerpoint/2010/main" val="4149320042"/>
-      </p:ext>
-    </p:extLst>
   </p:cSld>
   <p:clrMapOvr>
     <a:masterClrMapping/>
@@ -721,18 +701,12 @@
           <a:p>
             <a:fld id="{3DF2B010-1AEA-4471-8F2C-23691641F493}" type="slidenum">
               <a:rPr lang="zh-CN" altLang="en-US" smtClean="0"/>
-              <a:t>17</a:t>
             </a:fld>
             <a:endParaRPr lang="zh-CN" altLang="en-US"/>
           </a:p>
         </p:txBody>
       </p:sp>
     </p:spTree>
-    <p:extLst>
-      <p:ext uri="{BB962C8B-B14F-4D97-AF65-F5344CB8AC3E}">
-        <p14:creationId xmlns:p14="http://schemas.microsoft.com/office/powerpoint/2010/main" val="1373924628"/>
-      </p:ext>
-    </p:extLst>
   </p:cSld>
   <p:clrMapOvr>
     <a:masterClrMapping/>
@@ -871,7 +845,6 @@
           <a:p>
             <a:fld id="{A9F02FE8-3415-4A08-9C6C-93DDC515E45D}" type="datetimeFigureOut">
               <a:rPr lang="zh-CN" altLang="en-US" smtClean="0"/>
-              <a:t>2023/3/22</a:t>
             </a:fld>
             <a:endParaRPr lang="zh-CN" altLang="en-US"/>
           </a:p>
@@ -913,7 +886,6 @@
           <a:p>
             <a:fld id="{57842DCC-5249-4D2B-A703-C5A7D3861ADB}" type="slidenum">
               <a:rPr lang="zh-CN" altLang="en-US" smtClean="0"/>
-              <a:t>‹#›</a:t>
             </a:fld>
             <a:endParaRPr lang="zh-CN" altLang="en-US"/>
           </a:p>
@@ -987,6 +959,7 @@
               <a:rPr lang="en-US" altLang="zh-CN"/>
               <a:t>Edit Master text styles</a:t>
             </a:r>
+            <a:endParaRPr lang="en-US" altLang="zh-CN"/>
           </a:p>
           <a:p>
             <a:pPr lvl="1"/>
@@ -994,6 +967,7 @@
               <a:rPr lang="en-US" altLang="zh-CN"/>
               <a:t>Second level</a:t>
             </a:r>
+            <a:endParaRPr lang="en-US" altLang="zh-CN"/>
           </a:p>
           <a:p>
             <a:pPr lvl="2"/>
@@ -1001,6 +975,7 @@
               <a:rPr lang="en-US" altLang="zh-CN"/>
               <a:t>Third level</a:t>
             </a:r>
+            <a:endParaRPr lang="en-US" altLang="zh-CN"/>
           </a:p>
           <a:p>
             <a:pPr lvl="3"/>
@@ -1008,6 +983,7 @@
               <a:rPr lang="en-US" altLang="zh-CN"/>
               <a:t>Fourth level</a:t>
             </a:r>
+            <a:endParaRPr lang="en-US" altLang="zh-CN"/>
           </a:p>
           <a:p>
             <a:pPr lvl="4"/>
@@ -1036,7 +1012,6 @@
           <a:p>
             <a:fld id="{A9F02FE8-3415-4A08-9C6C-93DDC515E45D}" type="datetimeFigureOut">
               <a:rPr lang="zh-CN" altLang="en-US" smtClean="0"/>
-              <a:t>2023/3/22</a:t>
             </a:fld>
             <a:endParaRPr lang="zh-CN" altLang="en-US"/>
           </a:p>
@@ -1078,7 +1053,6 @@
           <a:p>
             <a:fld id="{57842DCC-5249-4D2B-A703-C5A7D3861ADB}" type="slidenum">
               <a:rPr lang="zh-CN" altLang="en-US" smtClean="0"/>
-              <a:t>‹#›</a:t>
             </a:fld>
             <a:endParaRPr lang="zh-CN" altLang="en-US"/>
           </a:p>
@@ -1162,6 +1136,7 @@
               <a:rPr lang="en-US" altLang="zh-CN"/>
               <a:t>Edit Master text styles</a:t>
             </a:r>
+            <a:endParaRPr lang="en-US" altLang="zh-CN"/>
           </a:p>
           <a:p>
             <a:pPr lvl="1"/>
@@ -1169,6 +1144,7 @@
               <a:rPr lang="en-US" altLang="zh-CN"/>
               <a:t>Second level</a:t>
             </a:r>
+            <a:endParaRPr lang="en-US" altLang="zh-CN"/>
           </a:p>
           <a:p>
             <a:pPr lvl="2"/>
@@ -1176,6 +1152,7 @@
               <a:rPr lang="en-US" altLang="zh-CN"/>
               <a:t>Third level</a:t>
             </a:r>
+            <a:endParaRPr lang="en-US" altLang="zh-CN"/>
           </a:p>
           <a:p>
             <a:pPr lvl="3"/>
@@ -1183,6 +1160,7 @@
               <a:rPr lang="en-US" altLang="zh-CN"/>
               <a:t>Fourth level</a:t>
             </a:r>
+            <a:endParaRPr lang="en-US" altLang="zh-CN"/>
           </a:p>
           <a:p>
             <a:pPr lvl="4"/>
@@ -1211,7 +1189,6 @@
           <a:p>
             <a:fld id="{A9F02FE8-3415-4A08-9C6C-93DDC515E45D}" type="datetimeFigureOut">
               <a:rPr lang="zh-CN" altLang="en-US" smtClean="0"/>
-              <a:t>2023/3/22</a:t>
             </a:fld>
             <a:endParaRPr lang="zh-CN" altLang="en-US"/>
           </a:p>
@@ -1253,7 +1230,6 @@
           <a:p>
             <a:fld id="{57842DCC-5249-4D2B-A703-C5A7D3861ADB}" type="slidenum">
               <a:rPr lang="zh-CN" altLang="en-US" smtClean="0"/>
-              <a:t>‹#›</a:t>
             </a:fld>
             <a:endParaRPr lang="zh-CN" altLang="en-US"/>
           </a:p>
@@ -1398,7 +1374,6 @@
           <a:p>
             <a:fld id="{A9F02FE8-3415-4A08-9C6C-93DDC515E45D}" type="datetimeFigureOut">
               <a:rPr lang="zh-CN" altLang="en-US" smtClean="0"/>
-              <a:t>2023/3/22</a:t>
             </a:fld>
             <a:endParaRPr lang="zh-CN" altLang="en-US"/>
           </a:p>
@@ -1440,7 +1415,6 @@
           <a:p>
             <a:fld id="{57842DCC-5249-4D2B-A703-C5A7D3861ADB}" type="slidenum">
               <a:rPr lang="zh-CN" altLang="en-US" smtClean="0"/>
-              <a:t>‹#›</a:t>
             </a:fld>
             <a:endParaRPr lang="zh-CN" altLang="en-US"/>
           </a:p>
@@ -1514,6 +1488,7 @@
               <a:rPr lang="en-US" altLang="zh-CN"/>
               <a:t>Edit Master text styles</a:t>
             </a:r>
+            <a:endParaRPr lang="en-US" altLang="zh-CN"/>
           </a:p>
           <a:p>
             <a:pPr lvl="1"/>
@@ -1521,6 +1496,7 @@
               <a:rPr lang="en-US" altLang="zh-CN"/>
               <a:t>Second level</a:t>
             </a:r>
+            <a:endParaRPr lang="en-US" altLang="zh-CN"/>
           </a:p>
           <a:p>
             <a:pPr lvl="2"/>
@@ -1528,6 +1504,7 @@
               <a:rPr lang="en-US" altLang="zh-CN"/>
               <a:t>Third level</a:t>
             </a:r>
+            <a:endParaRPr lang="en-US" altLang="zh-CN"/>
           </a:p>
           <a:p>
             <a:pPr lvl="3"/>
@@ -1535,6 +1512,7 @@
               <a:rPr lang="en-US" altLang="zh-CN"/>
               <a:t>Fourth level</a:t>
             </a:r>
+            <a:endParaRPr lang="en-US" altLang="zh-CN"/>
           </a:p>
           <a:p>
             <a:pPr lvl="4"/>
@@ -1563,7 +1541,6 @@
           <a:p>
             <a:fld id="{A9F02FE8-3415-4A08-9C6C-93DDC515E45D}" type="datetimeFigureOut">
               <a:rPr lang="zh-CN" altLang="en-US" smtClean="0"/>
-              <a:t>2023/3/22</a:t>
             </a:fld>
             <a:endParaRPr lang="zh-CN" altLang="en-US"/>
           </a:p>
@@ -1605,7 +1582,6 @@
           <a:p>
             <a:fld id="{57842DCC-5249-4D2B-A703-C5A7D3861ADB}" type="slidenum">
               <a:rPr lang="zh-CN" altLang="en-US" smtClean="0"/>
-              <a:t>‹#›</a:t>
             </a:fld>
             <a:endParaRPr lang="zh-CN" altLang="en-US"/>
           </a:p>
@@ -1784,6 +1760,7 @@
               <a:rPr lang="en-US" altLang="zh-CN"/>
               <a:t>Edit Master text styles</a:t>
             </a:r>
+            <a:endParaRPr lang="en-US" altLang="zh-CN"/>
           </a:p>
         </p:txBody>
       </p:sp>
@@ -1804,7 +1781,6 @@
           <a:p>
             <a:fld id="{A9F02FE8-3415-4A08-9C6C-93DDC515E45D}" type="datetimeFigureOut">
               <a:rPr lang="zh-CN" altLang="en-US" smtClean="0"/>
-              <a:t>2023/3/22</a:t>
             </a:fld>
             <a:endParaRPr lang="zh-CN" altLang="en-US"/>
           </a:p>
@@ -1846,7 +1822,6 @@
           <a:p>
             <a:fld id="{57842DCC-5249-4D2B-A703-C5A7D3861ADB}" type="slidenum">
               <a:rPr lang="zh-CN" altLang="en-US" smtClean="0"/>
-              <a:t>‹#›</a:t>
             </a:fld>
             <a:endParaRPr lang="zh-CN" altLang="en-US"/>
           </a:p>
@@ -1925,6 +1900,7 @@
               <a:rPr lang="en-US" altLang="zh-CN"/>
               <a:t>Edit Master text styles</a:t>
             </a:r>
+            <a:endParaRPr lang="en-US" altLang="zh-CN"/>
           </a:p>
           <a:p>
             <a:pPr lvl="1"/>
@@ -1932,6 +1908,7 @@
               <a:rPr lang="en-US" altLang="zh-CN"/>
               <a:t>Second level</a:t>
             </a:r>
+            <a:endParaRPr lang="en-US" altLang="zh-CN"/>
           </a:p>
           <a:p>
             <a:pPr lvl="2"/>
@@ -1939,6 +1916,7 @@
               <a:rPr lang="en-US" altLang="zh-CN"/>
               <a:t>Third level</a:t>
             </a:r>
+            <a:endParaRPr lang="en-US" altLang="zh-CN"/>
           </a:p>
           <a:p>
             <a:pPr lvl="3"/>
@@ -1946,6 +1924,7 @@
               <a:rPr lang="en-US" altLang="zh-CN"/>
               <a:t>Fourth level</a:t>
             </a:r>
+            <a:endParaRPr lang="en-US" altLang="zh-CN"/>
           </a:p>
           <a:p>
             <a:pPr lvl="4"/>
@@ -1982,6 +1961,7 @@
               <a:rPr lang="en-US" altLang="zh-CN"/>
               <a:t>Edit Master text styles</a:t>
             </a:r>
+            <a:endParaRPr lang="en-US" altLang="zh-CN"/>
           </a:p>
           <a:p>
             <a:pPr lvl="1"/>
@@ -1989,6 +1969,7 @@
               <a:rPr lang="en-US" altLang="zh-CN"/>
               <a:t>Second level</a:t>
             </a:r>
+            <a:endParaRPr lang="en-US" altLang="zh-CN"/>
           </a:p>
           <a:p>
             <a:pPr lvl="2"/>
@@ -1996,6 +1977,7 @@
               <a:rPr lang="en-US" altLang="zh-CN"/>
               <a:t>Third level</a:t>
             </a:r>
+            <a:endParaRPr lang="en-US" altLang="zh-CN"/>
           </a:p>
           <a:p>
             <a:pPr lvl="3"/>
@@ -2003,6 +1985,7 @@
               <a:rPr lang="en-US" altLang="zh-CN"/>
               <a:t>Fourth level</a:t>
             </a:r>
+            <a:endParaRPr lang="en-US" altLang="zh-CN"/>
           </a:p>
           <a:p>
             <a:pPr lvl="4"/>
@@ -2031,7 +2014,6 @@
           <a:p>
             <a:fld id="{A9F02FE8-3415-4A08-9C6C-93DDC515E45D}" type="datetimeFigureOut">
               <a:rPr lang="zh-CN" altLang="en-US" smtClean="0"/>
-              <a:t>2023/3/22</a:t>
             </a:fld>
             <a:endParaRPr lang="zh-CN" altLang="en-US"/>
           </a:p>
@@ -2073,7 +2055,6 @@
           <a:p>
             <a:fld id="{57842DCC-5249-4D2B-A703-C5A7D3861ADB}" type="slidenum">
               <a:rPr lang="zh-CN" altLang="en-US" smtClean="0"/>
-              <a:t>‹#›</a:t>
             </a:fld>
             <a:endParaRPr lang="zh-CN" altLang="en-US"/>
           </a:p>
@@ -2194,6 +2175,7 @@
               <a:rPr lang="en-US" altLang="zh-CN"/>
               <a:t>Edit Master text styles</a:t>
             </a:r>
+            <a:endParaRPr lang="en-US" altLang="zh-CN"/>
           </a:p>
         </p:txBody>
       </p:sp>
@@ -2222,6 +2204,7 @@
               <a:rPr lang="en-US" altLang="zh-CN"/>
               <a:t>Edit Master text styles</a:t>
             </a:r>
+            <a:endParaRPr lang="en-US" altLang="zh-CN"/>
           </a:p>
           <a:p>
             <a:pPr lvl="1"/>
@@ -2229,6 +2212,7 @@
               <a:rPr lang="en-US" altLang="zh-CN"/>
               <a:t>Second level</a:t>
             </a:r>
+            <a:endParaRPr lang="en-US" altLang="zh-CN"/>
           </a:p>
           <a:p>
             <a:pPr lvl="2"/>
@@ -2236,6 +2220,7 @@
               <a:rPr lang="en-US" altLang="zh-CN"/>
               <a:t>Third level</a:t>
             </a:r>
+            <a:endParaRPr lang="en-US" altLang="zh-CN"/>
           </a:p>
           <a:p>
             <a:pPr lvl="3"/>
@@ -2243,6 +2228,7 @@
               <a:rPr lang="en-US" altLang="zh-CN"/>
               <a:t>Fourth level</a:t>
             </a:r>
+            <a:endParaRPr lang="en-US" altLang="zh-CN"/>
           </a:p>
           <a:p>
             <a:pPr lvl="4"/>
@@ -2316,6 +2302,7 @@
               <a:rPr lang="en-US" altLang="zh-CN"/>
               <a:t>Edit Master text styles</a:t>
             </a:r>
+            <a:endParaRPr lang="en-US" altLang="zh-CN"/>
           </a:p>
         </p:txBody>
       </p:sp>
@@ -2344,6 +2331,7 @@
               <a:rPr lang="en-US" altLang="zh-CN"/>
               <a:t>Edit Master text styles</a:t>
             </a:r>
+            <a:endParaRPr lang="en-US" altLang="zh-CN"/>
           </a:p>
           <a:p>
             <a:pPr lvl="1"/>
@@ -2351,6 +2339,7 @@
               <a:rPr lang="en-US" altLang="zh-CN"/>
               <a:t>Second level</a:t>
             </a:r>
+            <a:endParaRPr lang="en-US" altLang="zh-CN"/>
           </a:p>
           <a:p>
             <a:pPr lvl="2"/>
@@ -2358,6 +2347,7 @@
               <a:rPr lang="en-US" altLang="zh-CN"/>
               <a:t>Third level</a:t>
             </a:r>
+            <a:endParaRPr lang="en-US" altLang="zh-CN"/>
           </a:p>
           <a:p>
             <a:pPr lvl="3"/>
@@ -2365,6 +2355,7 @@
               <a:rPr lang="en-US" altLang="zh-CN"/>
               <a:t>Fourth level</a:t>
             </a:r>
+            <a:endParaRPr lang="en-US" altLang="zh-CN"/>
           </a:p>
           <a:p>
             <a:pPr lvl="4"/>
@@ -2393,7 +2384,6 @@
           <a:p>
             <a:fld id="{A9F02FE8-3415-4A08-9C6C-93DDC515E45D}" type="datetimeFigureOut">
               <a:rPr lang="zh-CN" altLang="en-US" smtClean="0"/>
-              <a:t>2023/3/22</a:t>
             </a:fld>
             <a:endParaRPr lang="zh-CN" altLang="en-US"/>
           </a:p>
@@ -2435,7 +2425,6 @@
           <a:p>
             <a:fld id="{57842DCC-5249-4D2B-A703-C5A7D3861ADB}" type="slidenum">
               <a:rPr lang="zh-CN" altLang="en-US" smtClean="0"/>
-              <a:t>‹#›</a:t>
             </a:fld>
             <a:endParaRPr lang="zh-CN" altLang="en-US"/>
           </a:p>
@@ -2506,7 +2495,6 @@
           <a:p>
             <a:fld id="{A9F02FE8-3415-4A08-9C6C-93DDC515E45D}" type="datetimeFigureOut">
               <a:rPr lang="zh-CN" altLang="en-US" smtClean="0"/>
-              <a:t>2023/3/22</a:t>
             </a:fld>
             <a:endParaRPr lang="zh-CN" altLang="en-US"/>
           </a:p>
@@ -2548,7 +2536,6 @@
           <a:p>
             <a:fld id="{57842DCC-5249-4D2B-A703-C5A7D3861ADB}" type="slidenum">
               <a:rPr lang="zh-CN" altLang="en-US" smtClean="0"/>
-              <a:t>‹#›</a:t>
             </a:fld>
             <a:endParaRPr lang="zh-CN" altLang="en-US"/>
           </a:p>
@@ -2596,7 +2583,6 @@
           <a:p>
             <a:fld id="{A9F02FE8-3415-4A08-9C6C-93DDC515E45D}" type="datetimeFigureOut">
               <a:rPr lang="zh-CN" altLang="en-US" smtClean="0"/>
-              <a:t>2023/3/22</a:t>
             </a:fld>
             <a:endParaRPr lang="zh-CN" altLang="en-US"/>
           </a:p>
@@ -2638,7 +2624,6 @@
           <a:p>
             <a:fld id="{57842DCC-5249-4D2B-A703-C5A7D3861ADB}" type="slidenum">
               <a:rPr lang="zh-CN" altLang="en-US" smtClean="0"/>
-              <a:t>‹#›</a:t>
             </a:fld>
             <a:endParaRPr lang="zh-CN" altLang="en-US"/>
           </a:p>
@@ -2754,6 +2739,7 @@
               <a:rPr lang="en-US" altLang="zh-CN"/>
               <a:t>Edit Master text styles</a:t>
             </a:r>
+            <a:endParaRPr lang="en-US" altLang="zh-CN"/>
           </a:p>
           <a:p>
             <a:pPr lvl="1"/>
@@ -2761,6 +2747,7 @@
               <a:rPr lang="en-US" altLang="zh-CN"/>
               <a:t>Second level</a:t>
             </a:r>
+            <a:endParaRPr lang="en-US" altLang="zh-CN"/>
           </a:p>
           <a:p>
             <a:pPr lvl="2"/>
@@ -2768,6 +2755,7 @@
               <a:rPr lang="en-US" altLang="zh-CN"/>
               <a:t>Third level</a:t>
             </a:r>
+            <a:endParaRPr lang="en-US" altLang="zh-CN"/>
           </a:p>
           <a:p>
             <a:pPr lvl="3"/>
@@ -2775,6 +2763,7 @@
               <a:rPr lang="en-US" altLang="zh-CN"/>
               <a:t>Fourth level</a:t>
             </a:r>
+            <a:endParaRPr lang="en-US" altLang="zh-CN"/>
           </a:p>
           <a:p>
             <a:pPr lvl="4"/>
@@ -2848,6 +2837,7 @@
               <a:rPr lang="en-US" altLang="zh-CN"/>
               <a:t>Edit Master text styles</a:t>
             </a:r>
+            <a:endParaRPr lang="en-US" altLang="zh-CN"/>
           </a:p>
         </p:txBody>
       </p:sp>
@@ -2868,7 +2858,6 @@
           <a:p>
             <a:fld id="{A9F02FE8-3415-4A08-9C6C-93DDC515E45D}" type="datetimeFigureOut">
               <a:rPr lang="zh-CN" altLang="en-US" smtClean="0"/>
-              <a:t>2023/3/22</a:t>
             </a:fld>
             <a:endParaRPr lang="zh-CN" altLang="en-US"/>
           </a:p>
@@ -2910,7 +2899,6 @@
           <a:p>
             <a:fld id="{57842DCC-5249-4D2B-A703-C5A7D3861ADB}" type="slidenum">
               <a:rPr lang="zh-CN" altLang="en-US" smtClean="0"/>
-              <a:t>‹#›</a:t>
             </a:fld>
             <a:endParaRPr lang="zh-CN" altLang="en-US"/>
           </a:p>
@@ -2984,6 +2972,7 @@
               <a:rPr lang="en-US" altLang="zh-CN"/>
               <a:t>Edit Master text styles</a:t>
             </a:r>
+            <a:endParaRPr lang="en-US" altLang="zh-CN"/>
           </a:p>
           <a:p>
             <a:pPr lvl="1"/>
@@ -2991,6 +2980,7 @@
               <a:rPr lang="en-US" altLang="zh-CN"/>
               <a:t>Second level</a:t>
             </a:r>
+            <a:endParaRPr lang="en-US" altLang="zh-CN"/>
           </a:p>
           <a:p>
             <a:pPr lvl="2"/>
@@ -2998,6 +2988,7 @@
               <a:rPr lang="en-US" altLang="zh-CN"/>
               <a:t>Third level</a:t>
             </a:r>
+            <a:endParaRPr lang="en-US" altLang="zh-CN"/>
           </a:p>
           <a:p>
             <a:pPr lvl="3"/>
@@ -3005,6 +2996,7 @@
               <a:rPr lang="en-US" altLang="zh-CN"/>
               <a:t>Fourth level</a:t>
             </a:r>
+            <a:endParaRPr lang="en-US" altLang="zh-CN"/>
           </a:p>
           <a:p>
             <a:pPr lvl="4"/>
@@ -3033,7 +3025,6 @@
           <a:p>
             <a:fld id="{A9F02FE8-3415-4A08-9C6C-93DDC515E45D}" type="datetimeFigureOut">
               <a:rPr lang="zh-CN" altLang="en-US" smtClean="0"/>
-              <a:t>2023/3/22</a:t>
             </a:fld>
             <a:endParaRPr lang="zh-CN" altLang="en-US"/>
           </a:p>
@@ -3075,7 +3066,6 @@
           <a:p>
             <a:fld id="{57842DCC-5249-4D2B-A703-C5A7D3861ADB}" type="slidenum">
               <a:rPr lang="zh-CN" altLang="en-US" smtClean="0"/>
-              <a:t>‹#›</a:t>
             </a:fld>
             <a:endParaRPr lang="zh-CN" altLang="en-US"/>
           </a:p>
@@ -3261,6 +3251,7 @@
               <a:rPr lang="en-US" altLang="zh-CN"/>
               <a:t>Edit Master text styles</a:t>
             </a:r>
+            <a:endParaRPr lang="en-US" altLang="zh-CN"/>
           </a:p>
         </p:txBody>
       </p:sp>
@@ -3281,7 +3272,6 @@
           <a:p>
             <a:fld id="{A9F02FE8-3415-4A08-9C6C-93DDC515E45D}" type="datetimeFigureOut">
               <a:rPr lang="zh-CN" altLang="en-US" smtClean="0"/>
-              <a:t>2023/3/22</a:t>
             </a:fld>
             <a:endParaRPr lang="zh-CN" altLang="en-US"/>
           </a:p>
@@ -3323,7 +3313,6 @@
           <a:p>
             <a:fld id="{57842DCC-5249-4D2B-A703-C5A7D3861ADB}" type="slidenum">
               <a:rPr lang="zh-CN" altLang="en-US" smtClean="0"/>
-              <a:t>‹#›</a:t>
             </a:fld>
             <a:endParaRPr lang="zh-CN" altLang="en-US"/>
           </a:p>
@@ -3397,6 +3386,7 @@
               <a:rPr lang="en-US" altLang="zh-CN"/>
               <a:t>Edit Master text styles</a:t>
             </a:r>
+            <a:endParaRPr lang="en-US" altLang="zh-CN"/>
           </a:p>
           <a:p>
             <a:pPr lvl="1"/>
@@ -3404,6 +3394,7 @@
               <a:rPr lang="en-US" altLang="zh-CN"/>
               <a:t>Second level</a:t>
             </a:r>
+            <a:endParaRPr lang="en-US" altLang="zh-CN"/>
           </a:p>
           <a:p>
             <a:pPr lvl="2"/>
@@ -3411,6 +3402,7 @@
               <a:rPr lang="en-US" altLang="zh-CN"/>
               <a:t>Third level</a:t>
             </a:r>
+            <a:endParaRPr lang="en-US" altLang="zh-CN"/>
           </a:p>
           <a:p>
             <a:pPr lvl="3"/>
@@ -3418,6 +3410,7 @@
               <a:rPr lang="en-US" altLang="zh-CN"/>
               <a:t>Fourth level</a:t>
             </a:r>
+            <a:endParaRPr lang="en-US" altLang="zh-CN"/>
           </a:p>
           <a:p>
             <a:pPr lvl="4"/>
@@ -3446,7 +3439,6 @@
           <a:p>
             <a:fld id="{A9F02FE8-3415-4A08-9C6C-93DDC515E45D}" type="datetimeFigureOut">
               <a:rPr lang="zh-CN" altLang="en-US" smtClean="0"/>
-              <a:t>2023/3/22</a:t>
             </a:fld>
             <a:endParaRPr lang="zh-CN" altLang="en-US"/>
           </a:p>
@@ -3488,7 +3480,6 @@
           <a:p>
             <a:fld id="{57842DCC-5249-4D2B-A703-C5A7D3861ADB}" type="slidenum">
               <a:rPr lang="zh-CN" altLang="en-US" smtClean="0"/>
-              <a:t>‹#›</a:t>
             </a:fld>
             <a:endParaRPr lang="zh-CN" altLang="en-US"/>
           </a:p>
@@ -3572,6 +3563,7 @@
               <a:rPr lang="en-US" altLang="zh-CN"/>
               <a:t>Edit Master text styles</a:t>
             </a:r>
+            <a:endParaRPr lang="en-US" altLang="zh-CN"/>
           </a:p>
           <a:p>
             <a:pPr lvl="1"/>
@@ -3579,6 +3571,7 @@
               <a:rPr lang="en-US" altLang="zh-CN"/>
               <a:t>Second level</a:t>
             </a:r>
+            <a:endParaRPr lang="en-US" altLang="zh-CN"/>
           </a:p>
           <a:p>
             <a:pPr lvl="2"/>
@@ -3586,6 +3579,7 @@
               <a:rPr lang="en-US" altLang="zh-CN"/>
               <a:t>Third level</a:t>
             </a:r>
+            <a:endParaRPr lang="en-US" altLang="zh-CN"/>
           </a:p>
           <a:p>
             <a:pPr lvl="3"/>
@@ -3593,6 +3587,7 @@
               <a:rPr lang="en-US" altLang="zh-CN"/>
               <a:t>Fourth level</a:t>
             </a:r>
+            <a:endParaRPr lang="en-US" altLang="zh-CN"/>
           </a:p>
           <a:p>
             <a:pPr lvl="4"/>
@@ -3621,7 +3616,6 @@
           <a:p>
             <a:fld id="{A9F02FE8-3415-4A08-9C6C-93DDC515E45D}" type="datetimeFigureOut">
               <a:rPr lang="zh-CN" altLang="en-US" smtClean="0"/>
-              <a:t>2023/3/22</a:t>
             </a:fld>
             <a:endParaRPr lang="zh-CN" altLang="en-US"/>
           </a:p>
@@ -3663,7 +3657,6 @@
           <a:p>
             <a:fld id="{57842DCC-5249-4D2B-A703-C5A7D3861ADB}" type="slidenum">
               <a:rPr lang="zh-CN" altLang="en-US" smtClean="0"/>
-              <a:t>‹#›</a:t>
             </a:fld>
             <a:endParaRPr lang="zh-CN" altLang="en-US"/>
           </a:p>
@@ -3842,6 +3835,7 @@
               <a:rPr lang="en-US" altLang="zh-CN"/>
               <a:t>Edit Master text styles</a:t>
             </a:r>
+            <a:endParaRPr lang="en-US" altLang="zh-CN"/>
           </a:p>
         </p:txBody>
       </p:sp>
@@ -3862,7 +3856,6 @@
           <a:p>
             <a:fld id="{A9F02FE8-3415-4A08-9C6C-93DDC515E45D}" type="datetimeFigureOut">
               <a:rPr lang="zh-CN" altLang="en-US" smtClean="0"/>
-              <a:t>2023/3/22</a:t>
             </a:fld>
             <a:endParaRPr lang="zh-CN" altLang="en-US"/>
           </a:p>
@@ -3904,7 +3897,6 @@
           <a:p>
             <a:fld id="{57842DCC-5249-4D2B-A703-C5A7D3861ADB}" type="slidenum">
               <a:rPr lang="zh-CN" altLang="en-US" smtClean="0"/>
-              <a:t>‹#›</a:t>
             </a:fld>
             <a:endParaRPr lang="zh-CN" altLang="en-US"/>
           </a:p>
@@ -3983,6 +3975,7 @@
               <a:rPr lang="en-US" altLang="zh-CN"/>
               <a:t>Edit Master text styles</a:t>
             </a:r>
+            <a:endParaRPr lang="en-US" altLang="zh-CN"/>
           </a:p>
           <a:p>
             <a:pPr lvl="1"/>
@@ -3990,6 +3983,7 @@
               <a:rPr lang="en-US" altLang="zh-CN"/>
               <a:t>Second level</a:t>
             </a:r>
+            <a:endParaRPr lang="en-US" altLang="zh-CN"/>
           </a:p>
           <a:p>
             <a:pPr lvl="2"/>
@@ -3997,6 +3991,7 @@
               <a:rPr lang="en-US" altLang="zh-CN"/>
               <a:t>Third level</a:t>
             </a:r>
+            <a:endParaRPr lang="en-US" altLang="zh-CN"/>
           </a:p>
           <a:p>
             <a:pPr lvl="3"/>
@@ -4004,6 +3999,7 @@
               <a:rPr lang="en-US" altLang="zh-CN"/>
               <a:t>Fourth level</a:t>
             </a:r>
+            <a:endParaRPr lang="en-US" altLang="zh-CN"/>
           </a:p>
           <a:p>
             <a:pPr lvl="4"/>
@@ -4040,6 +4036,7 @@
               <a:rPr lang="en-US" altLang="zh-CN"/>
               <a:t>Edit Master text styles</a:t>
             </a:r>
+            <a:endParaRPr lang="en-US" altLang="zh-CN"/>
           </a:p>
           <a:p>
             <a:pPr lvl="1"/>
@@ -4047,6 +4044,7 @@
               <a:rPr lang="en-US" altLang="zh-CN"/>
               <a:t>Second level</a:t>
             </a:r>
+            <a:endParaRPr lang="en-US" altLang="zh-CN"/>
           </a:p>
           <a:p>
             <a:pPr lvl="2"/>
@@ -4054,6 +4052,7 @@
               <a:rPr lang="en-US" altLang="zh-CN"/>
               <a:t>Third level</a:t>
             </a:r>
+            <a:endParaRPr lang="en-US" altLang="zh-CN"/>
           </a:p>
           <a:p>
             <a:pPr lvl="3"/>
@@ -4061,6 +4060,7 @@
               <a:rPr lang="en-US" altLang="zh-CN"/>
               <a:t>Fourth level</a:t>
             </a:r>
+            <a:endParaRPr lang="en-US" altLang="zh-CN"/>
           </a:p>
           <a:p>
             <a:pPr lvl="4"/>
@@ -4089,7 +4089,6 @@
           <a:p>
             <a:fld id="{A9F02FE8-3415-4A08-9C6C-93DDC515E45D}" type="datetimeFigureOut">
               <a:rPr lang="zh-CN" altLang="en-US" smtClean="0"/>
-              <a:t>2023/3/22</a:t>
             </a:fld>
             <a:endParaRPr lang="zh-CN" altLang="en-US"/>
           </a:p>
@@ -4131,7 +4130,6 @@
           <a:p>
             <a:fld id="{57842DCC-5249-4D2B-A703-C5A7D3861ADB}" type="slidenum">
               <a:rPr lang="zh-CN" altLang="en-US" smtClean="0"/>
-              <a:t>‹#›</a:t>
             </a:fld>
             <a:endParaRPr lang="zh-CN" altLang="en-US"/>
           </a:p>
@@ -4252,6 +4250,7 @@
               <a:rPr lang="en-US" altLang="zh-CN"/>
               <a:t>Edit Master text styles</a:t>
             </a:r>
+            <a:endParaRPr lang="en-US" altLang="zh-CN"/>
           </a:p>
         </p:txBody>
       </p:sp>
@@ -4280,6 +4279,7 @@
               <a:rPr lang="en-US" altLang="zh-CN"/>
               <a:t>Edit Master text styles</a:t>
             </a:r>
+            <a:endParaRPr lang="en-US" altLang="zh-CN"/>
           </a:p>
           <a:p>
             <a:pPr lvl="1"/>
@@ -4287,6 +4287,7 @@
               <a:rPr lang="en-US" altLang="zh-CN"/>
               <a:t>Second level</a:t>
             </a:r>
+            <a:endParaRPr lang="en-US" altLang="zh-CN"/>
           </a:p>
           <a:p>
             <a:pPr lvl="2"/>
@@ -4294,6 +4295,7 @@
               <a:rPr lang="en-US" altLang="zh-CN"/>
               <a:t>Third level</a:t>
             </a:r>
+            <a:endParaRPr lang="en-US" altLang="zh-CN"/>
           </a:p>
           <a:p>
             <a:pPr lvl="3"/>
@@ -4301,6 +4303,7 @@
               <a:rPr lang="en-US" altLang="zh-CN"/>
               <a:t>Fourth level</a:t>
             </a:r>
+            <a:endParaRPr lang="en-US" altLang="zh-CN"/>
           </a:p>
           <a:p>
             <a:pPr lvl="4"/>
@@ -4374,6 +4377,7 @@
               <a:rPr lang="en-US" altLang="zh-CN"/>
               <a:t>Edit Master text styles</a:t>
             </a:r>
+            <a:endParaRPr lang="en-US" altLang="zh-CN"/>
           </a:p>
         </p:txBody>
       </p:sp>
@@ -4402,6 +4406,7 @@
               <a:rPr lang="en-US" altLang="zh-CN"/>
               <a:t>Edit Master text styles</a:t>
             </a:r>
+            <a:endParaRPr lang="en-US" altLang="zh-CN"/>
           </a:p>
           <a:p>
             <a:pPr lvl="1"/>
@@ -4409,6 +4414,7 @@
               <a:rPr lang="en-US" altLang="zh-CN"/>
               <a:t>Second level</a:t>
             </a:r>
+            <a:endParaRPr lang="en-US" altLang="zh-CN"/>
           </a:p>
           <a:p>
             <a:pPr lvl="2"/>
@@ -4416,6 +4422,7 @@
               <a:rPr lang="en-US" altLang="zh-CN"/>
               <a:t>Third level</a:t>
             </a:r>
+            <a:endParaRPr lang="en-US" altLang="zh-CN"/>
           </a:p>
           <a:p>
             <a:pPr lvl="3"/>
@@ -4423,6 +4430,7 @@
               <a:rPr lang="en-US" altLang="zh-CN"/>
               <a:t>Fourth level</a:t>
             </a:r>
+            <a:endParaRPr lang="en-US" altLang="zh-CN"/>
           </a:p>
           <a:p>
             <a:pPr lvl="4"/>
@@ -4451,7 +4459,6 @@
           <a:p>
             <a:fld id="{A9F02FE8-3415-4A08-9C6C-93DDC515E45D}" type="datetimeFigureOut">
               <a:rPr lang="zh-CN" altLang="en-US" smtClean="0"/>
-              <a:t>2023/3/22</a:t>
             </a:fld>
             <a:endParaRPr lang="zh-CN" altLang="en-US"/>
           </a:p>
@@ -4493,7 +4500,6 @@
           <a:p>
             <a:fld id="{57842DCC-5249-4D2B-A703-C5A7D3861ADB}" type="slidenum">
               <a:rPr lang="zh-CN" altLang="en-US" smtClean="0"/>
-              <a:t>‹#›</a:t>
             </a:fld>
             <a:endParaRPr lang="zh-CN" altLang="en-US"/>
           </a:p>
@@ -4564,7 +4570,6 @@
           <a:p>
             <a:fld id="{A9F02FE8-3415-4A08-9C6C-93DDC515E45D}" type="datetimeFigureOut">
               <a:rPr lang="zh-CN" altLang="en-US" smtClean="0"/>
-              <a:t>2023/3/22</a:t>
             </a:fld>
             <a:endParaRPr lang="zh-CN" altLang="en-US"/>
           </a:p>
@@ -4606,7 +4611,6 @@
           <a:p>
             <a:fld id="{57842DCC-5249-4D2B-A703-C5A7D3861ADB}" type="slidenum">
               <a:rPr lang="zh-CN" altLang="en-US" smtClean="0"/>
-              <a:t>‹#›</a:t>
             </a:fld>
             <a:endParaRPr lang="zh-CN" altLang="en-US"/>
           </a:p>
@@ -4654,7 +4658,6 @@
           <a:p>
             <a:fld id="{A9F02FE8-3415-4A08-9C6C-93DDC515E45D}" type="datetimeFigureOut">
               <a:rPr lang="zh-CN" altLang="en-US" smtClean="0"/>
-              <a:t>2023/3/22</a:t>
             </a:fld>
             <a:endParaRPr lang="zh-CN" altLang="en-US"/>
           </a:p>
@@ -4696,7 +4699,6 @@
           <a:p>
             <a:fld id="{57842DCC-5249-4D2B-A703-C5A7D3861ADB}" type="slidenum">
               <a:rPr lang="zh-CN" altLang="en-US" smtClean="0"/>
-              <a:t>‹#›</a:t>
             </a:fld>
             <a:endParaRPr lang="zh-CN" altLang="en-US"/>
           </a:p>
@@ -4812,6 +4814,7 @@
               <a:rPr lang="en-US" altLang="zh-CN"/>
               <a:t>Edit Master text styles</a:t>
             </a:r>
+            <a:endParaRPr lang="en-US" altLang="zh-CN"/>
           </a:p>
           <a:p>
             <a:pPr lvl="1"/>
@@ -4819,6 +4822,7 @@
               <a:rPr lang="en-US" altLang="zh-CN"/>
               <a:t>Second level</a:t>
             </a:r>
+            <a:endParaRPr lang="en-US" altLang="zh-CN"/>
           </a:p>
           <a:p>
             <a:pPr lvl="2"/>
@@ -4826,6 +4830,7 @@
               <a:rPr lang="en-US" altLang="zh-CN"/>
               <a:t>Third level</a:t>
             </a:r>
+            <a:endParaRPr lang="en-US" altLang="zh-CN"/>
           </a:p>
           <a:p>
             <a:pPr lvl="3"/>
@@ -4833,6 +4838,7 @@
               <a:rPr lang="en-US" altLang="zh-CN"/>
               <a:t>Fourth level</a:t>
             </a:r>
+            <a:endParaRPr lang="en-US" altLang="zh-CN"/>
           </a:p>
           <a:p>
             <a:pPr lvl="4"/>
@@ -4906,6 +4912,7 @@
               <a:rPr lang="en-US" altLang="zh-CN"/>
               <a:t>Edit Master text styles</a:t>
             </a:r>
+            <a:endParaRPr lang="en-US" altLang="zh-CN"/>
           </a:p>
         </p:txBody>
       </p:sp>
@@ -4926,7 +4933,6 @@
           <a:p>
             <a:fld id="{A9F02FE8-3415-4A08-9C6C-93DDC515E45D}" type="datetimeFigureOut">
               <a:rPr lang="zh-CN" altLang="en-US" smtClean="0"/>
-              <a:t>2023/3/22</a:t>
             </a:fld>
             <a:endParaRPr lang="zh-CN" altLang="en-US"/>
           </a:p>
@@ -4968,7 +4974,6 @@
           <a:p>
             <a:fld id="{57842DCC-5249-4D2B-A703-C5A7D3861ADB}" type="slidenum">
               <a:rPr lang="zh-CN" altLang="en-US" smtClean="0"/>
-              <a:t>‹#›</a:t>
             </a:fld>
             <a:endParaRPr lang="zh-CN" altLang="en-US"/>
           </a:p>
@@ -5154,6 +5159,7 @@
               <a:rPr lang="en-US" altLang="zh-CN"/>
               <a:t>Edit Master text styles</a:t>
             </a:r>
+            <a:endParaRPr lang="en-US" altLang="zh-CN"/>
           </a:p>
         </p:txBody>
       </p:sp>
@@ -5174,7 +5180,6 @@
           <a:p>
             <a:fld id="{A9F02FE8-3415-4A08-9C6C-93DDC515E45D}" type="datetimeFigureOut">
               <a:rPr lang="zh-CN" altLang="en-US" smtClean="0"/>
-              <a:t>2023/3/22</a:t>
             </a:fld>
             <a:endParaRPr lang="zh-CN" altLang="en-US"/>
           </a:p>
@@ -5216,7 +5221,6 @@
           <a:p>
             <a:fld id="{57842DCC-5249-4D2B-A703-C5A7D3861ADB}" type="slidenum">
               <a:rPr lang="zh-CN" altLang="en-US" smtClean="0"/>
-              <a:t>‹#›</a:t>
             </a:fld>
             <a:endParaRPr lang="zh-CN" altLang="en-US"/>
           </a:p>
@@ -5315,6 +5319,7 @@
               <a:rPr lang="en-US" altLang="zh-CN"/>
               <a:t>Edit Master text styles</a:t>
             </a:r>
+            <a:endParaRPr lang="en-US" altLang="zh-CN"/>
           </a:p>
           <a:p>
             <a:pPr lvl="1"/>
@@ -5322,6 +5327,7 @@
               <a:rPr lang="en-US" altLang="zh-CN"/>
               <a:t>Second level</a:t>
             </a:r>
+            <a:endParaRPr lang="en-US" altLang="zh-CN"/>
           </a:p>
           <a:p>
             <a:pPr lvl="2"/>
@@ -5329,6 +5335,7 @@
               <a:rPr lang="en-US" altLang="zh-CN"/>
               <a:t>Third level</a:t>
             </a:r>
+            <a:endParaRPr lang="en-US" altLang="zh-CN"/>
           </a:p>
           <a:p>
             <a:pPr lvl="3"/>
@@ -5336,6 +5343,7 @@
               <a:rPr lang="en-US" altLang="zh-CN"/>
               <a:t>Fourth level</a:t>
             </a:r>
+            <a:endParaRPr lang="en-US" altLang="zh-CN"/>
           </a:p>
           <a:p>
             <a:pPr lvl="4"/>
@@ -5382,7 +5390,6 @@
           <a:p>
             <a:fld id="{A9F02FE8-3415-4A08-9C6C-93DDC515E45D}" type="datetimeFigureOut">
               <a:rPr lang="zh-CN" altLang="en-US" smtClean="0"/>
-              <a:t>2023/3/22</a:t>
             </a:fld>
             <a:endParaRPr lang="zh-CN" altLang="en-US"/>
           </a:p>
@@ -5460,7 +5467,6 @@
           <a:p>
             <a:fld id="{57842DCC-5249-4D2B-A703-C5A7D3861ADB}" type="slidenum">
               <a:rPr lang="zh-CN" altLang="en-US" smtClean="0"/>
-              <a:t>‹#›</a:t>
             </a:fld>
             <a:endParaRPr lang="zh-CN" altLang="en-US"/>
           </a:p>
@@ -5850,6 +5856,7 @@
               <a:rPr lang="en-US" altLang="zh-CN"/>
               <a:t>Edit Master text styles</a:t>
             </a:r>
+            <a:endParaRPr lang="en-US" altLang="zh-CN"/>
           </a:p>
           <a:p>
             <a:pPr lvl="1"/>
@@ -5857,6 +5864,7 @@
               <a:rPr lang="en-US" altLang="zh-CN"/>
               <a:t>Second level</a:t>
             </a:r>
+            <a:endParaRPr lang="en-US" altLang="zh-CN"/>
           </a:p>
           <a:p>
             <a:pPr lvl="2"/>
@@ -5864,6 +5872,7 @@
               <a:rPr lang="en-US" altLang="zh-CN"/>
               <a:t>Third level</a:t>
             </a:r>
+            <a:endParaRPr lang="en-US" altLang="zh-CN"/>
           </a:p>
           <a:p>
             <a:pPr lvl="3"/>
@@ -5871,6 +5880,7 @@
               <a:rPr lang="en-US" altLang="zh-CN"/>
               <a:t>Fourth level</a:t>
             </a:r>
+            <a:endParaRPr lang="en-US" altLang="zh-CN"/>
           </a:p>
           <a:p>
             <a:pPr lvl="4"/>
@@ -5917,7 +5927,6 @@
           <a:p>
             <a:fld id="{A9F02FE8-3415-4A08-9C6C-93DDC515E45D}" type="datetimeFigureOut">
               <a:rPr lang="zh-CN" altLang="en-US" smtClean="0"/>
-              <a:t>2023/3/22</a:t>
             </a:fld>
             <a:endParaRPr lang="zh-CN" altLang="en-US"/>
           </a:p>
@@ -5995,7 +6004,6 @@
           <a:p>
             <a:fld id="{57842DCC-5249-4D2B-A703-C5A7D3861ADB}" type="slidenum">
               <a:rPr lang="zh-CN" altLang="en-US" smtClean="0"/>
-              <a:t>‹#›</a:t>
             </a:fld>
             <a:endParaRPr lang="zh-CN" altLang="en-US"/>
           </a:p>
@@ -6343,6 +6351,7 @@
               <a:rPr lang="en-US" altLang="zh-CN" sz="2800" b="1" dirty="0"/>
               <a:t>Tutorial 9 Assignment 3 Preliminaries and Hints</a:t>
             </a:r>
+            <a:endParaRPr lang="en-US" altLang="zh-CN" sz="2800" b="1" dirty="0"/>
           </a:p>
           <a:p>
             <a:endParaRPr lang="en-US" altLang="zh-CN" sz="2800" b="1" dirty="0"/>
@@ -6355,12 +6364,14 @@
               <a:rPr lang="en-US" altLang="zh-CN" sz="2800" dirty="0"/>
               <a:t>Tutor: Luo Qin</a:t>
             </a:r>
+            <a:endParaRPr lang="en-US" altLang="zh-CN" sz="2800" dirty="0"/>
           </a:p>
           <a:p>
             <a:r>
               <a:rPr lang="en-US" altLang="zh-CN" sz="2800" dirty="0"/>
               <a:t>qluo22@cse.cuhk.edu.hk</a:t>
             </a:r>
+            <a:endParaRPr lang="en-US" altLang="zh-CN" sz="2800" dirty="0"/>
           </a:p>
           <a:p>
             <a:endParaRPr lang="en-US" altLang="zh-CN" sz="2800" dirty="0"/>
@@ -6400,13 +6411,7 @@
       </p:grpSpPr>
       <p:sp>
         <p:nvSpPr>
-          <p:cNvPr id="2" name="Title 1">
-            <a:extLst>
-              <a:ext uri="{FF2B5EF4-FFF2-40B4-BE49-F238E27FC236}">
-                <a16:creationId xmlns:a16="http://schemas.microsoft.com/office/drawing/2014/main" id="{2DA932C3-F7FE-42F9-8545-1A8F1054182D}"/>
-              </a:ext>
-            </a:extLst>
-          </p:cNvPr>
+          <p:cNvPr id="2" name="Title 1"/>
           <p:cNvSpPr>
             <a:spLocks noGrp="1"/>
           </p:cNvSpPr>
@@ -6438,13 +6443,7 @@
       </p:sp>
       <p:sp>
         <p:nvSpPr>
-          <p:cNvPr id="3" name="Content Placeholder 2">
-            <a:extLst>
-              <a:ext uri="{FF2B5EF4-FFF2-40B4-BE49-F238E27FC236}">
-                <a16:creationId xmlns:a16="http://schemas.microsoft.com/office/drawing/2014/main" id="{62BE45B3-30A0-4446-8A16-725321622816}"/>
-              </a:ext>
-            </a:extLst>
-          </p:cNvPr>
+          <p:cNvPr id="3" name="Content Placeholder 2"/>
           <p:cNvSpPr>
             <a:spLocks noGrp="1"/>
           </p:cNvSpPr>
@@ -6471,25 +6470,20 @@
               <a:rPr lang="en-US" altLang="zh-CN" b="1" dirty="0"/>
               <a:t>Review of the Singly linked list</a:t>
             </a:r>
+            <a:endParaRPr lang="en-US" altLang="zh-CN" b="1" dirty="0"/>
           </a:p>
         </p:txBody>
       </p:sp>
       <p:pic>
         <p:nvPicPr>
-          <p:cNvPr id="4" name="Picture 3">
-            <a:extLst>
-              <a:ext uri="{FF2B5EF4-FFF2-40B4-BE49-F238E27FC236}">
-                <a16:creationId xmlns:a16="http://schemas.microsoft.com/office/drawing/2014/main" id="{76575CFE-9118-4B54-AB3E-DBA65EC5A7FB}"/>
-              </a:ext>
-            </a:extLst>
-          </p:cNvPr>
+          <p:cNvPr id="4" name="Picture 3"/>
           <p:cNvPicPr>
             <a:picLocks noChangeAspect="1"/>
           </p:cNvPicPr>
           <p:nvPr/>
         </p:nvPicPr>
         <p:blipFill>
-          <a:blip r:embed="rId2"/>
+          <a:blip r:embed="rId1"/>
           <a:stretch>
             <a:fillRect/>
           </a:stretch>
@@ -6506,13 +6500,7 @@
       </p:pic>
       <p:sp>
         <p:nvSpPr>
-          <p:cNvPr id="5" name="TextBox 4">
-            <a:extLst>
-              <a:ext uri="{FF2B5EF4-FFF2-40B4-BE49-F238E27FC236}">
-                <a16:creationId xmlns:a16="http://schemas.microsoft.com/office/drawing/2014/main" id="{34A5F279-B681-4532-AC79-ACCD94C91467}"/>
-              </a:ext>
-            </a:extLst>
-          </p:cNvPr>
+          <p:cNvPr id="5" name="TextBox 4"/>
           <p:cNvSpPr txBox="1"/>
           <p:nvPr/>
         </p:nvSpPr>
@@ -6536,6 +6524,7 @@
               <a:rPr lang="en-US" altLang="zh-CN" sz="2400" dirty="0"/>
               <a:t>Three operations:</a:t>
             </a:r>
+            <a:endParaRPr lang="en-US" altLang="zh-CN" sz="2400" dirty="0"/>
           </a:p>
           <a:p>
             <a:pPr marL="285750" indent="-285750">
@@ -6546,6 +6535,7 @@
               <a:rPr lang="en-US" altLang="zh-CN" sz="2400" dirty="0"/>
               <a:t>Find a node in the singly linked list</a:t>
             </a:r>
+            <a:endParaRPr lang="en-US" altLang="zh-CN" sz="2400" dirty="0"/>
           </a:p>
           <a:p>
             <a:pPr marL="285750" indent="-285750">
@@ -6556,6 +6546,7 @@
               <a:rPr lang="en-US" altLang="zh-CN" sz="2400" dirty="0"/>
               <a:t>Insert a node into the singly linked list</a:t>
             </a:r>
+            <a:endParaRPr lang="en-US" altLang="zh-CN" sz="2400" dirty="0"/>
           </a:p>
           <a:p>
             <a:pPr marL="285750" indent="-285750">
@@ -6566,6 +6557,7 @@
               <a:rPr lang="en-US" altLang="zh-CN" sz="2400" dirty="0"/>
               <a:t>Delete a node in the singly linked list</a:t>
             </a:r>
+            <a:endParaRPr lang="en-US" altLang="zh-CN" sz="2400" dirty="0"/>
           </a:p>
           <a:p>
             <a:r>
@@ -6580,24 +6572,20 @@
               <a:rPr lang="en-US" altLang="zh-CN" sz="2400" b="1" dirty="0"/>
               <a:t>a review of these operations</a:t>
             </a:r>
+            <a:endParaRPr lang="en-US" altLang="zh-CN" sz="2400" b="1" dirty="0"/>
           </a:p>
           <a:p>
             <a:r>
               <a:rPr lang="en-US" altLang="zh-CN" sz="2400" b="1" dirty="0"/>
               <a:t>about singly linked list in your data structure coarse.</a:t>
             </a:r>
-          </a:p>
-        </p:txBody>
-      </p:sp>
-      <p:sp>
-        <p:nvSpPr>
-          <p:cNvPr id="8" name="TextBox 7">
-            <a:extLst>
-              <a:ext uri="{FF2B5EF4-FFF2-40B4-BE49-F238E27FC236}">
-                <a16:creationId xmlns:a16="http://schemas.microsoft.com/office/drawing/2014/main" id="{6AB5E731-89D1-4436-B057-9E3BF9000010}"/>
-              </a:ext>
-            </a:extLst>
-          </p:cNvPr>
+            <a:endParaRPr lang="en-US" altLang="zh-CN" sz="2400" b="1" dirty="0"/>
+          </a:p>
+        </p:txBody>
+      </p:sp>
+      <p:sp>
+        <p:nvSpPr>
+          <p:cNvPr id="8" name="TextBox 7"/>
           <p:cNvSpPr txBox="1"/>
           <p:nvPr/>
         </p:nvSpPr>
@@ -6635,13 +6623,7 @@
       </p:sp>
       <p:sp>
         <p:nvSpPr>
-          <p:cNvPr id="11" name="TextBox 10">
-            <a:extLst>
-              <a:ext uri="{FF2B5EF4-FFF2-40B4-BE49-F238E27FC236}">
-                <a16:creationId xmlns:a16="http://schemas.microsoft.com/office/drawing/2014/main" id="{90DD38CB-2068-4533-AB0D-3728CA68748D}"/>
-              </a:ext>
-            </a:extLst>
-          </p:cNvPr>
+          <p:cNvPr id="11" name="TextBox 10"/>
           <p:cNvSpPr txBox="1"/>
           <p:nvPr/>
         </p:nvSpPr>
@@ -6679,20 +6661,14 @@
       </p:sp>
       <p:pic>
         <p:nvPicPr>
-          <p:cNvPr id="15" name="Picture 14">
-            <a:extLst>
-              <a:ext uri="{FF2B5EF4-FFF2-40B4-BE49-F238E27FC236}">
-                <a16:creationId xmlns:a16="http://schemas.microsoft.com/office/drawing/2014/main" id="{F7274A5E-2A61-4858-8F01-1E763E980B56}"/>
-              </a:ext>
-            </a:extLst>
-          </p:cNvPr>
+          <p:cNvPr id="15" name="Picture 14"/>
           <p:cNvPicPr>
             <a:picLocks noChangeAspect="1"/>
           </p:cNvPicPr>
           <p:nvPr/>
         </p:nvPicPr>
         <p:blipFill>
-          <a:blip r:embed="rId3"/>
+          <a:blip r:embed="rId2"/>
           <a:stretch>
             <a:fillRect/>
           </a:stretch>
@@ -6709,13 +6685,7 @@
       </p:pic>
       <p:sp>
         <p:nvSpPr>
-          <p:cNvPr id="16" name="TextBox 15">
-            <a:extLst>
-              <a:ext uri="{FF2B5EF4-FFF2-40B4-BE49-F238E27FC236}">
-                <a16:creationId xmlns:a16="http://schemas.microsoft.com/office/drawing/2014/main" id="{21443764-6991-4DD3-B34F-99AB773DA218}"/>
-              </a:ext>
-            </a:extLst>
-          </p:cNvPr>
+          <p:cNvPr id="16" name="TextBox 15"/>
           <p:cNvSpPr txBox="1"/>
           <p:nvPr/>
         </p:nvSpPr>
@@ -6744,11 +6714,6 @@
         </p:txBody>
       </p:sp>
     </p:spTree>
-    <p:extLst>
-      <p:ext uri="{BB962C8B-B14F-4D97-AF65-F5344CB8AC3E}">
-        <p14:creationId xmlns:p14="http://schemas.microsoft.com/office/powerpoint/2010/main" val="3685049107"/>
-      </p:ext>
-    </p:extLst>
   </p:cSld>
   <p:clrMapOvr>
     <a:masterClrMapping/>
@@ -6775,13 +6740,7 @@
       </p:grpSpPr>
       <p:sp>
         <p:nvSpPr>
-          <p:cNvPr id="2" name="Title 1">
-            <a:extLst>
-              <a:ext uri="{FF2B5EF4-FFF2-40B4-BE49-F238E27FC236}">
-                <a16:creationId xmlns:a16="http://schemas.microsoft.com/office/drawing/2014/main" id="{C4B2BB1F-29CD-4F17-85BD-83AAA362F93F}"/>
-              </a:ext>
-            </a:extLst>
-          </p:cNvPr>
+          <p:cNvPr id="2" name="Title 1"/>
           <p:cNvSpPr>
             <a:spLocks noGrp="1"/>
           </p:cNvSpPr>
@@ -6808,13 +6767,7 @@
       </p:sp>
       <p:sp>
         <p:nvSpPr>
-          <p:cNvPr id="3" name="Content Placeholder 2">
-            <a:extLst>
-              <a:ext uri="{FF2B5EF4-FFF2-40B4-BE49-F238E27FC236}">
-                <a16:creationId xmlns:a16="http://schemas.microsoft.com/office/drawing/2014/main" id="{5DF17F54-E303-4C5D-B921-E74B4AE04DE6}"/>
-              </a:ext>
-            </a:extLst>
-          </p:cNvPr>
+          <p:cNvPr id="3" name="Content Placeholder 2"/>
           <p:cNvSpPr>
             <a:spLocks noGrp="1"/>
           </p:cNvSpPr>
@@ -6839,6 +6792,7 @@
               <a:rPr lang="en-US" altLang="zh-CN" b="1" dirty="0"/>
               <a:t>Code Walk</a:t>
             </a:r>
+            <a:endParaRPr lang="en-US" altLang="zh-CN" b="1" dirty="0"/>
           </a:p>
           <a:p>
             <a:pPr marL="0" indent="0">
@@ -6856,20 +6810,14 @@
       </p:sp>
       <p:pic>
         <p:nvPicPr>
-          <p:cNvPr id="4" name="Picture 3">
-            <a:extLst>
-              <a:ext uri="{FF2B5EF4-FFF2-40B4-BE49-F238E27FC236}">
-                <a16:creationId xmlns:a16="http://schemas.microsoft.com/office/drawing/2014/main" id="{280F784D-3998-4AFC-BDB2-538B437B9D0F}"/>
-              </a:ext>
-            </a:extLst>
-          </p:cNvPr>
+          <p:cNvPr id="4" name="Picture 3"/>
           <p:cNvPicPr>
             <a:picLocks noChangeAspect="1"/>
           </p:cNvPicPr>
           <p:nvPr/>
         </p:nvPicPr>
         <p:blipFill>
-          <a:blip r:embed="rId2"/>
+          <a:blip r:embed="rId1"/>
           <a:stretch>
             <a:fillRect/>
           </a:stretch>
@@ -6886,13 +6834,7 @@
       </p:pic>
       <p:sp>
         <p:nvSpPr>
-          <p:cNvPr id="6" name="TextBox 5">
-            <a:extLst>
-              <a:ext uri="{FF2B5EF4-FFF2-40B4-BE49-F238E27FC236}">
-                <a16:creationId xmlns:a16="http://schemas.microsoft.com/office/drawing/2014/main" id="{4CCE37A3-98D3-454B-B680-20E2F6B7D359}"/>
-              </a:ext>
-            </a:extLst>
-          </p:cNvPr>
+          <p:cNvPr id="6" name="TextBox 5"/>
           <p:cNvSpPr txBox="1"/>
           <p:nvPr/>
         </p:nvSpPr>
@@ -6920,6 +6862,7 @@
               <a:rPr lang="en-US" altLang="zh-CN" dirty="0"/>
               <a:t>:   Definition of the node in the linked list</a:t>
             </a:r>
+            <a:endParaRPr lang="en-US" altLang="zh-CN" dirty="0"/>
           </a:p>
           <a:p>
             <a:r>
@@ -6942,6 +6885,7 @@
               <a:rPr lang="en-US" altLang="zh-CN" b="1" dirty="0"/>
               <a:t>Your implementation of the FIFO and LRU algorithm</a:t>
             </a:r>
+            <a:endParaRPr lang="en-US" altLang="zh-CN" b="1" dirty="0"/>
           </a:p>
           <a:p>
             <a:r>
@@ -6952,6 +6896,7 @@
               <a:rPr lang="en-US" altLang="zh-CN" dirty="0"/>
               <a:t>  File I/O, visualize the status of the cache and calculate the page missing</a:t>
             </a:r>
+            <a:endParaRPr lang="en-US" altLang="zh-CN" dirty="0"/>
           </a:p>
           <a:p>
             <a:r>
@@ -6962,15 +6907,11 @@
               <a:rPr lang="en-US" altLang="zh-CN" dirty="0"/>
               <a:t> </a:t>
             </a:r>
+            <a:endParaRPr lang="en-US" altLang="zh-CN" dirty="0"/>
           </a:p>
         </p:txBody>
       </p:sp>
     </p:spTree>
-    <p:extLst>
-      <p:ext uri="{BB962C8B-B14F-4D97-AF65-F5344CB8AC3E}">
-        <p14:creationId xmlns:p14="http://schemas.microsoft.com/office/powerpoint/2010/main" val="2459672164"/>
-      </p:ext>
-    </p:extLst>
   </p:cSld>
   <p:clrMapOvr>
     <a:masterClrMapping/>
@@ -6997,13 +6938,7 @@
       </p:grpSpPr>
       <p:sp>
         <p:nvSpPr>
-          <p:cNvPr id="2" name="Title 1">
-            <a:extLst>
-              <a:ext uri="{FF2B5EF4-FFF2-40B4-BE49-F238E27FC236}">
-                <a16:creationId xmlns:a16="http://schemas.microsoft.com/office/drawing/2014/main" id="{FBCD31A4-4273-428D-8F1B-E432D8514D0F}"/>
-              </a:ext>
-            </a:extLst>
-          </p:cNvPr>
+          <p:cNvPr id="2" name="Title 1"/>
           <p:cNvSpPr>
             <a:spLocks noGrp="1"/>
           </p:cNvSpPr>
@@ -7030,13 +6965,7 @@
       </p:sp>
       <p:sp>
         <p:nvSpPr>
-          <p:cNvPr id="4" name="TextBox 3">
-            <a:extLst>
-              <a:ext uri="{FF2B5EF4-FFF2-40B4-BE49-F238E27FC236}">
-                <a16:creationId xmlns:a16="http://schemas.microsoft.com/office/drawing/2014/main" id="{830D23B6-8932-46E8-9947-9B83F00C6CD4}"/>
-              </a:ext>
-            </a:extLst>
-          </p:cNvPr>
+          <p:cNvPr id="4" name="TextBox 3"/>
           <p:cNvSpPr txBox="1"/>
           <p:nvPr/>
         </p:nvSpPr>
@@ -7084,13 +7013,7 @@
       </p:sp>
       <p:sp>
         <p:nvSpPr>
-          <p:cNvPr id="5" name="TextBox 4">
-            <a:extLst>
-              <a:ext uri="{FF2B5EF4-FFF2-40B4-BE49-F238E27FC236}">
-                <a16:creationId xmlns:a16="http://schemas.microsoft.com/office/drawing/2014/main" id="{42351148-A346-4C1C-AB00-AD56D7E59B32}"/>
-              </a:ext>
-            </a:extLst>
-          </p:cNvPr>
+          <p:cNvPr id="5" name="TextBox 4"/>
           <p:cNvSpPr txBox="1"/>
           <p:nvPr/>
         </p:nvSpPr>
@@ -7154,6 +7077,7 @@
               <a:rPr lang="en-US" altLang="zh-CN" dirty="0"/>
               <a:t>)</a:t>
             </a:r>
+            <a:endParaRPr lang="en-US" altLang="zh-CN" dirty="0"/>
           </a:p>
           <a:p>
             <a:r>
@@ -7200,6 +7124,7 @@
               <a:rPr lang="en-US" altLang="zh-CN" dirty="0"/>
               <a:t>)</a:t>
             </a:r>
+            <a:endParaRPr lang="en-US" altLang="zh-CN" dirty="0"/>
           </a:p>
           <a:p>
             <a:endParaRPr lang="en-US" altLang="zh-CN" dirty="0"/>
@@ -7213,6 +7138,7 @@
               <a:rPr lang="en-US" altLang="zh-CN" dirty="0"/>
               <a:t>:</a:t>
             </a:r>
+            <a:endParaRPr lang="en-US" altLang="zh-CN" dirty="0"/>
           </a:p>
           <a:p>
             <a:r>
@@ -7227,6 +7153,7 @@
               <a:rPr lang="en-US" altLang="zh-CN" dirty="0"/>
               <a:t>The page number intended to be accessed.</a:t>
             </a:r>
+            <a:endParaRPr lang="en-US" altLang="zh-CN" dirty="0"/>
           </a:p>
           <a:p>
             <a:r>
@@ -7245,12 +7172,14 @@
               <a:rPr lang="en-US" altLang="zh-CN" dirty="0"/>
               <a:t>: The pointer pointing at the header of FIFO and LRU cache</a:t>
             </a:r>
+            <a:endParaRPr lang="en-US" altLang="zh-CN" dirty="0"/>
           </a:p>
           <a:p>
             <a:r>
               <a:rPr lang="en-US" altLang="zh-CN" b="1" dirty="0"/>
               <a:t>(Why double pointer? May need to change the header of FIFO and LRU cache in these two functions.)</a:t>
             </a:r>
+            <a:endParaRPr lang="en-US" altLang="zh-CN" b="1" dirty="0"/>
           </a:p>
           <a:p>
             <a:r>
@@ -7261,6 +7190,7 @@
               <a:rPr lang="en-US" altLang="zh-CN" dirty="0"/>
               <a:t>: The capacity of the FIFO and LRU cache</a:t>
             </a:r>
+            <a:endParaRPr lang="en-US" altLang="zh-CN" dirty="0"/>
           </a:p>
           <a:p>
             <a:endParaRPr lang="en-US" altLang="zh-CN" dirty="0"/>
@@ -7274,27 +7204,24 @@
               <a:rPr lang="en-US" altLang="zh-CN" dirty="0"/>
               <a:t> Value:</a:t>
             </a:r>
+            <a:endParaRPr lang="en-US" altLang="zh-CN" dirty="0"/>
           </a:p>
           <a:p>
             <a:r>
               <a:rPr lang="en-US" altLang="zh-CN" dirty="0"/>
               <a:t>Whether the page is missed, 1-misses 0-hits</a:t>
             </a:r>
-          </a:p>
-          <a:p>
             <a:endParaRPr lang="en-US" altLang="zh-CN" dirty="0"/>
           </a:p>
           <a:p>
             <a:endParaRPr lang="en-US" altLang="zh-CN" dirty="0"/>
           </a:p>
+          <a:p>
+            <a:endParaRPr lang="en-US" altLang="zh-CN" dirty="0"/>
+          </a:p>
         </p:txBody>
       </p:sp>
     </p:spTree>
-    <p:extLst>
-      <p:ext uri="{BB962C8B-B14F-4D97-AF65-F5344CB8AC3E}">
-        <p14:creationId xmlns:p14="http://schemas.microsoft.com/office/powerpoint/2010/main" val="2445461869"/>
-      </p:ext>
-    </p:extLst>
   </p:cSld>
   <p:clrMapOvr>
     <a:masterClrMapping/>
@@ -7321,13 +7248,7 @@
       </p:grpSpPr>
       <p:sp>
         <p:nvSpPr>
-          <p:cNvPr id="2" name="Title 1">
-            <a:extLst>
-              <a:ext uri="{FF2B5EF4-FFF2-40B4-BE49-F238E27FC236}">
-                <a16:creationId xmlns:a16="http://schemas.microsoft.com/office/drawing/2014/main" id="{6FD4C83F-51C3-4CBA-BEB6-AB386517443D}"/>
-              </a:ext>
-            </a:extLst>
-          </p:cNvPr>
+          <p:cNvPr id="2" name="Title 1"/>
           <p:cNvSpPr>
             <a:spLocks noGrp="1"/>
           </p:cNvSpPr>
@@ -7354,13 +7275,7 @@
       </p:sp>
       <p:sp>
         <p:nvSpPr>
-          <p:cNvPr id="4" name="TextBox 3">
-            <a:extLst>
-              <a:ext uri="{FF2B5EF4-FFF2-40B4-BE49-F238E27FC236}">
-                <a16:creationId xmlns:a16="http://schemas.microsoft.com/office/drawing/2014/main" id="{4427F46D-89F9-47BC-9D76-6A782A309B81}"/>
-              </a:ext>
-            </a:extLst>
-          </p:cNvPr>
+          <p:cNvPr id="4" name="TextBox 3"/>
           <p:cNvSpPr txBox="1"/>
           <p:nvPr/>
         </p:nvSpPr>
@@ -7387,6 +7302,7 @@
               <a:rPr lang="en-US" altLang="zh-CN" sz="2000" b="1" dirty="0"/>
               <a:t>Code Walk</a:t>
             </a:r>
+            <a:endParaRPr lang="en-US" altLang="zh-CN" sz="2000" b="1" dirty="0"/>
           </a:p>
           <a:p>
             <a:r>
@@ -7400,31 +7316,27 @@
               <a:rPr lang="en-US" altLang="zh-CN" dirty="0"/>
               <a:t>report the status of cache after assessing each page in the reference row and calculate the total number of </a:t>
             </a:r>
+            <a:endParaRPr lang="en-US" altLang="zh-CN" dirty="0"/>
           </a:p>
           <a:p>
             <a:r>
               <a:rPr lang="en-US" altLang="zh-CN" dirty="0"/>
               <a:t>missing pages</a:t>
             </a:r>
+            <a:endParaRPr lang="en-US" altLang="zh-CN" dirty="0"/>
           </a:p>
         </p:txBody>
       </p:sp>
       <p:pic>
         <p:nvPicPr>
-          <p:cNvPr id="5" name="Picture 4">
-            <a:extLst>
-              <a:ext uri="{FF2B5EF4-FFF2-40B4-BE49-F238E27FC236}">
-                <a16:creationId xmlns:a16="http://schemas.microsoft.com/office/drawing/2014/main" id="{A0815E59-E9F0-43F8-8548-7B401A1B90A6}"/>
-              </a:ext>
-            </a:extLst>
-          </p:cNvPr>
+          <p:cNvPr id="5" name="Picture 4"/>
           <p:cNvPicPr>
             <a:picLocks noChangeAspect="1"/>
           </p:cNvPicPr>
           <p:nvPr/>
         </p:nvPicPr>
         <p:blipFill>
-          <a:blip r:embed="rId2"/>
+          <a:blip r:embed="rId1"/>
           <a:stretch>
             <a:fillRect/>
           </a:stretch>
@@ -7441,13 +7353,7 @@
       </p:pic>
       <p:sp>
         <p:nvSpPr>
-          <p:cNvPr id="6" name="TextBox 5">
-            <a:extLst>
-              <a:ext uri="{FF2B5EF4-FFF2-40B4-BE49-F238E27FC236}">
-                <a16:creationId xmlns:a16="http://schemas.microsoft.com/office/drawing/2014/main" id="{7ECB5462-1F39-4F23-938F-78135BF8054D}"/>
-              </a:ext>
-            </a:extLst>
-          </p:cNvPr>
+          <p:cNvPr id="6" name="TextBox 5"/>
           <p:cNvSpPr txBox="1"/>
           <p:nvPr/>
         </p:nvSpPr>
@@ -7477,20 +7383,14 @@
       </p:sp>
       <p:pic>
         <p:nvPicPr>
-          <p:cNvPr id="7" name="Picture 6">
-            <a:extLst>
-              <a:ext uri="{FF2B5EF4-FFF2-40B4-BE49-F238E27FC236}">
-                <a16:creationId xmlns:a16="http://schemas.microsoft.com/office/drawing/2014/main" id="{C8B76BCE-4B1E-4C0D-8C58-E08C5691D770}"/>
-              </a:ext>
-            </a:extLst>
-          </p:cNvPr>
+          <p:cNvPr id="7" name="Picture 6"/>
           <p:cNvPicPr>
             <a:picLocks noChangeAspect="1"/>
           </p:cNvPicPr>
           <p:nvPr/>
         </p:nvPicPr>
         <p:blipFill>
-          <a:blip r:embed="rId3"/>
+          <a:blip r:embed="rId2"/>
           <a:stretch>
             <a:fillRect/>
           </a:stretch>
@@ -7507,13 +7407,7 @@
       </p:pic>
       <p:sp>
         <p:nvSpPr>
-          <p:cNvPr id="8" name="Rectangle 7">
-            <a:extLst>
-              <a:ext uri="{FF2B5EF4-FFF2-40B4-BE49-F238E27FC236}">
-                <a16:creationId xmlns:a16="http://schemas.microsoft.com/office/drawing/2014/main" id="{2AB1F8B4-C69D-45BF-AA9E-94A69E2153AD}"/>
-              </a:ext>
-            </a:extLst>
-          </p:cNvPr>
+          <p:cNvPr id="8" name="Rectangle 7"/>
           <p:cNvSpPr/>
           <p:nvPr/>
         </p:nvSpPr>
@@ -7559,13 +7453,7 @@
       </p:sp>
       <p:sp>
         <p:nvSpPr>
-          <p:cNvPr id="9" name="Rectangle 8">
-            <a:extLst>
-              <a:ext uri="{FF2B5EF4-FFF2-40B4-BE49-F238E27FC236}">
-                <a16:creationId xmlns:a16="http://schemas.microsoft.com/office/drawing/2014/main" id="{AA1DAF6E-2202-46BE-8DC4-E15569D5DB52}"/>
-              </a:ext>
-            </a:extLst>
-          </p:cNvPr>
+          <p:cNvPr id="9" name="Rectangle 8"/>
           <p:cNvSpPr/>
           <p:nvPr/>
         </p:nvSpPr>
@@ -7611,13 +7499,7 @@
       </p:sp>
       <p:sp>
         <p:nvSpPr>
-          <p:cNvPr id="10" name="TextBox 9">
-            <a:extLst>
-              <a:ext uri="{FF2B5EF4-FFF2-40B4-BE49-F238E27FC236}">
-                <a16:creationId xmlns:a16="http://schemas.microsoft.com/office/drawing/2014/main" id="{211A8A40-8CED-47D7-9A0D-4DADD9EE6F9F}"/>
-              </a:ext>
-            </a:extLst>
-          </p:cNvPr>
+          <p:cNvPr id="10" name="TextBox 9"/>
           <p:cNvSpPr txBox="1"/>
           <p:nvPr/>
         </p:nvSpPr>
@@ -7647,20 +7529,14 @@
       </p:sp>
       <p:pic>
         <p:nvPicPr>
-          <p:cNvPr id="11" name="Picture 10">
-            <a:extLst>
-              <a:ext uri="{FF2B5EF4-FFF2-40B4-BE49-F238E27FC236}">
-                <a16:creationId xmlns:a16="http://schemas.microsoft.com/office/drawing/2014/main" id="{9DF8E369-FF40-4AD1-AAB7-6247B88379E3}"/>
-              </a:ext>
-            </a:extLst>
-          </p:cNvPr>
+          <p:cNvPr id="11" name="Picture 10"/>
           <p:cNvPicPr>
             <a:picLocks noChangeAspect="1"/>
           </p:cNvPicPr>
           <p:nvPr/>
         </p:nvPicPr>
         <p:blipFill>
-          <a:blip r:embed="rId4"/>
+          <a:blip r:embed="rId3"/>
           <a:stretch>
             <a:fillRect/>
           </a:stretch>
@@ -7676,11 +7552,6 @@
         </p:spPr>
       </p:pic>
     </p:spTree>
-    <p:extLst>
-      <p:ext uri="{BB962C8B-B14F-4D97-AF65-F5344CB8AC3E}">
-        <p14:creationId xmlns:p14="http://schemas.microsoft.com/office/powerpoint/2010/main" val="99300197"/>
-      </p:ext>
-    </p:extLst>
   </p:cSld>
   <p:clrMapOvr>
     <a:masterClrMapping/>
@@ -7707,13 +7578,7 @@
       </p:grpSpPr>
       <p:sp>
         <p:nvSpPr>
-          <p:cNvPr id="2" name="Title 1">
-            <a:extLst>
-              <a:ext uri="{FF2B5EF4-FFF2-40B4-BE49-F238E27FC236}">
-                <a16:creationId xmlns:a16="http://schemas.microsoft.com/office/drawing/2014/main" id="{8E0FBD14-5FC2-48C9-BB2D-9EEEA6942F5C}"/>
-              </a:ext>
-            </a:extLst>
-          </p:cNvPr>
+          <p:cNvPr id="2" name="Title 1"/>
           <p:cNvSpPr>
             <a:spLocks noGrp="1"/>
           </p:cNvSpPr>
@@ -7740,13 +7605,7 @@
       </p:sp>
       <p:sp>
         <p:nvSpPr>
-          <p:cNvPr id="4" name="TextBox 3">
-            <a:extLst>
-              <a:ext uri="{FF2B5EF4-FFF2-40B4-BE49-F238E27FC236}">
-                <a16:creationId xmlns:a16="http://schemas.microsoft.com/office/drawing/2014/main" id="{BE63607C-2C4E-485D-94B2-0502E75C10F5}"/>
-              </a:ext>
-            </a:extLst>
-          </p:cNvPr>
+          <p:cNvPr id="4" name="TextBox 3"/>
           <p:cNvSpPr txBox="1"/>
           <p:nvPr/>
         </p:nvSpPr>
@@ -7770,6 +7629,7 @@
               <a:rPr lang="en-US" altLang="zh-CN" b="1" dirty="0"/>
               <a:t>Testcase</a:t>
             </a:r>
+            <a:endParaRPr lang="en-US" altLang="zh-CN" b="1" dirty="0"/>
           </a:p>
           <a:p>
             <a:endParaRPr lang="en-US" altLang="zh-CN" dirty="0"/>
@@ -7779,6 +7639,7 @@
               <a:rPr lang="en-US" altLang="zh-CN" dirty="0"/>
               <a:t>2 testcases are provided for you to check your implementation</a:t>
             </a:r>
+            <a:endParaRPr lang="en-US" altLang="zh-CN" dirty="0"/>
           </a:p>
           <a:p>
             <a:endParaRPr lang="en-US" altLang="zh-CN" dirty="0"/>
@@ -7788,18 +7649,21 @@
               <a:rPr lang="en-US" altLang="zh-CN" dirty="0"/>
               <a:t>&lt;cache capacity&gt;</a:t>
             </a:r>
+            <a:endParaRPr lang="en-US" altLang="zh-CN" dirty="0"/>
           </a:p>
           <a:p>
             <a:r>
               <a:rPr lang="en-US" altLang="zh-CN" dirty="0"/>
               <a:t>&lt;number of pages K&gt;</a:t>
             </a:r>
+            <a:endParaRPr lang="en-US" altLang="zh-CN" dirty="0"/>
           </a:p>
           <a:p>
             <a:r>
               <a:rPr lang="en-US" altLang="zh-CN" dirty="0"/>
               <a:t>&lt;visited page number 1&gt;, &lt;visited page number 2&gt;, …, &lt;visited page number K&gt;</a:t>
             </a:r>
+            <a:endParaRPr lang="en-US" altLang="zh-CN" dirty="0"/>
           </a:p>
           <a:p>
             <a:endParaRPr lang="en-US" altLang="zh-CN" dirty="0"/>
@@ -7809,25 +7673,20 @@
               <a:rPr lang="en-US" altLang="zh-CN" dirty="0"/>
               <a:t>For example, testcase for the example in page 8 of this ppt</a:t>
             </a:r>
+            <a:endParaRPr lang="en-US" altLang="zh-CN" dirty="0"/>
           </a:p>
         </p:txBody>
       </p:sp>
       <p:pic>
         <p:nvPicPr>
-          <p:cNvPr id="5" name="Picture 4">
-            <a:extLst>
-              <a:ext uri="{FF2B5EF4-FFF2-40B4-BE49-F238E27FC236}">
-                <a16:creationId xmlns:a16="http://schemas.microsoft.com/office/drawing/2014/main" id="{D4013993-CCC3-40A0-A38D-7321F49A6349}"/>
-              </a:ext>
-            </a:extLst>
-          </p:cNvPr>
+          <p:cNvPr id="5" name="Picture 4"/>
           <p:cNvPicPr>
             <a:picLocks noChangeAspect="1"/>
           </p:cNvPicPr>
           <p:nvPr/>
         </p:nvPicPr>
         <p:blipFill>
-          <a:blip r:embed="rId2"/>
+          <a:blip r:embed="rId1"/>
           <a:stretch>
             <a:fillRect/>
           </a:stretch>
@@ -7844,20 +7703,14 @@
       </p:pic>
       <p:pic>
         <p:nvPicPr>
-          <p:cNvPr id="6" name="Picture 5">
-            <a:extLst>
-              <a:ext uri="{FF2B5EF4-FFF2-40B4-BE49-F238E27FC236}">
-                <a16:creationId xmlns:a16="http://schemas.microsoft.com/office/drawing/2014/main" id="{FDE326AA-D87B-44F7-BB00-DD1B0FCA8D67}"/>
-              </a:ext>
-            </a:extLst>
-          </p:cNvPr>
+          <p:cNvPr id="6" name="Picture 5"/>
           <p:cNvPicPr>
             <a:picLocks noChangeAspect="1"/>
           </p:cNvPicPr>
           <p:nvPr/>
         </p:nvPicPr>
         <p:blipFill>
-          <a:blip r:embed="rId3"/>
+          <a:blip r:embed="rId2"/>
           <a:stretch>
             <a:fillRect/>
           </a:stretch>
@@ -7874,13 +7727,7 @@
       </p:pic>
       <p:sp>
         <p:nvSpPr>
-          <p:cNvPr id="7" name="TextBox 6">
-            <a:extLst>
-              <a:ext uri="{FF2B5EF4-FFF2-40B4-BE49-F238E27FC236}">
-                <a16:creationId xmlns:a16="http://schemas.microsoft.com/office/drawing/2014/main" id="{5C556AF5-E673-4EBD-9B37-192C67762FEC}"/>
-              </a:ext>
-            </a:extLst>
-          </p:cNvPr>
+          <p:cNvPr id="7" name="TextBox 6"/>
           <p:cNvSpPr txBox="1"/>
           <p:nvPr/>
         </p:nvSpPr>
@@ -7910,13 +7757,7 @@
       </p:sp>
       <p:sp>
         <p:nvSpPr>
-          <p:cNvPr id="8" name="TextBox 7">
-            <a:extLst>
-              <a:ext uri="{FF2B5EF4-FFF2-40B4-BE49-F238E27FC236}">
-                <a16:creationId xmlns:a16="http://schemas.microsoft.com/office/drawing/2014/main" id="{F7CAC3B9-C5AF-4645-AAB8-5D86C037900E}"/>
-              </a:ext>
-            </a:extLst>
-          </p:cNvPr>
+          <p:cNvPr id="8" name="TextBox 7"/>
           <p:cNvSpPr txBox="1"/>
           <p:nvPr/>
         </p:nvSpPr>
@@ -7945,11 +7786,6 @@
         </p:txBody>
       </p:sp>
     </p:spTree>
-    <p:extLst>
-      <p:ext uri="{BB962C8B-B14F-4D97-AF65-F5344CB8AC3E}">
-        <p14:creationId xmlns:p14="http://schemas.microsoft.com/office/powerpoint/2010/main" val="224468120"/>
-      </p:ext>
-    </p:extLst>
   </p:cSld>
   <p:clrMapOvr>
     <a:masterClrMapping/>
@@ -7976,13 +7812,7 @@
       </p:grpSpPr>
       <p:sp>
         <p:nvSpPr>
-          <p:cNvPr id="2" name="Title 1">
-            <a:extLst>
-              <a:ext uri="{FF2B5EF4-FFF2-40B4-BE49-F238E27FC236}">
-                <a16:creationId xmlns:a16="http://schemas.microsoft.com/office/drawing/2014/main" id="{BA81C2CD-F359-4069-B054-DB1B9D5176C0}"/>
-              </a:ext>
-            </a:extLst>
-          </p:cNvPr>
+          <p:cNvPr id="2" name="Title 1"/>
           <p:cNvSpPr>
             <a:spLocks noGrp="1"/>
           </p:cNvSpPr>
@@ -8009,13 +7839,7 @@
       </p:sp>
       <p:sp>
         <p:nvSpPr>
-          <p:cNvPr id="4" name="文本框 2">
-            <a:extLst>
-              <a:ext uri="{FF2B5EF4-FFF2-40B4-BE49-F238E27FC236}">
-                <a16:creationId xmlns:a16="http://schemas.microsoft.com/office/drawing/2014/main" id="{C9CF56E3-9650-2A84-69E6-07F31B846A47}"/>
-              </a:ext>
-            </a:extLst>
-          </p:cNvPr>
+          <p:cNvPr id="4" name="文本框 2"/>
           <p:cNvSpPr txBox="1"/>
           <p:nvPr/>
         </p:nvSpPr>
@@ -8137,6 +7961,7 @@
               <a:rPr lang="en-US" altLang="zh-CN" sz="2400" b="1" dirty="0"/>
               <a:t>How to compile and run</a:t>
             </a:r>
+            <a:endParaRPr lang="en-US" altLang="zh-CN" sz="2400" b="1" dirty="0"/>
           </a:p>
           <a:p>
             <a:pPr marL="914400" lvl="1" indent="-457200">
@@ -8147,6 +7972,7 @@
               <a:rPr lang="en-US" altLang="zh-CN" sz="2400" dirty="0"/>
               <a:t>Use “make” command to compile</a:t>
             </a:r>
+            <a:endParaRPr lang="en-US" altLang="zh-CN" sz="2400" dirty="0"/>
           </a:p>
           <a:p>
             <a:pPr marL="914400" lvl="1" indent="-457200">
@@ -8157,6 +7983,7 @@
               <a:rPr lang="en-US" altLang="zh-CN" sz="2400" dirty="0"/>
               <a:t>Use the following command to run:</a:t>
             </a:r>
+            <a:endParaRPr lang="en-US" altLang="zh-CN" sz="2400" dirty="0"/>
           </a:p>
           <a:p>
             <a:pPr lvl="1"/>
@@ -8196,6 +8023,7 @@
               <a:rPr lang="en-US" altLang="zh-CN" sz="2400" dirty="0"/>
               <a:t>&gt;</a:t>
             </a:r>
+            <a:endParaRPr lang="en-US" altLang="zh-CN" sz="2400" dirty="0"/>
           </a:p>
           <a:p>
             <a:pPr lvl="1"/>
@@ -8203,6 +8031,7 @@
               <a:rPr lang="en-US" altLang="zh-CN" sz="2400" dirty="0"/>
               <a:t>     For example, if we want to run testcase1</a:t>
             </a:r>
+            <a:endParaRPr lang="en-US" altLang="zh-CN" sz="2400" dirty="0"/>
           </a:p>
           <a:p>
             <a:pPr lvl="1"/>
@@ -8226,15 +8055,11 @@
               <a:rPr lang="en-US" altLang="zh-CN" sz="2400" dirty="0"/>
               <a:t> ./testcase/case1_out.txt</a:t>
             </a:r>
+            <a:endParaRPr lang="en-US" altLang="zh-CN" sz="2400" dirty="0"/>
           </a:p>
         </p:txBody>
       </p:sp>
     </p:spTree>
-    <p:extLst>
-      <p:ext uri="{BB962C8B-B14F-4D97-AF65-F5344CB8AC3E}">
-        <p14:creationId xmlns:p14="http://schemas.microsoft.com/office/powerpoint/2010/main" val="1640659938"/>
-      </p:ext>
-    </p:extLst>
   </p:cSld>
   <p:clrMapOvr>
     <a:masterClrMapping/>
@@ -8261,13 +8086,7 @@
       </p:grpSpPr>
       <p:sp>
         <p:nvSpPr>
-          <p:cNvPr id="2" name="Title 1">
-            <a:extLst>
-              <a:ext uri="{FF2B5EF4-FFF2-40B4-BE49-F238E27FC236}">
-                <a16:creationId xmlns:a16="http://schemas.microsoft.com/office/drawing/2014/main" id="{1FAC0F7F-A007-4C59-8E4A-292ED8EF6BB4}"/>
-              </a:ext>
-            </a:extLst>
-          </p:cNvPr>
+          <p:cNvPr id="2" name="Title 1"/>
           <p:cNvSpPr>
             <a:spLocks noGrp="1"/>
           </p:cNvSpPr>
@@ -8299,13 +8118,7 @@
       </p:sp>
       <p:sp>
         <p:nvSpPr>
-          <p:cNvPr id="4" name="TextBox 3">
-            <a:extLst>
-              <a:ext uri="{FF2B5EF4-FFF2-40B4-BE49-F238E27FC236}">
-                <a16:creationId xmlns:a16="http://schemas.microsoft.com/office/drawing/2014/main" id="{12D725A8-6C00-4EFE-9785-4B7F0B2FCADD}"/>
-              </a:ext>
-            </a:extLst>
-          </p:cNvPr>
+          <p:cNvPr id="4" name="TextBox 3"/>
           <p:cNvSpPr txBox="1"/>
           <p:nvPr/>
         </p:nvSpPr>
@@ -8345,6 +8158,7 @@
               <a:rPr lang="en-US" altLang="zh-CN" dirty="0"/>
               <a:t>), there would be infinite loop</a:t>
             </a:r>
+            <a:endParaRPr lang="en-US" altLang="zh-CN" dirty="0"/>
           </a:p>
           <a:p>
             <a:r>
@@ -8371,24 +8185,28 @@
               <a:rPr lang="en-US" altLang="zh-CN" dirty="0"/>
               <a:t>’ and make its value zero to </a:t>
             </a:r>
+            <a:endParaRPr lang="en-US" altLang="zh-CN" dirty="0"/>
           </a:p>
           <a:p>
             <a:r>
               <a:rPr lang="en-US" altLang="zh-CN" dirty="0"/>
               <a:t>terminate the indefinite loop.</a:t>
             </a:r>
+            <a:endParaRPr lang="en-US" altLang="zh-CN" dirty="0"/>
           </a:p>
           <a:p>
             <a:r>
               <a:rPr lang="en-US" altLang="zh-CN" b="1" dirty="0"/>
               <a:t>How to get physical address: Firstly calculate logical address using segmentation and physical address</a:t>
             </a:r>
+            <a:endParaRPr lang="en-US" altLang="zh-CN" b="1" dirty="0"/>
           </a:p>
           <a:p>
             <a:r>
               <a:rPr lang="en-US" altLang="zh-CN" b="1" dirty="0"/>
               <a:t>Using paging</a:t>
             </a:r>
+            <a:endParaRPr lang="en-US" altLang="zh-CN" b="1" dirty="0"/>
           </a:p>
           <a:p>
             <a:endParaRPr lang="en-US" altLang="zh-CN" b="1" dirty="0"/>
@@ -8400,20 +8218,14 @@
       </p:sp>
       <p:pic>
         <p:nvPicPr>
-          <p:cNvPr id="6" name="Picture 5">
-            <a:extLst>
-              <a:ext uri="{FF2B5EF4-FFF2-40B4-BE49-F238E27FC236}">
-                <a16:creationId xmlns:a16="http://schemas.microsoft.com/office/drawing/2014/main" id="{03DFE210-965F-49E7-A1EE-4A94496DDBCB}"/>
-              </a:ext>
-            </a:extLst>
-          </p:cNvPr>
+          <p:cNvPr id="6" name="Picture 5"/>
           <p:cNvPicPr>
             <a:picLocks noChangeAspect="1"/>
           </p:cNvPicPr>
           <p:nvPr/>
         </p:nvPicPr>
         <p:blipFill>
-          <a:blip r:embed="rId3"/>
+          <a:blip r:embed="rId1"/>
           <a:stretch>
             <a:fillRect/>
           </a:stretch>
@@ -8430,20 +8242,14 @@
       </p:pic>
       <p:pic>
         <p:nvPicPr>
-          <p:cNvPr id="7" name="Picture 6">
-            <a:extLst>
-              <a:ext uri="{FF2B5EF4-FFF2-40B4-BE49-F238E27FC236}">
-                <a16:creationId xmlns:a16="http://schemas.microsoft.com/office/drawing/2014/main" id="{39B95C61-971D-4F06-A6E7-81AC706DBEEA}"/>
-              </a:ext>
-            </a:extLst>
-          </p:cNvPr>
+          <p:cNvPr id="7" name="Picture 6"/>
           <p:cNvPicPr>
             <a:picLocks noChangeAspect="1"/>
           </p:cNvPicPr>
           <p:nvPr/>
         </p:nvPicPr>
         <p:blipFill>
-          <a:blip r:embed="rId4"/>
+          <a:blip r:embed="rId2"/>
           <a:stretch>
             <a:fillRect/>
           </a:stretch>
@@ -8460,13 +8266,7 @@
       </p:pic>
       <p:sp>
         <p:nvSpPr>
-          <p:cNvPr id="8" name="TextBox 7">
-            <a:extLst>
-              <a:ext uri="{FF2B5EF4-FFF2-40B4-BE49-F238E27FC236}">
-                <a16:creationId xmlns:a16="http://schemas.microsoft.com/office/drawing/2014/main" id="{A0446DDF-D4B1-49F2-A4AE-BD7E8C5D0A47}"/>
-              </a:ext>
-            </a:extLst>
-          </p:cNvPr>
+          <p:cNvPr id="8" name="TextBox 7"/>
           <p:cNvSpPr txBox="1"/>
           <p:nvPr/>
         </p:nvSpPr>
@@ -8499,6 +8299,7 @@
               <a:rPr lang="en-US" altLang="zh-CN" dirty="0"/>
               <a:t>Single Process</a:t>
             </a:r>
+            <a:endParaRPr lang="en-US" altLang="zh-CN" dirty="0"/>
           </a:p>
           <a:p>
             <a:pPr algn="ctr"/>
@@ -8516,13 +8317,7 @@
       </p:sp>
       <p:sp>
         <p:nvSpPr>
-          <p:cNvPr id="9" name="TextBox 8">
-            <a:extLst>
-              <a:ext uri="{FF2B5EF4-FFF2-40B4-BE49-F238E27FC236}">
-                <a16:creationId xmlns:a16="http://schemas.microsoft.com/office/drawing/2014/main" id="{974D6AA0-CAD5-4493-A885-3F2671C1611A}"/>
-              </a:ext>
-            </a:extLst>
-          </p:cNvPr>
+          <p:cNvPr id="9" name="TextBox 8"/>
           <p:cNvSpPr txBox="1"/>
           <p:nvPr/>
         </p:nvSpPr>
@@ -8555,6 +8350,7 @@
               <a:rPr lang="en-US" altLang="zh-CN" sz="1600" dirty="0"/>
               <a:t>Multi Processes</a:t>
             </a:r>
+            <a:endParaRPr lang="en-US" altLang="zh-CN" sz="1600" dirty="0"/>
           </a:p>
           <a:p>
             <a:pPr algn="ctr"/>
@@ -8575,11 +8371,6 @@
         </p:txBody>
       </p:sp>
     </p:spTree>
-    <p:extLst>
-      <p:ext uri="{BB962C8B-B14F-4D97-AF65-F5344CB8AC3E}">
-        <p14:creationId xmlns:p14="http://schemas.microsoft.com/office/powerpoint/2010/main" val="451678903"/>
-      </p:ext>
-    </p:extLst>
   </p:cSld>
   <p:clrMapOvr>
     <a:masterClrMapping/>
@@ -8606,13 +8397,7 @@
       </p:grpSpPr>
       <p:sp>
         <p:nvSpPr>
-          <p:cNvPr id="2" name="Title 1">
-            <a:extLst>
-              <a:ext uri="{FF2B5EF4-FFF2-40B4-BE49-F238E27FC236}">
-                <a16:creationId xmlns:a16="http://schemas.microsoft.com/office/drawing/2014/main" id="{1FAC0F7F-A007-4C59-8E4A-292ED8EF6BB4}"/>
-              </a:ext>
-            </a:extLst>
-          </p:cNvPr>
+          <p:cNvPr id="2" name="Title 1"/>
           <p:cNvSpPr>
             <a:spLocks noGrp="1"/>
           </p:cNvSpPr>
@@ -8644,13 +8429,7 @@
       </p:sp>
       <p:sp>
         <p:nvSpPr>
-          <p:cNvPr id="10" name="TextBox 9">
-            <a:extLst>
-              <a:ext uri="{FF2B5EF4-FFF2-40B4-BE49-F238E27FC236}">
-                <a16:creationId xmlns:a16="http://schemas.microsoft.com/office/drawing/2014/main" id="{4664B9CE-06A7-413E-B9BD-B1AA60D1A532}"/>
-              </a:ext>
-            </a:extLst>
-          </p:cNvPr>
+          <p:cNvPr id="10" name="TextBox 9"/>
           <p:cNvSpPr txBox="1"/>
           <p:nvPr/>
         </p:nvSpPr>
@@ -8689,6 +8468,7 @@
               <a:rPr lang="en-US" altLang="zh-CN" sz="2000" dirty="0"/>
               <a:t>VirtualBox + Ubuntu-18.04 </a:t>
             </a:r>
+            <a:endParaRPr lang="en-US" altLang="zh-CN" sz="2000" dirty="0"/>
           </a:p>
           <a:p>
             <a:pPr marL="285750" indent="-285750">
@@ -8707,6 +8487,7 @@
               <a:rPr lang="en-US" altLang="zh-CN" sz="2000" dirty="0"/>
               <a:t> 3.4</a:t>
             </a:r>
+            <a:endParaRPr lang="en-US" altLang="zh-CN" sz="2000" dirty="0"/>
           </a:p>
           <a:p>
             <a:pPr marL="285750" indent="-285750">
@@ -8721,6 +8502,7 @@
               <a:rPr lang="en-US" altLang="zh-CN" sz="2000" dirty="0"/>
               <a:t> IA-32 Emulation Platform</a:t>
             </a:r>
+            <a:endParaRPr lang="en-US" altLang="zh-CN" sz="2000" dirty="0"/>
           </a:p>
           <a:p>
             <a:pPr marL="285750" indent="-285750">
@@ -8739,12 +8521,14 @@
               <a:rPr lang="en-US" altLang="zh-CN" sz="2000" dirty="0"/>
               <a:t> code)</a:t>
             </a:r>
+            <a:endParaRPr lang="en-US" altLang="zh-CN" sz="2000" dirty="0"/>
           </a:p>
           <a:p>
             <a:r>
               <a:rPr lang="en-US" altLang="zh-CN" sz="2000" dirty="0"/>
               <a:t>The setup instruction of the lab environment </a:t>
             </a:r>
+            <a:endParaRPr lang="en-US" altLang="zh-CN" sz="2000" dirty="0"/>
           </a:p>
           <a:p>
             <a:r>
@@ -8761,20 +8545,14 @@
       </p:sp>
       <p:pic>
         <p:nvPicPr>
-          <p:cNvPr id="11" name="Picture 10">
-            <a:extLst>
-              <a:ext uri="{FF2B5EF4-FFF2-40B4-BE49-F238E27FC236}">
-                <a16:creationId xmlns:a16="http://schemas.microsoft.com/office/drawing/2014/main" id="{7FCB7550-FAE6-4629-9069-F6E3827535DF}"/>
-              </a:ext>
-            </a:extLst>
-          </p:cNvPr>
+          <p:cNvPr id="11" name="Picture 10"/>
           <p:cNvPicPr>
             <a:picLocks noChangeAspect="1"/>
           </p:cNvPicPr>
           <p:nvPr/>
         </p:nvPicPr>
         <p:blipFill>
-          <a:blip r:embed="rId3"/>
+          <a:blip r:embed="rId1"/>
           <a:stretch>
             <a:fillRect/>
           </a:stretch>
@@ -8791,13 +8569,7 @@
       </p:pic>
       <p:sp>
         <p:nvSpPr>
-          <p:cNvPr id="12" name="Rectangle 11">
-            <a:extLst>
-              <a:ext uri="{FF2B5EF4-FFF2-40B4-BE49-F238E27FC236}">
-                <a16:creationId xmlns:a16="http://schemas.microsoft.com/office/drawing/2014/main" id="{7AEAF871-3EF7-450A-912F-3ED4F156A03A}"/>
-              </a:ext>
-            </a:extLst>
-          </p:cNvPr>
+          <p:cNvPr id="12" name="Rectangle 11"/>
           <p:cNvSpPr/>
           <p:nvPr/>
         </p:nvSpPr>
@@ -8843,13 +8615,7 @@
       </p:sp>
       <p:sp>
         <p:nvSpPr>
-          <p:cNvPr id="13" name="TextBox 12">
-            <a:extLst>
-              <a:ext uri="{FF2B5EF4-FFF2-40B4-BE49-F238E27FC236}">
-                <a16:creationId xmlns:a16="http://schemas.microsoft.com/office/drawing/2014/main" id="{DB9E9522-3DC2-4A8B-8589-AAB8702A4455}"/>
-              </a:ext>
-            </a:extLst>
-          </p:cNvPr>
+          <p:cNvPr id="13" name="TextBox 12"/>
           <p:cNvSpPr txBox="1"/>
           <p:nvPr/>
         </p:nvSpPr>
@@ -8877,6 +8643,7 @@
               <a:rPr lang="en-US" altLang="zh-CN" b="1" dirty="0"/>
               <a:t> IA-32 Emulation : x86 PC emulator to run</a:t>
             </a:r>
+            <a:endParaRPr lang="en-US" altLang="zh-CN" b="1" dirty="0"/>
           </a:p>
           <a:p>
             <a:r>
@@ -8888,11 +8655,6 @@
         </p:txBody>
       </p:sp>
     </p:spTree>
-    <p:extLst>
-      <p:ext uri="{BB962C8B-B14F-4D97-AF65-F5344CB8AC3E}">
-        <p14:creationId xmlns:p14="http://schemas.microsoft.com/office/powerpoint/2010/main" val="3126517437"/>
-      </p:ext>
-    </p:extLst>
   </p:cSld>
   <p:clrMapOvr>
     <a:masterClrMapping/>
@@ -8919,13 +8681,7 @@
       </p:grpSpPr>
       <p:sp>
         <p:nvSpPr>
-          <p:cNvPr id="2" name="Title 1">
-            <a:extLst>
-              <a:ext uri="{FF2B5EF4-FFF2-40B4-BE49-F238E27FC236}">
-                <a16:creationId xmlns:a16="http://schemas.microsoft.com/office/drawing/2014/main" id="{F823B262-11B8-4578-BB73-B2864649B85B}"/>
-              </a:ext>
-            </a:extLst>
-          </p:cNvPr>
+          <p:cNvPr id="2" name="Title 1"/>
           <p:cNvSpPr>
             <a:spLocks noGrp="1"/>
           </p:cNvSpPr>
@@ -8957,13 +8713,7 @@
       </p:sp>
       <p:sp>
         <p:nvSpPr>
-          <p:cNvPr id="3" name="Content Placeholder 2">
-            <a:extLst>
-              <a:ext uri="{FF2B5EF4-FFF2-40B4-BE49-F238E27FC236}">
-                <a16:creationId xmlns:a16="http://schemas.microsoft.com/office/drawing/2014/main" id="{10CA7123-7C29-4265-838A-2F3885ABEBAD}"/>
-              </a:ext>
-            </a:extLst>
-          </p:cNvPr>
+          <p:cNvPr id="3" name="Content Placeholder 2"/>
           <p:cNvSpPr>
             <a:spLocks noGrp="1"/>
           </p:cNvSpPr>
@@ -8988,41 +8738,49 @@
             </a:pPr>
             <a:r>
               <a:rPr lang="en-US" altLang="zh-CN" sz="1800" dirty="0">
-                <a:latin typeface="微软雅黑" panose="020B0503020204020204" pitchFamily="34" charset="-122"/>
-                <a:ea typeface="微软雅黑" panose="020B0503020204020204" pitchFamily="34" charset="-122"/>
+                <a:latin typeface="微软雅黑" panose="020B0503020204020204" charset="-122"/>
+                <a:ea typeface="微软雅黑" panose="020B0503020204020204" charset="-122"/>
               </a:rPr>
               <a:t>Some useful commands in </a:t>
             </a:r>
             <a:r>
               <a:rPr lang="en-US" altLang="zh-CN" sz="1800" dirty="0" err="1">
-                <a:latin typeface="微软雅黑" panose="020B0503020204020204" pitchFamily="34" charset="-122"/>
-                <a:ea typeface="微软雅黑" panose="020B0503020204020204" pitchFamily="34" charset="-122"/>
+                <a:latin typeface="微软雅黑" panose="020B0503020204020204" charset="-122"/>
+                <a:ea typeface="微软雅黑" panose="020B0503020204020204" charset="-122"/>
               </a:rPr>
               <a:t>Bochs</a:t>
             </a:r>
             <a:r>
               <a:rPr lang="en-US" altLang="zh-CN" sz="1800" dirty="0">
-                <a:latin typeface="微软雅黑" panose="020B0503020204020204" pitchFamily="34" charset="-122"/>
-                <a:ea typeface="微软雅黑" panose="020B0503020204020204" pitchFamily="34" charset="-122"/>
+                <a:latin typeface="微软雅黑" panose="020B0503020204020204" charset="-122"/>
+                <a:ea typeface="微软雅黑" panose="020B0503020204020204" charset="-122"/>
               </a:rPr>
               <a:t> IA-32</a:t>
             </a:r>
+            <a:endParaRPr lang="en-US" altLang="zh-CN" sz="1800" dirty="0">
+              <a:latin typeface="微软雅黑" panose="020B0503020204020204" charset="-122"/>
+              <a:ea typeface="微软雅黑" panose="020B0503020204020204" charset="-122"/>
+            </a:endParaRPr>
           </a:p>
           <a:p>
             <a:r>
               <a:rPr lang="en-US" altLang="zh-CN" sz="1800" b="1" dirty="0" err="1">
-                <a:latin typeface="微软雅黑" panose="020B0503020204020204" pitchFamily="34" charset="-122"/>
-                <a:ea typeface="微软雅黑" panose="020B0503020204020204" pitchFamily="34" charset="-122"/>
+                <a:latin typeface="微软雅黑" panose="020B0503020204020204" charset="-122"/>
+                <a:ea typeface="微软雅黑" panose="020B0503020204020204" charset="-122"/>
               </a:rPr>
               <a:t>Ctrl+C</a:t>
             </a:r>
             <a:r>
               <a:rPr lang="en-US" altLang="zh-CN" sz="1800" b="1" dirty="0">
-                <a:latin typeface="微软雅黑" panose="020B0503020204020204" pitchFamily="34" charset="-122"/>
-                <a:ea typeface="微软雅黑" panose="020B0503020204020204" pitchFamily="34" charset="-122"/>
+                <a:latin typeface="微软雅黑" panose="020B0503020204020204" charset="-122"/>
+                <a:ea typeface="微软雅黑" panose="020B0503020204020204" charset="-122"/>
               </a:rPr>
               <a:t> and c</a:t>
             </a:r>
+            <a:endParaRPr lang="en-US" altLang="zh-CN" sz="1800" b="1" dirty="0">
+              <a:latin typeface="微软雅黑" panose="020B0503020204020204" charset="-122"/>
+              <a:ea typeface="微软雅黑" panose="020B0503020204020204" charset="-122"/>
+            </a:endParaRPr>
           </a:p>
           <a:p>
             <a:pPr marL="0" indent="0">
@@ -9030,44 +8788,48 @@
             </a:pPr>
             <a:r>
               <a:rPr lang="en-US" altLang="zh-CN" sz="1800" dirty="0" err="1">
-                <a:latin typeface="微软雅黑" panose="020B0503020204020204" pitchFamily="34" charset="-122"/>
-                <a:ea typeface="微软雅黑" panose="020B0503020204020204" pitchFamily="34" charset="-122"/>
+                <a:latin typeface="微软雅黑" panose="020B0503020204020204" charset="-122"/>
+                <a:ea typeface="微软雅黑" panose="020B0503020204020204" charset="-122"/>
               </a:rPr>
               <a:t>Ctrl+c</a:t>
             </a:r>
             <a:r>
               <a:rPr lang="en-US" altLang="zh-CN" sz="1800" dirty="0">
-                <a:latin typeface="微软雅黑" panose="020B0503020204020204" pitchFamily="34" charset="-122"/>
-                <a:ea typeface="微软雅黑" panose="020B0503020204020204" pitchFamily="34" charset="-122"/>
+                <a:latin typeface="微软雅黑" panose="020B0503020204020204" charset="-122"/>
+                <a:ea typeface="微软雅黑" panose="020B0503020204020204" charset="-122"/>
               </a:rPr>
               <a:t> means pausing the program and it would show what it executes before pausing. c means continuing running the program from the place where the program is paused by  </a:t>
             </a:r>
             <a:r>
               <a:rPr lang="en-US" altLang="zh-CN" sz="1800" dirty="0" err="1">
-                <a:latin typeface="微软雅黑" panose="020B0503020204020204" pitchFamily="34" charset="-122"/>
-                <a:ea typeface="微软雅黑" panose="020B0503020204020204" pitchFamily="34" charset="-122"/>
+                <a:latin typeface="微软雅黑" panose="020B0503020204020204" charset="-122"/>
+                <a:ea typeface="微软雅黑" panose="020B0503020204020204" charset="-122"/>
               </a:rPr>
               <a:t>Ctrl+c</a:t>
             </a:r>
             <a:r>
               <a:rPr lang="en-US" altLang="zh-CN" sz="1800" dirty="0">
-                <a:latin typeface="微软雅黑" panose="020B0503020204020204" pitchFamily="34" charset="-122"/>
-                <a:ea typeface="微软雅黑" panose="020B0503020204020204" pitchFamily="34" charset="-122"/>
+                <a:latin typeface="微软雅黑" panose="020B0503020204020204" charset="-122"/>
+                <a:ea typeface="微软雅黑" panose="020B0503020204020204" charset="-122"/>
               </a:rPr>
               <a:t>.</a:t>
             </a:r>
+            <a:endParaRPr lang="en-US" altLang="zh-CN" sz="1800" dirty="0">
+              <a:latin typeface="微软雅黑" panose="020B0503020204020204" charset="-122"/>
+              <a:ea typeface="微软雅黑" panose="020B0503020204020204" charset="-122"/>
+            </a:endParaRPr>
           </a:p>
           <a:p>
             <a:r>
               <a:rPr lang="en-US" altLang="zh-CN" sz="1800" b="1" dirty="0" err="1">
-                <a:latin typeface="微软雅黑" panose="020B0503020204020204" pitchFamily="34" charset="-122"/>
-                <a:ea typeface="微软雅黑" panose="020B0503020204020204" pitchFamily="34" charset="-122"/>
+                <a:latin typeface="微软雅黑" panose="020B0503020204020204" charset="-122"/>
+                <a:ea typeface="微软雅黑" panose="020B0503020204020204" charset="-122"/>
               </a:rPr>
               <a:t>sreg</a:t>
             </a:r>
             <a:endParaRPr lang="en-US" altLang="zh-CN" sz="1800" b="1" dirty="0">
-              <a:latin typeface="微软雅黑" panose="020B0503020204020204" pitchFamily="34" charset="-122"/>
-              <a:ea typeface="微软雅黑" panose="020B0503020204020204" pitchFamily="34" charset="-122"/>
+              <a:latin typeface="微软雅黑" panose="020B0503020204020204" charset="-122"/>
+              <a:ea typeface="微软雅黑" panose="020B0503020204020204" charset="-122"/>
             </a:endParaRPr>
           </a:p>
           <a:p>
@@ -9076,30 +8838,34 @@
             </a:pPr>
             <a:r>
               <a:rPr lang="en-US" altLang="zh-CN" sz="1800" dirty="0" err="1">
-                <a:latin typeface="微软雅黑" panose="020B0503020204020204" pitchFamily="34" charset="-122"/>
-                <a:ea typeface="微软雅黑" panose="020B0503020204020204" pitchFamily="34" charset="-122"/>
+                <a:latin typeface="微软雅黑" panose="020B0503020204020204" charset="-122"/>
+                <a:ea typeface="微软雅黑" panose="020B0503020204020204" charset="-122"/>
               </a:rPr>
               <a:t>sreg</a:t>
             </a:r>
             <a:r>
               <a:rPr lang="en-US" altLang="zh-CN" sz="1800" dirty="0">
-                <a:latin typeface="微软雅黑" panose="020B0503020204020204" pitchFamily="34" charset="-122"/>
-                <a:ea typeface="微软雅黑" panose="020B0503020204020204" pitchFamily="34" charset="-122"/>
+                <a:latin typeface="微软雅黑" panose="020B0503020204020204" charset="-122"/>
+                <a:ea typeface="微软雅黑" panose="020B0503020204020204" charset="-122"/>
               </a:rPr>
               <a:t> is the command used for seeing the status of the segment registers.  It is used for finding the base address and the size of the segment.</a:t>
             </a:r>
+            <a:endParaRPr lang="en-US" altLang="zh-CN" sz="1800" dirty="0">
+              <a:latin typeface="微软雅黑" panose="020B0503020204020204" charset="-122"/>
+              <a:ea typeface="微软雅黑" panose="020B0503020204020204" charset="-122"/>
+            </a:endParaRPr>
           </a:p>
           <a:p>
             <a:r>
               <a:rPr lang="en-US" altLang="zh-CN" sz="1800" dirty="0" err="1">
-                <a:latin typeface="微软雅黑" panose="020B0503020204020204" pitchFamily="34" charset="-122"/>
-                <a:ea typeface="微软雅黑" panose="020B0503020204020204" pitchFamily="34" charset="-122"/>
+                <a:latin typeface="微软雅黑" panose="020B0503020204020204" charset="-122"/>
+                <a:ea typeface="微软雅黑" panose="020B0503020204020204" charset="-122"/>
               </a:rPr>
               <a:t>creg</a:t>
             </a:r>
             <a:endParaRPr lang="en-US" altLang="zh-CN" sz="1800" dirty="0">
-              <a:latin typeface="微软雅黑" panose="020B0503020204020204" pitchFamily="34" charset="-122"/>
-              <a:ea typeface="微软雅黑" panose="020B0503020204020204" pitchFamily="34" charset="-122"/>
+              <a:latin typeface="微软雅黑" panose="020B0503020204020204" charset="-122"/>
+              <a:ea typeface="微软雅黑" panose="020B0503020204020204" charset="-122"/>
             </a:endParaRPr>
           </a:p>
           <a:p>
@@ -9108,30 +8874,34 @@
             </a:pPr>
             <a:r>
               <a:rPr lang="en-US" altLang="zh-CN" sz="1800" dirty="0" err="1">
-                <a:latin typeface="微软雅黑" panose="020B0503020204020204" pitchFamily="34" charset="-122"/>
-                <a:ea typeface="微软雅黑" panose="020B0503020204020204" pitchFamily="34" charset="-122"/>
+                <a:latin typeface="微软雅黑" panose="020B0503020204020204" charset="-122"/>
+                <a:ea typeface="微软雅黑" panose="020B0503020204020204" charset="-122"/>
               </a:rPr>
               <a:t>creg</a:t>
             </a:r>
             <a:r>
               <a:rPr lang="en-US" altLang="zh-CN" sz="1800" dirty="0">
-                <a:latin typeface="微软雅黑" panose="020B0503020204020204" pitchFamily="34" charset="-122"/>
-                <a:ea typeface="微软雅黑" panose="020B0503020204020204" pitchFamily="34" charset="-122"/>
+                <a:latin typeface="微软雅黑" panose="020B0503020204020204" charset="-122"/>
+                <a:ea typeface="微软雅黑" panose="020B0503020204020204" charset="-122"/>
               </a:rPr>
               <a:t> is the command used for seeing the status of the control registers, like cr0-cr3. cr3 stores the starting address of the page directory.</a:t>
             </a:r>
+            <a:endParaRPr lang="en-US" altLang="zh-CN" sz="1800" dirty="0">
+              <a:latin typeface="微软雅黑" panose="020B0503020204020204" charset="-122"/>
+              <a:ea typeface="微软雅黑" panose="020B0503020204020204" charset="-122"/>
+            </a:endParaRPr>
           </a:p>
           <a:p>
             <a:r>
               <a:rPr lang="en-US" altLang="zh-CN" sz="1800" dirty="0" err="1">
-                <a:latin typeface="微软雅黑" panose="020B0503020204020204" pitchFamily="34" charset="-122"/>
-                <a:ea typeface="微软雅黑" panose="020B0503020204020204" pitchFamily="34" charset="-122"/>
+                <a:latin typeface="微软雅黑" panose="020B0503020204020204" charset="-122"/>
+                <a:ea typeface="微软雅黑" panose="020B0503020204020204" charset="-122"/>
               </a:rPr>
               <a:t>xp</a:t>
             </a:r>
             <a:endParaRPr lang="en-US" altLang="zh-CN" sz="1800" dirty="0">
-              <a:latin typeface="微软雅黑" panose="020B0503020204020204" pitchFamily="34" charset="-122"/>
-              <a:ea typeface="微软雅黑" panose="020B0503020204020204" pitchFamily="34" charset="-122"/>
+              <a:latin typeface="微软雅黑" panose="020B0503020204020204" charset="-122"/>
+              <a:ea typeface="微软雅黑" panose="020B0503020204020204" charset="-122"/>
             </a:endParaRPr>
           </a:p>
           <a:p>
@@ -9140,30 +8910,34 @@
             </a:pPr>
             <a:r>
               <a:rPr lang="en-US" altLang="zh-CN" sz="1800" dirty="0" err="1">
-                <a:latin typeface="微软雅黑" panose="020B0503020204020204" pitchFamily="34" charset="-122"/>
-                <a:ea typeface="微软雅黑" panose="020B0503020204020204" pitchFamily="34" charset="-122"/>
+                <a:latin typeface="微软雅黑" panose="020B0503020204020204" charset="-122"/>
+                <a:ea typeface="微软雅黑" panose="020B0503020204020204" charset="-122"/>
               </a:rPr>
               <a:t>xp</a:t>
             </a:r>
             <a:r>
               <a:rPr lang="en-US" altLang="zh-CN" sz="1800" dirty="0">
-                <a:latin typeface="微软雅黑" panose="020B0503020204020204" pitchFamily="34" charset="-122"/>
-                <a:ea typeface="微软雅黑" panose="020B0503020204020204" pitchFamily="34" charset="-122"/>
+                <a:latin typeface="微软雅黑" panose="020B0503020204020204" charset="-122"/>
+                <a:ea typeface="微软雅黑" panose="020B0503020204020204" charset="-122"/>
               </a:rPr>
               <a:t> is command used for seeing the contents in the memory cells with the given physical address.</a:t>
             </a:r>
+            <a:endParaRPr lang="en-US" altLang="zh-CN" sz="1800" dirty="0">
+              <a:latin typeface="微软雅黑" panose="020B0503020204020204" charset="-122"/>
+              <a:ea typeface="微软雅黑" panose="020B0503020204020204" charset="-122"/>
+            </a:endParaRPr>
           </a:p>
           <a:p>
             <a:r>
               <a:rPr lang="en-US" altLang="zh-CN" sz="1800" dirty="0" err="1">
-                <a:latin typeface="微软雅黑" panose="020B0503020204020204" pitchFamily="34" charset="-122"/>
-                <a:ea typeface="微软雅黑" panose="020B0503020204020204" pitchFamily="34" charset="-122"/>
+                <a:latin typeface="微软雅黑" panose="020B0503020204020204" charset="-122"/>
+                <a:ea typeface="微软雅黑" panose="020B0503020204020204" charset="-122"/>
               </a:rPr>
               <a:t>setpmem</a:t>
             </a:r>
             <a:endParaRPr lang="en-US" altLang="zh-CN" sz="1800" dirty="0">
-              <a:latin typeface="微软雅黑" panose="020B0503020204020204" pitchFamily="34" charset="-122"/>
-              <a:ea typeface="微软雅黑" panose="020B0503020204020204" pitchFamily="34" charset="-122"/>
+              <a:latin typeface="微软雅黑" panose="020B0503020204020204" charset="-122"/>
+              <a:ea typeface="微软雅黑" panose="020B0503020204020204" charset="-122"/>
             </a:endParaRPr>
           </a:p>
           <a:p>
@@ -9172,26 +8946,30 @@
             </a:pPr>
             <a:r>
               <a:rPr lang="en-US" altLang="zh-CN" sz="1800" dirty="0" err="1">
-                <a:latin typeface="微软雅黑" panose="020B0503020204020204" pitchFamily="34" charset="-122"/>
-                <a:ea typeface="微软雅黑" panose="020B0503020204020204" pitchFamily="34" charset="-122"/>
+                <a:latin typeface="微软雅黑" panose="020B0503020204020204" charset="-122"/>
+                <a:ea typeface="微软雅黑" panose="020B0503020204020204" charset="-122"/>
               </a:rPr>
               <a:t>setpmem</a:t>
             </a:r>
             <a:r>
               <a:rPr lang="en-US" altLang="zh-CN" sz="1800" dirty="0">
-                <a:latin typeface="微软雅黑" panose="020B0503020204020204" pitchFamily="34" charset="-122"/>
-                <a:ea typeface="微软雅黑" panose="020B0503020204020204" pitchFamily="34" charset="-122"/>
+                <a:latin typeface="微软雅黑" panose="020B0503020204020204" charset="-122"/>
+                <a:ea typeface="微软雅黑" panose="020B0503020204020204" charset="-122"/>
               </a:rPr>
               <a:t> is command used for setting the corresponding memory cell with the given number.</a:t>
             </a:r>
+            <a:endParaRPr lang="en-US" altLang="zh-CN" sz="1800" dirty="0">
+              <a:latin typeface="微软雅黑" panose="020B0503020204020204" charset="-122"/>
+              <a:ea typeface="微软雅黑" panose="020B0503020204020204" charset="-122"/>
+            </a:endParaRPr>
           </a:p>
           <a:p>
             <a:pPr marL="0" indent="0">
               <a:buNone/>
             </a:pPr>
             <a:endParaRPr lang="en-US" altLang="zh-CN" sz="1800" dirty="0">
-              <a:latin typeface="微软雅黑" panose="020B0503020204020204" pitchFamily="34" charset="-122"/>
-              <a:ea typeface="微软雅黑" panose="020B0503020204020204" pitchFamily="34" charset="-122"/>
+              <a:latin typeface="微软雅黑" panose="020B0503020204020204" charset="-122"/>
+              <a:ea typeface="微软雅黑" panose="020B0503020204020204" charset="-122"/>
             </a:endParaRPr>
           </a:p>
           <a:p>
@@ -9200,51 +8978,46 @@
             </a:pPr>
             <a:r>
               <a:rPr lang="en-US" altLang="zh-CN" sz="1800" dirty="0">
-                <a:latin typeface="微软雅黑" panose="020B0503020204020204" pitchFamily="34" charset="-122"/>
-                <a:ea typeface="微软雅黑" panose="020B0503020204020204" pitchFamily="34" charset="-122"/>
+                <a:latin typeface="微软雅黑" panose="020B0503020204020204" charset="-122"/>
+                <a:ea typeface="微软雅黑" panose="020B0503020204020204" charset="-122"/>
               </a:rPr>
               <a:t>You could refer to </a:t>
             </a:r>
             <a:r>
               <a:rPr lang="en-US" altLang="zh-CN" sz="1800" b="1" i="1" dirty="0">
-                <a:latin typeface="微软雅黑" panose="020B0503020204020204" pitchFamily="34" charset="-122"/>
-                <a:ea typeface="微软雅黑" panose="020B0503020204020204" pitchFamily="34" charset="-122"/>
+                <a:latin typeface="微软雅黑" panose="020B0503020204020204" charset="-122"/>
+                <a:ea typeface="微软雅黑" panose="020B0503020204020204" charset="-122"/>
               </a:rPr>
               <a:t>Enviorment_Setup_Instructions.pdf </a:t>
             </a:r>
             <a:r>
               <a:rPr lang="en-US" altLang="zh-CN" sz="1800" b="1" dirty="0">
-                <a:latin typeface="微软雅黑" panose="020B0503020204020204" pitchFamily="34" charset="-122"/>
-                <a:ea typeface="微软雅黑" panose="020B0503020204020204" pitchFamily="34" charset="-122"/>
+                <a:latin typeface="微软雅黑" panose="020B0503020204020204" charset="-122"/>
+                <a:ea typeface="微软雅黑" panose="020B0503020204020204" charset="-122"/>
               </a:rPr>
               <a:t> </a:t>
             </a:r>
             <a:r>
               <a:rPr lang="en-US" altLang="zh-CN" sz="1800" dirty="0">
-                <a:latin typeface="微软雅黑" panose="020B0503020204020204" pitchFamily="34" charset="-122"/>
-                <a:ea typeface="微软雅黑" panose="020B0503020204020204" pitchFamily="34" charset="-122"/>
+                <a:latin typeface="微软雅黑" panose="020B0503020204020204" charset="-122"/>
+                <a:ea typeface="微软雅黑" panose="020B0503020204020204" charset="-122"/>
               </a:rPr>
               <a:t>to see how to use it.</a:t>
             </a:r>
             <a:endParaRPr lang="en-US" altLang="zh-CN" sz="1800" i="1" dirty="0">
-              <a:latin typeface="微软雅黑" panose="020B0503020204020204" pitchFamily="34" charset="-122"/>
-              <a:ea typeface="微软雅黑" panose="020B0503020204020204" pitchFamily="34" charset="-122"/>
+              <a:latin typeface="微软雅黑" panose="020B0503020204020204" charset="-122"/>
+              <a:ea typeface="微软雅黑" panose="020B0503020204020204" charset="-122"/>
             </a:endParaRPr>
           </a:p>
           <a:p>
             <a:endParaRPr lang="en-US" altLang="zh-CN" sz="1800" dirty="0">
-              <a:latin typeface="微软雅黑" panose="020B0503020204020204" pitchFamily="34" charset="-122"/>
-              <a:ea typeface="微软雅黑" panose="020B0503020204020204" pitchFamily="34" charset="-122"/>
+              <a:latin typeface="微软雅黑" panose="020B0503020204020204" charset="-122"/>
+              <a:ea typeface="微软雅黑" panose="020B0503020204020204" charset="-122"/>
             </a:endParaRPr>
           </a:p>
         </p:txBody>
       </p:sp>
     </p:spTree>
-    <p:extLst>
-      <p:ext uri="{BB962C8B-B14F-4D97-AF65-F5344CB8AC3E}">
-        <p14:creationId xmlns:p14="http://schemas.microsoft.com/office/powerpoint/2010/main" val="3391778566"/>
-      </p:ext>
-    </p:extLst>
   </p:cSld>
   <p:clrMapOvr>
     <a:masterClrMapping/>
@@ -9271,13 +9044,7 @@
       </p:grpSpPr>
       <p:sp>
         <p:nvSpPr>
-          <p:cNvPr id="2" name="Title 1">
-            <a:extLst>
-              <a:ext uri="{FF2B5EF4-FFF2-40B4-BE49-F238E27FC236}">
-                <a16:creationId xmlns:a16="http://schemas.microsoft.com/office/drawing/2014/main" id="{1A2B1E08-9035-43B8-A2BB-579C0E48A768}"/>
-              </a:ext>
-            </a:extLst>
-          </p:cNvPr>
+          <p:cNvPr id="2" name="Title 1"/>
           <p:cNvSpPr>
             <a:spLocks noGrp="1"/>
           </p:cNvSpPr>
@@ -9304,13 +9071,7 @@
       </p:sp>
       <p:sp>
         <p:nvSpPr>
-          <p:cNvPr id="3" name="Content Placeholder 2">
-            <a:extLst>
-              <a:ext uri="{FF2B5EF4-FFF2-40B4-BE49-F238E27FC236}">
-                <a16:creationId xmlns:a16="http://schemas.microsoft.com/office/drawing/2014/main" id="{C53E2C16-D1EB-474E-866D-677EA6E9CB7C}"/>
-              </a:ext>
-            </a:extLst>
-          </p:cNvPr>
+          <p:cNvPr id="3" name="Content Placeholder 2"/>
           <p:cNvSpPr>
             <a:spLocks noGrp="1"/>
           </p:cNvSpPr>
@@ -9346,6 +9107,7 @@
               <a:rPr lang="en-US" altLang="zh-CN" dirty="0"/>
               <a:t> using</a:t>
             </a:r>
+            <a:endParaRPr lang="en-US" altLang="zh-CN" dirty="0"/>
           </a:p>
           <a:p>
             <a:pPr marL="0" indent="0">
@@ -9355,15 +9117,31 @@
               <a:rPr lang="en-US" altLang="zh-CN" dirty="0"/>
               <a:t>address translation)</a:t>
             </a:r>
+            <a:endParaRPr lang="en-US" altLang="zh-CN" dirty="0"/>
+          </a:p>
+          <a:p>
+            <a:pPr marL="0" indent="0">
+              <a:buNone/>
+            </a:pPr>
+            <a:r>
+              <a:rPr lang="en-US" altLang="zh-CN" dirty="0"/>
+              <a:t>Zoom link: https://cuhk.zoom.us/rec/share/YiSXwJu47YbBeE5K7aqwNRm0SzZ1RCo7oPHwwgY297Icq9GWOfUFxGMHNywxIhUh.ymrIjNPCrpbr8aYm?startTime=1679493977000</a:t>
+            </a:r>
+            <a:endParaRPr lang="en-US" altLang="zh-CN" dirty="0"/>
+          </a:p>
+          <a:p>
+            <a:pPr marL="0" indent="0">
+              <a:buNone/>
+            </a:pPr>
+            <a:r>
+              <a:rPr lang="en-US" altLang="zh-CN" dirty="0"/>
+              <a:t>Password: NECKA2c?</a:t>
+            </a:r>
+            <a:endParaRPr lang="en-US" altLang="zh-CN" dirty="0"/>
           </a:p>
         </p:txBody>
       </p:sp>
     </p:spTree>
-    <p:extLst>
-      <p:ext uri="{BB962C8B-B14F-4D97-AF65-F5344CB8AC3E}">
-        <p14:creationId xmlns:p14="http://schemas.microsoft.com/office/powerpoint/2010/main" val="1902308780"/>
-      </p:ext>
-    </p:extLst>
   </p:cSld>
   <p:clrMapOvr>
     <a:masterClrMapping/>
@@ -9450,6 +9228,10 @@
               </a:rPr>
               <a:t>There would be two parts in Assignment 3.</a:t>
             </a:r>
+            <a:endParaRPr lang="en-US" altLang="zh-CN" sz="2400" dirty="0">
+              <a:latin typeface="微软雅黑" panose="020B0503020204020204" charset="-122"/>
+              <a:ea typeface="微软雅黑" panose="020B0503020204020204" charset="-122"/>
+            </a:endParaRPr>
           </a:p>
           <a:p>
             <a:pPr marL="0" indent="0">
@@ -9485,6 +9267,10 @@
               </a:rPr>
               <a:t> Part (100 marks)</a:t>
             </a:r>
+            <a:endParaRPr lang="en-US" altLang="zh-CN" sz="2400" dirty="0">
+              <a:latin typeface="微软雅黑" panose="020B0503020204020204" charset="-122"/>
+              <a:ea typeface="微软雅黑" panose="020B0503020204020204" charset="-122"/>
+            </a:endParaRPr>
           </a:p>
           <a:p>
             <a:pPr marL="0" indent="0">
@@ -9497,6 +9283,10 @@
               </a:rPr>
               <a:t>You are required to complete this part.</a:t>
             </a:r>
+            <a:endParaRPr lang="en-US" altLang="zh-CN" sz="2400" b="1" dirty="0">
+              <a:latin typeface="微软雅黑" panose="020B0503020204020204" charset="-122"/>
+              <a:ea typeface="微软雅黑" panose="020B0503020204020204" charset="-122"/>
+            </a:endParaRPr>
           </a:p>
           <a:p>
             <a:pPr marL="0" indent="0">
@@ -9509,6 +9299,10 @@
               </a:rPr>
               <a:t>A written problem (Problem 1) and a programming problem (Problem 2)</a:t>
             </a:r>
+            <a:endParaRPr lang="en-US" altLang="zh-CN" sz="2400" dirty="0">
+              <a:latin typeface="微软雅黑" panose="020B0503020204020204" charset="-122"/>
+              <a:ea typeface="微软雅黑" panose="020B0503020204020204" charset="-122"/>
+            </a:endParaRPr>
           </a:p>
           <a:p>
             <a:pPr marL="0" indent="0">
@@ -9531,6 +9325,11 @@
               </a:rPr>
               <a:t>Part 2 Bonus Part (20 marks)</a:t>
             </a:r>
+            <a:endParaRPr lang="en-US" altLang="zh-CN" sz="2400" dirty="0">
+              <a:latin typeface="微软雅黑" panose="020B0503020204020204" charset="-122"/>
+              <a:ea typeface="微软雅黑" panose="020B0503020204020204" charset="-122"/>
+              <a:sym typeface="+mn-ea"/>
+            </a:endParaRPr>
           </a:p>
           <a:p>
             <a:pPr marL="0" indent="0">
@@ -9543,6 +9342,10 @@
               </a:rPr>
               <a:t>We would consider the marks added in your final grade of the course if you do it.</a:t>
             </a:r>
+            <a:endParaRPr lang="en-US" altLang="zh-CN" sz="2400" b="1" dirty="0">
+              <a:latin typeface="微软雅黑" panose="020B0503020204020204" charset="-122"/>
+              <a:ea typeface="微软雅黑" panose="020B0503020204020204" charset="-122"/>
+            </a:endParaRPr>
           </a:p>
           <a:p>
             <a:pPr marL="0" indent="0">
@@ -9555,6 +9358,10 @@
               </a:rPr>
               <a:t>A case study problem</a:t>
             </a:r>
+            <a:endParaRPr lang="en-US" altLang="zh-CN" sz="2400" dirty="0">
+              <a:latin typeface="微软雅黑" panose="020B0503020204020204" charset="-122"/>
+              <a:ea typeface="微软雅黑" panose="020B0503020204020204" charset="-122"/>
+            </a:endParaRPr>
           </a:p>
           <a:p>
             <a:pPr marL="0" indent="0">
@@ -9590,6 +9397,10 @@
               </a:rPr>
               <a:t> (Mon)</a:t>
             </a:r>
+            <a:endParaRPr lang="en-US" altLang="zh-CN" sz="2400" b="1" dirty="0">
+              <a:latin typeface="微软雅黑" panose="020B0503020204020204" charset="-122"/>
+              <a:ea typeface="微软雅黑" panose="020B0503020204020204" charset="-122"/>
+            </a:endParaRPr>
           </a:p>
           <a:p>
             <a:pPr marL="0" indent="0">
@@ -9647,13 +9458,7 @@
       </p:grpSpPr>
       <p:sp>
         <p:nvSpPr>
-          <p:cNvPr id="4" name="TextBox 3">
-            <a:extLst>
-              <a:ext uri="{FF2B5EF4-FFF2-40B4-BE49-F238E27FC236}">
-                <a16:creationId xmlns:a16="http://schemas.microsoft.com/office/drawing/2014/main" id="{47405AE7-3ED0-43FC-B6A2-41C464E5CFFB}"/>
-              </a:ext>
-            </a:extLst>
-          </p:cNvPr>
+          <p:cNvPr id="4" name="TextBox 3"/>
           <p:cNvSpPr txBox="1"/>
           <p:nvPr/>
         </p:nvSpPr>
@@ -9682,11 +9487,6 @@
         </p:txBody>
       </p:sp>
     </p:spTree>
-    <p:extLst>
-      <p:ext uri="{BB962C8B-B14F-4D97-AF65-F5344CB8AC3E}">
-        <p14:creationId xmlns:p14="http://schemas.microsoft.com/office/powerpoint/2010/main" val="1395607412"/>
-      </p:ext>
-    </p:extLst>
   </p:cSld>
   <p:clrMapOvr>
     <a:masterClrMapping/>
@@ -9733,6 +9533,10 @@
               </a:rPr>
               <a:t>Hints about Problem 1</a:t>
             </a:r>
+            <a:endParaRPr lang="en-US" altLang="zh-CN" b="1">
+              <a:latin typeface="微软雅黑" panose="020B0503020204020204" charset="-122"/>
+              <a:ea typeface="微软雅黑" panose="020B0503020204020204" charset="-122"/>
+            </a:endParaRPr>
           </a:p>
         </p:txBody>
       </p:sp>
@@ -9788,6 +9592,10 @@
               </a:rPr>
               <a:t>You need to review the segmentation and multi-level paging</a:t>
             </a:r>
+            <a:endParaRPr lang="en-US" altLang="zh-CN" sz="2400" b="1" dirty="0">
+              <a:latin typeface="微软雅黑" panose="020B0503020204020204" charset="-122"/>
+              <a:ea typeface="微软雅黑" panose="020B0503020204020204" charset="-122"/>
+            </a:endParaRPr>
           </a:p>
           <a:p>
             <a:pPr marL="457200" lvl="1" indent="0">
@@ -9814,6 +9622,10 @@
               </a:rPr>
               <a:t> word addressing</a:t>
             </a:r>
+            <a:endParaRPr lang="en-US" altLang="zh-CN" sz="2400" b="1" dirty="0">
+              <a:latin typeface="微软雅黑" panose="020B0503020204020204" charset="-122"/>
+              <a:ea typeface="微软雅黑" panose="020B0503020204020204" charset="-122"/>
+            </a:endParaRPr>
           </a:p>
           <a:p>
             <a:pPr lvl="1"/>
@@ -9831,6 +9643,10 @@
               </a:rPr>
               <a:t>the unit of data used by a particular processor design</a:t>
             </a:r>
+            <a:endParaRPr lang="en-US" altLang="zh-CN" sz="2400" dirty="0">
+              <a:latin typeface="微软雅黑" panose="020B0503020204020204" charset="-122"/>
+              <a:ea typeface="微软雅黑" panose="020B0503020204020204" charset="-122"/>
+            </a:endParaRPr>
           </a:p>
           <a:p>
             <a:pPr lvl="2"/>
@@ -9841,6 +9657,10 @@
               </a:rPr>
               <a:t>word length = the width of the data bus</a:t>
             </a:r>
+            <a:endParaRPr lang="en-US" altLang="zh-CN" sz="2400" dirty="0">
+              <a:latin typeface="微软雅黑" panose="020B0503020204020204" charset="-122"/>
+              <a:ea typeface="微软雅黑" panose="020B0503020204020204" charset="-122"/>
+            </a:endParaRPr>
           </a:p>
           <a:p>
             <a:pPr lvl="2"/>
@@ -9851,6 +9671,10 @@
               </a:rPr>
               <a:t>32-bit machine, the word length is 32 bit (4 bytes, 1 byte = 8 bit)</a:t>
             </a:r>
+            <a:endParaRPr lang="en-US" altLang="zh-CN" sz="2400" dirty="0">
+              <a:latin typeface="微软雅黑" panose="020B0503020204020204" charset="-122"/>
+              <a:ea typeface="微软雅黑" panose="020B0503020204020204" charset="-122"/>
+            </a:endParaRPr>
           </a:p>
           <a:p>
             <a:pPr lvl="1"/>
@@ -9868,6 +9692,10 @@
               </a:rPr>
               <a:t> The bits of a data could be stored in a physical address</a:t>
             </a:r>
+            <a:endParaRPr lang="en-US" altLang="zh-CN" sz="2400" dirty="0">
+              <a:latin typeface="微软雅黑" panose="020B0503020204020204" charset="-122"/>
+              <a:ea typeface="微软雅黑" panose="020B0503020204020204" charset="-122"/>
+            </a:endParaRPr>
           </a:p>
           <a:p>
             <a:pPr lvl="2"/>
@@ -9878,6 +9706,10 @@
               </a:rPr>
               <a:t>The capacity of memory with one physical address is usually the times of bytes</a:t>
             </a:r>
+            <a:endParaRPr lang="en-US" altLang="zh-CN" sz="2400" dirty="0">
+              <a:latin typeface="微软雅黑" panose="020B0503020204020204" charset="-122"/>
+              <a:ea typeface="微软雅黑" panose="020B0503020204020204" charset="-122"/>
+            </a:endParaRPr>
           </a:p>
           <a:p>
             <a:pPr lvl="2"/>
@@ -9895,6 +9727,10 @@
               </a:rPr>
               <a:t> and byte addressing</a:t>
             </a:r>
+            <a:endParaRPr lang="en-US" altLang="zh-CN" sz="2400" dirty="0">
+              <a:latin typeface="微软雅黑" panose="020B0503020204020204" charset="-122"/>
+              <a:ea typeface="微软雅黑" panose="020B0503020204020204" charset="-122"/>
+            </a:endParaRPr>
           </a:p>
           <a:p>
             <a:pPr lvl="1"/>
@@ -10004,25 +9840,23 @@
               </a:rPr>
               <a:t>Word Addressing v.s. Byte Addressing</a:t>
             </a:r>
+            <a:endParaRPr lang="en-US" altLang="zh-CN">
+              <a:latin typeface="微软雅黑" panose="020B0503020204020204" charset="-122"/>
+              <a:ea typeface="微软雅黑" panose="020B0503020204020204" charset="-122"/>
+            </a:endParaRPr>
           </a:p>
         </p:txBody>
       </p:sp>
       <p:pic>
         <p:nvPicPr>
-          <p:cNvPr id="4" name="Picture 3">
-            <a:extLst>
-              <a:ext uri="{FF2B5EF4-FFF2-40B4-BE49-F238E27FC236}">
-                <a16:creationId xmlns:a16="http://schemas.microsoft.com/office/drawing/2014/main" id="{A390C7E9-FFB9-458B-9F6A-B9055BD25B40}"/>
-              </a:ext>
-            </a:extLst>
-          </p:cNvPr>
+          <p:cNvPr id="4" name="Picture 3"/>
           <p:cNvPicPr>
             <a:picLocks noChangeAspect="1"/>
           </p:cNvPicPr>
           <p:nvPr/>
         </p:nvPicPr>
         <p:blipFill>
-          <a:blip r:embed="rId2"/>
+          <a:blip r:embed="rId1"/>
           <a:stretch>
             <a:fillRect/>
           </a:stretch>
@@ -10039,13 +9873,7 @@
       </p:pic>
       <p:sp>
         <p:nvSpPr>
-          <p:cNvPr id="5" name="TextBox 4">
-            <a:extLst>
-              <a:ext uri="{FF2B5EF4-FFF2-40B4-BE49-F238E27FC236}">
-                <a16:creationId xmlns:a16="http://schemas.microsoft.com/office/drawing/2014/main" id="{90E72BE0-7E64-4E39-89D7-DA8266974068}"/>
-              </a:ext>
-            </a:extLst>
-          </p:cNvPr>
+          <p:cNvPr id="5" name="TextBox 4"/>
           <p:cNvSpPr txBox="1"/>
           <p:nvPr/>
         </p:nvSpPr>
@@ -10075,20 +9903,14 @@
       </p:sp>
       <p:pic>
         <p:nvPicPr>
-          <p:cNvPr id="6" name="Picture 5">
-            <a:extLst>
-              <a:ext uri="{FF2B5EF4-FFF2-40B4-BE49-F238E27FC236}">
-                <a16:creationId xmlns:a16="http://schemas.microsoft.com/office/drawing/2014/main" id="{5479EDB9-34D8-4637-9A7F-87576B2FB26B}"/>
-              </a:ext>
-            </a:extLst>
-          </p:cNvPr>
+          <p:cNvPr id="6" name="Picture 5"/>
           <p:cNvPicPr>
             <a:picLocks noChangeAspect="1"/>
           </p:cNvPicPr>
           <p:nvPr/>
         </p:nvPicPr>
         <p:blipFill>
-          <a:blip r:embed="rId3"/>
+          <a:blip r:embed="rId2"/>
           <a:stretch>
             <a:fillRect/>
           </a:stretch>
@@ -10105,13 +9927,7 @@
       </p:pic>
       <p:sp>
         <p:nvSpPr>
-          <p:cNvPr id="7" name="TextBox 6">
-            <a:extLst>
-              <a:ext uri="{FF2B5EF4-FFF2-40B4-BE49-F238E27FC236}">
-                <a16:creationId xmlns:a16="http://schemas.microsoft.com/office/drawing/2014/main" id="{54F6752D-8600-46EB-8713-1ABBACCD181E}"/>
-              </a:ext>
-            </a:extLst>
-          </p:cNvPr>
+          <p:cNvPr id="7" name="TextBox 6"/>
           <p:cNvSpPr txBox="1"/>
           <p:nvPr/>
         </p:nvSpPr>
@@ -10141,13 +9957,7 @@
       </p:sp>
       <p:sp>
         <p:nvSpPr>
-          <p:cNvPr id="8" name="TextBox 7">
-            <a:extLst>
-              <a:ext uri="{FF2B5EF4-FFF2-40B4-BE49-F238E27FC236}">
-                <a16:creationId xmlns:a16="http://schemas.microsoft.com/office/drawing/2014/main" id="{6BDC9923-E29C-4D46-93D5-197AB3986AE7}"/>
-              </a:ext>
-            </a:extLst>
-          </p:cNvPr>
+          <p:cNvPr id="8" name="TextBox 7"/>
           <p:cNvSpPr txBox="1"/>
           <p:nvPr/>
         </p:nvSpPr>
@@ -10180,13 +9990,7 @@
       </p:sp>
       <p:sp>
         <p:nvSpPr>
-          <p:cNvPr id="9" name="Rectangle 8">
-            <a:extLst>
-              <a:ext uri="{FF2B5EF4-FFF2-40B4-BE49-F238E27FC236}">
-                <a16:creationId xmlns:a16="http://schemas.microsoft.com/office/drawing/2014/main" id="{B5172960-CD81-4F0A-A446-BA184734BD14}"/>
-              </a:ext>
-            </a:extLst>
-          </p:cNvPr>
+          <p:cNvPr id="9" name="Rectangle 8"/>
           <p:cNvSpPr/>
           <p:nvPr/>
         </p:nvSpPr>
@@ -10232,13 +10036,7 @@
       </p:sp>
       <p:sp>
         <p:nvSpPr>
-          <p:cNvPr id="10" name="Rectangle 9">
-            <a:extLst>
-              <a:ext uri="{FF2B5EF4-FFF2-40B4-BE49-F238E27FC236}">
-                <a16:creationId xmlns:a16="http://schemas.microsoft.com/office/drawing/2014/main" id="{5596A9A9-0CEC-44A7-A5BF-094DA777F443}"/>
-              </a:ext>
-            </a:extLst>
-          </p:cNvPr>
+          <p:cNvPr id="10" name="Rectangle 9"/>
           <p:cNvSpPr/>
           <p:nvPr/>
         </p:nvSpPr>
@@ -10358,6 +10156,7 @@
               <a:rPr lang="en-US" altLang="zh-CN" sz="2400"/>
               <a:t>Multi-level Page Table</a:t>
             </a:r>
+            <a:endParaRPr lang="en-US" altLang="zh-CN" sz="2400"/>
           </a:p>
         </p:txBody>
       </p:sp>
@@ -10374,7 +10173,7 @@
           </p:nvPr>
         </p:nvPicPr>
         <p:blipFill>
-          <a:blip r:embed="rId3"/>
+          <a:blip r:embed="rId2"/>
           <a:stretch>
             <a:fillRect/>
           </a:stretch>
@@ -10488,7 +10287,7 @@
           </p:nvPr>
         </p:nvPicPr>
         <p:blipFill>
-          <a:blip r:embed="rId7"/>
+          <a:blip r:embed="rId3"/>
           <a:stretch>
             <a:fillRect/>
           </a:stretch>
@@ -10509,7 +10308,7 @@
           <p:cNvSpPr txBox="1"/>
           <p:nvPr>
             <p:custDataLst>
-              <p:tags r:id="rId3"/>
+              <p:tags r:id="rId4"/>
             </p:custDataLst>
           </p:nvPr>
         </p:nvSpPr>
@@ -10551,7 +10350,7 @@
           <p:cNvSpPr txBox="1"/>
           <p:nvPr>
             <p:custDataLst>
-              <p:tags r:id="rId4"/>
+              <p:tags r:id="rId5"/>
             </p:custDataLst>
           </p:nvPr>
         </p:nvSpPr>
@@ -10593,7 +10392,7 @@
           <p:cNvSpPr txBox="1"/>
           <p:nvPr>
             <p:custDataLst>
-              <p:tags r:id="rId5"/>
+              <p:tags r:id="rId6"/>
             </p:custDataLst>
           </p:nvPr>
         </p:nvSpPr>
@@ -10722,6 +10521,10 @@
               </a:rPr>
               <a:t>FIFO and LRU policies</a:t>
             </a:r>
+            <a:endParaRPr lang="en-US" altLang="zh-CN" sz="2400" b="1" dirty="0">
+              <a:latin typeface="微软雅黑" panose="020B0503020204020204" charset="-122"/>
+              <a:ea typeface="微软雅黑" panose="020B0503020204020204" charset="-122"/>
+            </a:endParaRPr>
           </a:p>
           <a:p>
             <a:pPr lvl="1" fontAlgn="auto">
@@ -10754,6 +10557,10 @@
               </a:rPr>
               <a:t>Requirements:</a:t>
             </a:r>
+            <a:endParaRPr lang="en-US" altLang="zh-CN" sz="2400" b="1" dirty="0">
+              <a:latin typeface="微软雅黑" panose="020B0503020204020204" charset="-122"/>
+              <a:ea typeface="微软雅黑" panose="020B0503020204020204" charset="-122"/>
+            </a:endParaRPr>
           </a:p>
           <a:p>
             <a:pPr lvl="1" fontAlgn="auto">
@@ -10800,6 +10607,10 @@
               </a:rPr>
               <a:t>Extra Array to record the order or the recency of the elements in cache is</a:t>
             </a:r>
+            <a:endParaRPr lang="en-US" altLang="zh-CN" sz="2055" b="1" dirty="0">
+              <a:latin typeface="微软雅黑" panose="020B0503020204020204" charset="-122"/>
+              <a:ea typeface="微软雅黑" panose="020B0503020204020204" charset="-122"/>
+            </a:endParaRPr>
           </a:p>
           <a:p>
             <a:pPr marL="457200" lvl="1" indent="0" fontAlgn="auto">
@@ -10815,6 +10626,10 @@
               </a:rPr>
               <a:t>not allowed</a:t>
             </a:r>
+            <a:endParaRPr lang="en-US" altLang="zh-CN" sz="2055" b="1" dirty="0">
+              <a:latin typeface="微软雅黑" panose="020B0503020204020204" charset="-122"/>
+              <a:ea typeface="微软雅黑" panose="020B0503020204020204" charset="-122"/>
+            </a:endParaRPr>
           </a:p>
           <a:p>
             <a:pPr lvl="1" fontAlgn="auto">
@@ -10858,6 +10673,10 @@
               </a:rPr>
               <a:t>should be reported at the end.</a:t>
             </a:r>
+            <a:endParaRPr lang="en-US" altLang="zh-CN" sz="2055" dirty="0">
+              <a:latin typeface="微软雅黑" panose="020B0503020204020204" charset="-122"/>
+              <a:ea typeface="微软雅黑" panose="020B0503020204020204" charset="-122"/>
+            </a:endParaRPr>
           </a:p>
           <a:p>
             <a:pPr lvl="0" fontAlgn="auto">
@@ -10886,6 +10705,10 @@
               </a:rPr>
               <a:t>for you to implement</a:t>
             </a:r>
+            <a:endParaRPr lang="en-US" altLang="zh-CN" sz="2395" dirty="0">
+              <a:latin typeface="微软雅黑" panose="020B0503020204020204" charset="-122"/>
+              <a:ea typeface="微软雅黑" panose="020B0503020204020204" charset="-122"/>
+            </a:endParaRPr>
           </a:p>
           <a:p>
             <a:pPr lvl="1" fontAlgn="auto">
@@ -10900,6 +10723,10 @@
               </a:rPr>
               <a:t>It is better to use it.</a:t>
             </a:r>
+            <a:endParaRPr lang="en-US" altLang="zh-CN" sz="2050" dirty="0">
+              <a:latin typeface="微软雅黑" panose="020B0503020204020204" charset="-122"/>
+              <a:ea typeface="微软雅黑" panose="020B0503020204020204" charset="-122"/>
+            </a:endParaRPr>
           </a:p>
           <a:p>
             <a:pPr lvl="1" fontAlgn="auto">
@@ -10928,6 +10755,10 @@
               </a:rPr>
               <a:t>. Besides, you should add a Readme file for me how to compile and run your file.</a:t>
             </a:r>
+            <a:endParaRPr lang="en-US" altLang="zh-CN" sz="2050" dirty="0">
+              <a:latin typeface="微软雅黑" panose="020B0503020204020204" charset="-122"/>
+              <a:ea typeface="微软雅黑" panose="020B0503020204020204" charset="-122"/>
+            </a:endParaRPr>
           </a:p>
           <a:p>
             <a:pPr lvl="1" fontAlgn="auto">
@@ -11028,6 +10859,10 @@
               </a:rPr>
               <a:t>Brief Review about FIFO and LRU algorithm</a:t>
             </a:r>
+            <a:endParaRPr lang="en-US" altLang="zh-CN" sz="2400">
+              <a:latin typeface="微软雅黑" panose="020B0503020204020204" charset="-122"/>
+              <a:ea typeface="微软雅黑" panose="020B0503020204020204" charset="-122"/>
+            </a:endParaRPr>
           </a:p>
           <a:p>
             <a:pPr marL="0" indent="0">
@@ -11040,6 +10875,10 @@
               </a:rPr>
               <a:t>Reference Row: 1 2 3 1 4 1 3 </a:t>
             </a:r>
+            <a:endParaRPr lang="en-US" altLang="zh-CN" sz="2400">
+              <a:latin typeface="微软雅黑" panose="020B0503020204020204" charset="-122"/>
+              <a:ea typeface="微软雅黑" panose="020B0503020204020204" charset="-122"/>
+            </a:endParaRPr>
           </a:p>
         </p:txBody>
       </p:sp>
@@ -11064,55 +10903,13 @@
                 <a:tableStyleId>{5C22544A-7EE6-4342-B048-85BDC9FD1C3A}</a:tableStyleId>
               </a:tblPr>
               <a:tblGrid>
-                <a:gridCol w="1218565">
-                  <a:extLst>
-                    <a:ext uri="{9D8B030D-6E8A-4147-A177-3AD203B41FA5}">
-                      <a16:colId xmlns:a16="http://schemas.microsoft.com/office/drawing/2014/main" val="20000"/>
-                    </a:ext>
-                  </a:extLst>
-                </a:gridCol>
-                <a:gridCol w="1218565">
-                  <a:extLst>
-                    <a:ext uri="{9D8B030D-6E8A-4147-A177-3AD203B41FA5}">
-                      <a16:colId xmlns:a16="http://schemas.microsoft.com/office/drawing/2014/main" val="20001"/>
-                    </a:ext>
-                  </a:extLst>
-                </a:gridCol>
-                <a:gridCol w="1218565">
-                  <a:extLst>
-                    <a:ext uri="{9D8B030D-6E8A-4147-A177-3AD203B41FA5}">
-                      <a16:colId xmlns:a16="http://schemas.microsoft.com/office/drawing/2014/main" val="20002"/>
-                    </a:ext>
-                  </a:extLst>
-                </a:gridCol>
-                <a:gridCol w="1218565">
-                  <a:extLst>
-                    <a:ext uri="{9D8B030D-6E8A-4147-A177-3AD203B41FA5}">
-                      <a16:colId xmlns:a16="http://schemas.microsoft.com/office/drawing/2014/main" val="20003"/>
-                    </a:ext>
-                  </a:extLst>
-                </a:gridCol>
-                <a:gridCol w="1218565">
-                  <a:extLst>
-                    <a:ext uri="{9D8B030D-6E8A-4147-A177-3AD203B41FA5}">
-                      <a16:colId xmlns:a16="http://schemas.microsoft.com/office/drawing/2014/main" val="20004"/>
-                    </a:ext>
-                  </a:extLst>
-                </a:gridCol>
-                <a:gridCol w="1218565">
-                  <a:extLst>
-                    <a:ext uri="{9D8B030D-6E8A-4147-A177-3AD203B41FA5}">
-                      <a16:colId xmlns:a16="http://schemas.microsoft.com/office/drawing/2014/main" val="20005"/>
-                    </a:ext>
-                  </a:extLst>
-                </a:gridCol>
-                <a:gridCol w="1218565">
-                  <a:extLst>
-                    <a:ext uri="{9D8B030D-6E8A-4147-A177-3AD203B41FA5}">
-                      <a16:colId xmlns:a16="http://schemas.microsoft.com/office/drawing/2014/main" val="20006"/>
-                    </a:ext>
-                  </a:extLst>
-                </a:gridCol>
+                <a:gridCol w="1218565"/>
+                <a:gridCol w="1218565"/>
+                <a:gridCol w="1218565"/>
+                <a:gridCol w="1218565"/>
+                <a:gridCol w="1218565"/>
+                <a:gridCol w="1218565"/>
+                <a:gridCol w="1218565"/>
               </a:tblGrid>
               <a:tr h="365760">
                 <a:tc>
@@ -11131,6 +10928,11 @@
                         </a:rPr>
                         <a:t>1</a:t>
                       </a:r>
+                      <a:endParaRPr lang="en-US" altLang="zh-CN" b="1">
+                        <a:solidFill>
+                          <a:schemeClr val="tx1"/>
+                        </a:solidFill>
+                      </a:endParaRPr>
                     </a:p>
                   </a:txBody>
                   <a:tcPr>
@@ -11179,6 +10981,11 @@
                         </a:rPr>
                         <a:t>1</a:t>
                       </a:r>
+                      <a:endParaRPr lang="en-US" altLang="zh-CN" b="1">
+                        <a:solidFill>
+                          <a:schemeClr val="tx1"/>
+                        </a:solidFill>
+                      </a:endParaRPr>
                     </a:p>
                   </a:txBody>
                   <a:tcPr>
@@ -11227,6 +11034,11 @@
                         </a:rPr>
                         <a:t>1</a:t>
                       </a:r>
+                      <a:endParaRPr lang="en-US" altLang="zh-CN" b="1">
+                        <a:solidFill>
+                          <a:schemeClr val="tx1"/>
+                        </a:solidFill>
+                      </a:endParaRPr>
                     </a:p>
                   </a:txBody>
                   <a:tcPr>
@@ -11275,6 +11087,11 @@
                         </a:rPr>
                         <a:t>1</a:t>
                       </a:r>
+                      <a:endParaRPr lang="en-US" altLang="zh-CN" b="1">
+                        <a:solidFill>
+                          <a:schemeClr val="tx1"/>
+                        </a:solidFill>
+                      </a:endParaRPr>
                     </a:p>
                   </a:txBody>
                   <a:tcPr>
@@ -11321,6 +11138,11 @@
                         </a:rPr>
                         <a:t>2</a:t>
                       </a:r>
+                      <a:endParaRPr lang="en-US" altLang="zh-CN" b="1">
+                        <a:solidFill>
+                          <a:schemeClr val="tx1"/>
+                        </a:solidFill>
+                      </a:endParaRPr>
                     </a:p>
                   </a:txBody>
                   <a:tcPr>
@@ -11369,6 +11191,11 @@
                         </a:rPr>
                         <a:t>3</a:t>
                       </a:r>
+                      <a:endParaRPr lang="en-US" altLang="zh-CN" b="1">
+                        <a:solidFill>
+                          <a:schemeClr val="tx1"/>
+                        </a:solidFill>
+                      </a:endParaRPr>
                     </a:p>
                   </a:txBody>
                   <a:tcPr>
@@ -11417,6 +11244,11 @@
                         </a:rPr>
                         <a:t>3</a:t>
                       </a:r>
+                      <a:endParaRPr lang="en-US" altLang="zh-CN" b="1">
+                        <a:solidFill>
+                          <a:schemeClr val="tx1"/>
+                        </a:solidFill>
+                      </a:endParaRPr>
                     </a:p>
                   </a:txBody>
                   <a:tcPr>
@@ -11447,11 +11279,6 @@
                     <a:noFill/>
                   </a:tcPr>
                 </a:tc>
-                <a:extLst>
-                  <a:ext uri="{0D108BD9-81ED-4DB2-BD59-A6C34878D82A}">
-                    <a16:rowId xmlns:a16="http://schemas.microsoft.com/office/drawing/2014/main" val="10000"/>
-                  </a:ext>
-                </a:extLst>
               </a:tr>
               <a:tr h="381000">
                 <a:tc>
@@ -11515,6 +11342,11 @@
                         </a:rPr>
                         <a:t>2</a:t>
                       </a:r>
+                      <a:endParaRPr lang="en-US" altLang="zh-CN" b="1">
+                        <a:solidFill>
+                          <a:schemeClr val="tx1"/>
+                        </a:solidFill>
+                      </a:endParaRPr>
                     </a:p>
                   </a:txBody>
                   <a:tcPr>
@@ -11563,6 +11395,11 @@
                         </a:rPr>
                         <a:t>2</a:t>
                       </a:r>
+                      <a:endParaRPr lang="en-US" altLang="zh-CN" b="1">
+                        <a:solidFill>
+                          <a:schemeClr val="tx1"/>
+                        </a:solidFill>
+                      </a:endParaRPr>
                     </a:p>
                   </a:txBody>
                   <a:tcPr>
@@ -11611,6 +11448,11 @@
                         </a:rPr>
                         <a:t>2</a:t>
                       </a:r>
+                      <a:endParaRPr lang="en-US" altLang="zh-CN" b="1">
+                        <a:solidFill>
+                          <a:schemeClr val="tx1"/>
+                        </a:solidFill>
+                      </a:endParaRPr>
                     </a:p>
                   </a:txBody>
                   <a:tcPr>
@@ -11657,6 +11499,11 @@
                         </a:rPr>
                         <a:t>3</a:t>
                       </a:r>
+                      <a:endParaRPr lang="en-US" altLang="zh-CN" b="1">
+                        <a:solidFill>
+                          <a:schemeClr val="tx1"/>
+                        </a:solidFill>
+                      </a:endParaRPr>
                     </a:p>
                   </a:txBody>
                   <a:tcPr>
@@ -11705,6 +11552,11 @@
                         </a:rPr>
                         <a:t>4</a:t>
                       </a:r>
+                      <a:endParaRPr lang="en-US" altLang="zh-CN" b="1">
+                        <a:solidFill>
+                          <a:schemeClr val="tx1"/>
+                        </a:solidFill>
+                      </a:endParaRPr>
                     </a:p>
                   </a:txBody>
                   <a:tcPr>
@@ -11753,6 +11605,11 @@
                         </a:rPr>
                         <a:t>4</a:t>
                       </a:r>
+                      <a:endParaRPr lang="en-US" altLang="zh-CN" b="1">
+                        <a:solidFill>
+                          <a:schemeClr val="tx1"/>
+                        </a:solidFill>
+                      </a:endParaRPr>
                     </a:p>
                   </a:txBody>
                   <a:tcPr>
@@ -11783,11 +11640,6 @@
                     <a:noFill/>
                   </a:tcPr>
                 </a:tc>
-                <a:extLst>
-                  <a:ext uri="{0D108BD9-81ED-4DB2-BD59-A6C34878D82A}">
-                    <a16:rowId xmlns:a16="http://schemas.microsoft.com/office/drawing/2014/main" val="10001"/>
-                  </a:ext>
-                </a:extLst>
               </a:tr>
               <a:tr h="381000">
                 <a:tc>
@@ -11896,6 +11748,11 @@
                         </a:rPr>
                         <a:t>3</a:t>
                       </a:r>
+                      <a:endParaRPr lang="en-US" altLang="zh-CN" b="1">
+                        <a:solidFill>
+                          <a:schemeClr val="tx1"/>
+                        </a:solidFill>
+                      </a:endParaRPr>
                     </a:p>
                   </a:txBody>
                   <a:tcPr>
@@ -11944,6 +11801,11 @@
                         </a:rPr>
                         <a:t>3</a:t>
                       </a:r>
+                      <a:endParaRPr lang="en-US" altLang="zh-CN" b="1">
+                        <a:solidFill>
+                          <a:schemeClr val="tx1"/>
+                        </a:solidFill>
+                      </a:endParaRPr>
                     </a:p>
                   </a:txBody>
                   <a:tcPr>
@@ -11990,6 +11852,11 @@
                         </a:rPr>
                         <a:t>4</a:t>
                       </a:r>
+                      <a:endParaRPr lang="en-US" altLang="zh-CN" b="1">
+                        <a:solidFill>
+                          <a:schemeClr val="tx1"/>
+                        </a:solidFill>
+                      </a:endParaRPr>
                     </a:p>
                   </a:txBody>
                   <a:tcPr>
@@ -12038,6 +11905,11 @@
                         </a:rPr>
                         <a:t>1</a:t>
                       </a:r>
+                      <a:endParaRPr lang="en-US" altLang="zh-CN" b="1">
+                        <a:solidFill>
+                          <a:schemeClr val="tx1"/>
+                        </a:solidFill>
+                      </a:endParaRPr>
                     </a:p>
                   </a:txBody>
                   <a:tcPr>
@@ -12086,6 +11958,11 @@
                         </a:rPr>
                         <a:t>1</a:t>
                       </a:r>
+                      <a:endParaRPr lang="en-US" altLang="zh-CN" b="1">
+                        <a:solidFill>
+                          <a:schemeClr val="tx1"/>
+                        </a:solidFill>
+                      </a:endParaRPr>
                     </a:p>
                   </a:txBody>
                   <a:tcPr>
@@ -12116,11 +11993,6 @@
                     <a:noFill/>
                   </a:tcPr>
                 </a:tc>
-                <a:extLst>
-                  <a:ext uri="{0D108BD9-81ED-4DB2-BD59-A6C34878D82A}">
-                    <a16:rowId xmlns:a16="http://schemas.microsoft.com/office/drawing/2014/main" val="10002"/>
-                  </a:ext>
-                </a:extLst>
               </a:tr>
             </a:tbl>
           </a:graphicData>
@@ -12155,6 +12027,10 @@
               </a:rPr>
               <a:t>FIFO (First-in First-come)</a:t>
             </a:r>
+            <a:endParaRPr lang="en-US" altLang="zh-CN">
+              <a:latin typeface="微软雅黑" panose="020B0503020204020204" charset="-122"/>
+              <a:ea typeface="微软雅黑" panose="020B0503020204020204" charset="-122"/>
+            </a:endParaRPr>
           </a:p>
         </p:txBody>
       </p:sp>
@@ -12191,6 +12067,10 @@
               </a:rPr>
               <a:t>LRU (Least Recently Used)</a:t>
             </a:r>
+            <a:endParaRPr lang="en-US" altLang="zh-CN">
+              <a:latin typeface="微软雅黑" panose="020B0503020204020204" charset="-122"/>
+              <a:ea typeface="微软雅黑" panose="020B0503020204020204" charset="-122"/>
+            </a:endParaRPr>
           </a:p>
         </p:txBody>
       </p:sp>
@@ -12223,6 +12103,10 @@
               </a:rPr>
               <a:t>Page Fault (Missing) Times: 5</a:t>
             </a:r>
+            <a:endParaRPr lang="en-US" altLang="zh-CN">
+              <a:latin typeface="微软雅黑" panose="020B0503020204020204" charset="-122"/>
+              <a:ea typeface="微软雅黑" panose="020B0503020204020204" charset="-122"/>
+            </a:endParaRPr>
           </a:p>
         </p:txBody>
       </p:sp>
@@ -12247,55 +12131,13 @@
                 <a:tableStyleId>{5C22544A-7EE6-4342-B048-85BDC9FD1C3A}</a:tableStyleId>
               </a:tblPr>
               <a:tblGrid>
-                <a:gridCol w="1218565">
-                  <a:extLst>
-                    <a:ext uri="{9D8B030D-6E8A-4147-A177-3AD203B41FA5}">
-                      <a16:colId xmlns:a16="http://schemas.microsoft.com/office/drawing/2014/main" val="20000"/>
-                    </a:ext>
-                  </a:extLst>
-                </a:gridCol>
-                <a:gridCol w="1218565">
-                  <a:extLst>
-                    <a:ext uri="{9D8B030D-6E8A-4147-A177-3AD203B41FA5}">
-                      <a16:colId xmlns:a16="http://schemas.microsoft.com/office/drawing/2014/main" val="20001"/>
-                    </a:ext>
-                  </a:extLst>
-                </a:gridCol>
-                <a:gridCol w="1218565">
-                  <a:extLst>
-                    <a:ext uri="{9D8B030D-6E8A-4147-A177-3AD203B41FA5}">
-                      <a16:colId xmlns:a16="http://schemas.microsoft.com/office/drawing/2014/main" val="20002"/>
-                    </a:ext>
-                  </a:extLst>
-                </a:gridCol>
-                <a:gridCol w="1218565">
-                  <a:extLst>
-                    <a:ext uri="{9D8B030D-6E8A-4147-A177-3AD203B41FA5}">
-                      <a16:colId xmlns:a16="http://schemas.microsoft.com/office/drawing/2014/main" val="20003"/>
-                    </a:ext>
-                  </a:extLst>
-                </a:gridCol>
-                <a:gridCol w="1218565">
-                  <a:extLst>
-                    <a:ext uri="{9D8B030D-6E8A-4147-A177-3AD203B41FA5}">
-                      <a16:colId xmlns:a16="http://schemas.microsoft.com/office/drawing/2014/main" val="20004"/>
-                    </a:ext>
-                  </a:extLst>
-                </a:gridCol>
-                <a:gridCol w="1218565">
-                  <a:extLst>
-                    <a:ext uri="{9D8B030D-6E8A-4147-A177-3AD203B41FA5}">
-                      <a16:colId xmlns:a16="http://schemas.microsoft.com/office/drawing/2014/main" val="20005"/>
-                    </a:ext>
-                  </a:extLst>
-                </a:gridCol>
-                <a:gridCol w="1218565">
-                  <a:extLst>
-                    <a:ext uri="{9D8B030D-6E8A-4147-A177-3AD203B41FA5}">
-                      <a16:colId xmlns:a16="http://schemas.microsoft.com/office/drawing/2014/main" val="20006"/>
-                    </a:ext>
-                  </a:extLst>
-                </a:gridCol>
+                <a:gridCol w="1218565"/>
+                <a:gridCol w="1218565"/>
+                <a:gridCol w="1218565"/>
+                <a:gridCol w="1218565"/>
+                <a:gridCol w="1218565"/>
+                <a:gridCol w="1218565"/>
+                <a:gridCol w="1218565"/>
               </a:tblGrid>
               <a:tr h="365760">
                 <a:tc>
@@ -12314,6 +12156,11 @@
                         </a:rPr>
                         <a:t>1</a:t>
                       </a:r>
+                      <a:endParaRPr lang="en-US" altLang="zh-CN" b="1">
+                        <a:solidFill>
+                          <a:schemeClr val="tx1"/>
+                        </a:solidFill>
+                      </a:endParaRPr>
                     </a:p>
                   </a:txBody>
                   <a:tcPr>
@@ -12362,6 +12209,11 @@
                         </a:rPr>
                         <a:t>1</a:t>
                       </a:r>
+                      <a:endParaRPr lang="en-US" altLang="zh-CN" b="1">
+                        <a:solidFill>
+                          <a:schemeClr val="tx1"/>
+                        </a:solidFill>
+                      </a:endParaRPr>
                     </a:p>
                   </a:txBody>
                   <a:tcPr>
@@ -12410,6 +12262,11 @@
                         </a:rPr>
                         <a:t>1</a:t>
                       </a:r>
+                      <a:endParaRPr lang="en-US" altLang="zh-CN" b="1">
+                        <a:solidFill>
+                          <a:schemeClr val="tx1"/>
+                        </a:solidFill>
+                      </a:endParaRPr>
                     </a:p>
                   </a:txBody>
                   <a:tcPr>
@@ -12458,6 +12315,11 @@
                         </a:rPr>
                         <a:t>2</a:t>
                       </a:r>
+                      <a:endParaRPr lang="en-US" altLang="zh-CN" b="1">
+                        <a:solidFill>
+                          <a:schemeClr val="tx1"/>
+                        </a:solidFill>
+                      </a:endParaRPr>
                     </a:p>
                   </a:txBody>
                   <a:tcPr>
@@ -12504,6 +12366,11 @@
                         </a:rPr>
                         <a:t>3</a:t>
                       </a:r>
+                      <a:endParaRPr lang="en-US" altLang="zh-CN" b="1">
+                        <a:solidFill>
+                          <a:schemeClr val="tx1"/>
+                        </a:solidFill>
+                      </a:endParaRPr>
                     </a:p>
                   </a:txBody>
                   <a:tcPr>
@@ -12552,6 +12419,11 @@
                         </a:rPr>
                         <a:t>3</a:t>
                       </a:r>
+                      <a:endParaRPr lang="en-US" altLang="zh-CN" b="1">
+                        <a:solidFill>
+                          <a:schemeClr val="tx1"/>
+                        </a:solidFill>
+                      </a:endParaRPr>
                     </a:p>
                   </a:txBody>
                   <a:tcPr>
@@ -12598,6 +12470,11 @@
                         </a:rPr>
                         <a:t>4</a:t>
                       </a:r>
+                      <a:endParaRPr lang="en-US" altLang="zh-CN" b="1">
+                        <a:solidFill>
+                          <a:schemeClr val="tx1"/>
+                        </a:solidFill>
+                      </a:endParaRPr>
                     </a:p>
                   </a:txBody>
                   <a:tcPr>
@@ -12628,11 +12505,6 @@
                     <a:noFill/>
                   </a:tcPr>
                 </a:tc>
-                <a:extLst>
-                  <a:ext uri="{0D108BD9-81ED-4DB2-BD59-A6C34878D82A}">
-                    <a16:rowId xmlns:a16="http://schemas.microsoft.com/office/drawing/2014/main" val="10000"/>
-                  </a:ext>
-                </a:extLst>
               </a:tr>
               <a:tr h="381000">
                 <a:tc>
@@ -12696,6 +12568,11 @@
                         </a:rPr>
                         <a:t>2</a:t>
                       </a:r>
+                      <a:endParaRPr lang="en-US" altLang="zh-CN" b="1">
+                        <a:solidFill>
+                          <a:schemeClr val="tx1"/>
+                        </a:solidFill>
+                      </a:endParaRPr>
                     </a:p>
                   </a:txBody>
                   <a:tcPr>
@@ -12744,6 +12621,11 @@
                         </a:rPr>
                         <a:t>2</a:t>
                       </a:r>
+                      <a:endParaRPr lang="en-US" altLang="zh-CN" b="1">
+                        <a:solidFill>
+                          <a:schemeClr val="tx1"/>
+                        </a:solidFill>
+                      </a:endParaRPr>
                     </a:p>
                   </a:txBody>
                   <a:tcPr>
@@ -12792,6 +12674,11 @@
                         </a:rPr>
                         <a:t>3</a:t>
                       </a:r>
+                      <a:endParaRPr lang="en-US" altLang="zh-CN" b="1">
+                        <a:solidFill>
+                          <a:schemeClr val="tx1"/>
+                        </a:solidFill>
+                      </a:endParaRPr>
                     </a:p>
                   </a:txBody>
                   <a:tcPr>
@@ -12838,6 +12725,11 @@
                         </a:rPr>
                         <a:t>1</a:t>
                       </a:r>
+                      <a:endParaRPr lang="en-US" altLang="zh-CN" b="1">
+                        <a:solidFill>
+                          <a:schemeClr val="tx1"/>
+                        </a:solidFill>
+                      </a:endParaRPr>
                     </a:p>
                   </a:txBody>
                   <a:tcPr>
@@ -12886,6 +12778,11 @@
                         </a:rPr>
                         <a:t>4</a:t>
                       </a:r>
+                      <a:endParaRPr lang="en-US" altLang="zh-CN" b="1">
+                        <a:solidFill>
+                          <a:schemeClr val="tx1"/>
+                        </a:solidFill>
+                      </a:endParaRPr>
                     </a:p>
                   </a:txBody>
                   <a:tcPr>
@@ -12932,6 +12829,11 @@
                         </a:rPr>
                         <a:t>1</a:t>
                       </a:r>
+                      <a:endParaRPr lang="en-US" altLang="zh-CN" b="1">
+                        <a:solidFill>
+                          <a:schemeClr val="tx1"/>
+                        </a:solidFill>
+                      </a:endParaRPr>
                     </a:p>
                   </a:txBody>
                   <a:tcPr>
@@ -12962,11 +12864,6 @@
                     <a:noFill/>
                   </a:tcPr>
                 </a:tc>
-                <a:extLst>
-                  <a:ext uri="{0D108BD9-81ED-4DB2-BD59-A6C34878D82A}">
-                    <a16:rowId xmlns:a16="http://schemas.microsoft.com/office/drawing/2014/main" val="10001"/>
-                  </a:ext>
-                </a:extLst>
               </a:tr>
               <a:tr h="381000">
                 <a:tc>
@@ -13075,6 +12972,11 @@
                         </a:rPr>
                         <a:t>3</a:t>
                       </a:r>
+                      <a:endParaRPr lang="en-US" altLang="zh-CN" b="1">
+                        <a:solidFill>
+                          <a:schemeClr val="tx1"/>
+                        </a:solidFill>
+                      </a:endParaRPr>
                     </a:p>
                   </a:txBody>
                   <a:tcPr>
@@ -13123,6 +13025,11 @@
                         </a:rPr>
                         <a:t>1</a:t>
                       </a:r>
+                      <a:endParaRPr lang="en-US" altLang="zh-CN" b="1">
+                        <a:solidFill>
+                          <a:schemeClr val="tx1"/>
+                        </a:solidFill>
+                      </a:endParaRPr>
                     </a:p>
                   </a:txBody>
                   <a:tcPr>
@@ -13169,6 +13076,11 @@
                         </a:rPr>
                         <a:t>4</a:t>
                       </a:r>
+                      <a:endParaRPr lang="en-US" altLang="zh-CN" b="1">
+                        <a:solidFill>
+                          <a:schemeClr val="tx1"/>
+                        </a:solidFill>
+                      </a:endParaRPr>
                     </a:p>
                   </a:txBody>
                   <a:tcPr>
@@ -13217,6 +13129,11 @@
                         </a:rPr>
                         <a:t>1</a:t>
                       </a:r>
+                      <a:endParaRPr lang="en-US" altLang="zh-CN" b="1">
+                        <a:solidFill>
+                          <a:schemeClr val="tx1"/>
+                        </a:solidFill>
+                      </a:endParaRPr>
                     </a:p>
                   </a:txBody>
                   <a:tcPr>
@@ -13263,6 +13180,11 @@
                         </a:rPr>
                         <a:t>3</a:t>
                       </a:r>
+                      <a:endParaRPr lang="en-US" altLang="zh-CN" b="1">
+                        <a:solidFill>
+                          <a:schemeClr val="tx1"/>
+                        </a:solidFill>
+                      </a:endParaRPr>
                     </a:p>
                   </a:txBody>
                   <a:tcPr>
@@ -13293,11 +13215,6 @@
                     <a:noFill/>
                   </a:tcPr>
                 </a:tc>
-                <a:extLst>
-                  <a:ext uri="{0D108BD9-81ED-4DB2-BD59-A6C34878D82A}">
-                    <a16:rowId xmlns:a16="http://schemas.microsoft.com/office/drawing/2014/main" val="10002"/>
-                  </a:ext>
-                </a:extLst>
               </a:tr>
             </a:tbl>
           </a:graphicData>
@@ -13336,6 +13253,10 @@
               </a:rPr>
               <a:t>Page Fault (Missing) Times: 4</a:t>
             </a:r>
+            <a:endParaRPr lang="en-US" altLang="zh-CN">
+              <a:latin typeface="微软雅黑" panose="020B0503020204020204" charset="-122"/>
+              <a:ea typeface="微软雅黑" panose="020B0503020204020204" charset="-122"/>
+            </a:endParaRPr>
           </a:p>
         </p:txBody>
       </p:sp>
@@ -13422,6 +13343,7 @@
               <a:rPr lang="en-US" altLang="zh-CN" sz="2400" dirty="0"/>
               <a:t>How to implement FIFO and LRU?</a:t>
             </a:r>
+            <a:endParaRPr lang="en-US" altLang="zh-CN" sz="2400" dirty="0"/>
           </a:p>
           <a:p>
             <a:pPr marL="457200" lvl="1" indent="0">
@@ -13431,6 +13353,7 @@
               <a:rPr lang="en-US" altLang="zh-CN" dirty="0"/>
               <a:t>Three cases to be considered</a:t>
             </a:r>
+            <a:endParaRPr lang="en-US" altLang="zh-CN" dirty="0"/>
           </a:p>
           <a:p>
             <a:pPr lvl="1"/>
@@ -13438,6 +13361,7 @@
               <a:rPr lang="en-US" altLang="zh-CN" dirty="0"/>
               <a:t>If the visited page hits, then?</a:t>
             </a:r>
+            <a:endParaRPr lang="en-US" altLang="zh-CN" dirty="0"/>
           </a:p>
           <a:p>
             <a:pPr lvl="1"/>
@@ -13445,6 +13369,7 @@
               <a:rPr lang="en-US" altLang="zh-CN" dirty="0"/>
               <a:t>If the cache is not full, then?</a:t>
             </a:r>
+            <a:endParaRPr lang="en-US" altLang="zh-CN" dirty="0"/>
           </a:p>
           <a:p>
             <a:pPr lvl="1"/>
@@ -13452,12 +13377,14 @@
               <a:rPr lang="en-US" altLang="zh-CN" dirty="0"/>
               <a:t>If the cache is full, then?</a:t>
             </a:r>
+            <a:endParaRPr lang="en-US" altLang="zh-CN" dirty="0"/>
           </a:p>
           <a:p>
             <a:r>
               <a:rPr lang="en-US" altLang="zh-CN" sz="2400" dirty="0"/>
               <a:t>Data structure used for implementation of LRU</a:t>
             </a:r>
+            <a:endParaRPr lang="en-US" altLang="zh-CN" sz="2400" dirty="0"/>
           </a:p>
           <a:p>
             <a:pPr marL="0" indent="0">
@@ -13467,6 +13394,7 @@
               <a:rPr lang="en-US" altLang="zh-CN" sz="2400" dirty="0"/>
               <a:t>   FIFO: queue structure</a:t>
             </a:r>
+            <a:endParaRPr lang="en-US" altLang="zh-CN" sz="2400" dirty="0"/>
           </a:p>
           <a:p>
             <a:pPr marL="0" indent="0">
@@ -13476,6 +13404,7 @@
               <a:rPr lang="en-US" altLang="zh-CN" sz="2400" dirty="0"/>
               <a:t>   LRU:</a:t>
             </a:r>
+            <a:endParaRPr lang="en-US" altLang="zh-CN" sz="2400" dirty="0"/>
           </a:p>
           <a:p>
             <a:pPr lvl="1"/>
@@ -13483,6 +13412,7 @@
               <a:rPr lang="en-US" altLang="zh-CN" dirty="0"/>
               <a:t>Use array to mark the recency of the page in cache</a:t>
             </a:r>
+            <a:endParaRPr lang="en-US" altLang="zh-CN" dirty="0"/>
           </a:p>
           <a:p>
             <a:pPr lvl="2"/>
@@ -13498,6 +13428,7 @@
               <a:rPr lang="en-US" altLang="zh-CN" sz="2400" b="1" dirty="0"/>
               <a:t>.</a:t>
             </a:r>
+            <a:endParaRPr lang="en-US" altLang="zh-CN" sz="2400" b="1" dirty="0"/>
           </a:p>
           <a:p>
             <a:pPr lvl="1"/>
@@ -13513,6 +13444,7 @@
               <a:rPr lang="en-US" altLang="zh-CN" b="1" dirty="0"/>
               <a:t> page at the head or tail of the linked list  </a:t>
             </a:r>
+            <a:endParaRPr lang="en-US" altLang="zh-CN" b="1" dirty="0"/>
           </a:p>
           <a:p>
             <a:pPr lvl="1"/>
@@ -13520,6 +13452,7 @@
               <a:rPr lang="en-US" altLang="zh-CN" dirty="0"/>
               <a:t>Use linked list and the hash map (improve the timing complexity of finding the existence of page in cache)</a:t>
             </a:r>
+            <a:endParaRPr lang="en-US" altLang="zh-CN" dirty="0"/>
           </a:p>
           <a:p>
             <a:pPr marL="457200" lvl="1" indent="0">
@@ -13538,70 +13471,70 @@
 </file>
 
 <file path=ppt/tags/tag1.xml><?xml version="1.0" encoding="utf-8"?>
-<p:tagLst xmlns:a="http://schemas.openxmlformats.org/drawingml/2006/main" xmlns:r="http://schemas.openxmlformats.org/officeDocument/2006/relationships" xmlns:p="http://schemas.openxmlformats.org/presentationml/2006/main">
+<p:tagLst xmlns:p="http://schemas.openxmlformats.org/presentationml/2006/main">
+  <p:tag name="KSO_WM_BEAUTIFY_FLAG" val=""/>
+  <p:tag name="KSO_WM_UNIT_PLACING_PICTURE_USER_VIEWPORT" val="{&quot;height&quot;:8088,&quot;width&quot;:17232}"/>
+</p:tagLst>
+</file>
+
+<file path=ppt/tags/tag10.xml><?xml version="1.0" encoding="utf-8"?>
+<p:tagLst xmlns:p="http://schemas.openxmlformats.org/presentationml/2006/main">
+  <p:tag name="KSO_WM_BEAUTIFY_FLAG" val=""/>
+</p:tagLst>
+</file>
+
+<file path=ppt/tags/tag11.xml><?xml version="1.0" encoding="utf-8"?>
+<p:tagLst xmlns:p="http://schemas.openxmlformats.org/presentationml/2006/main">
   <p:tag name="KSO_WPP_MARK_KEY" val="502f532e-55ad-42c1-bdad-99b032ff04f5"/>
   <p:tag name="COMMONDATA" val="eyJoZGlkIjoiNWI5Y2JmYmI4ODU3ZjcwNmJlY2M3MzA5OGRhZjViM2QifQ=="/>
 </p:tagLst>
 </file>
 
-<file path=ppt/tags/tag10.xml><?xml version="1.0" encoding="utf-8"?>
-<p:tagLst xmlns:a="http://schemas.openxmlformats.org/drawingml/2006/main" xmlns:r="http://schemas.openxmlformats.org/officeDocument/2006/relationships" xmlns:p="http://schemas.openxmlformats.org/presentationml/2006/main">
-  <p:tag name="KSO_WM_UNIT_TABLE_BEAUTIFY" val="smartTable{984a0859-1a2d-49f3-93a0-de85d86d6103}"/>
+<file path=ppt/tags/tag2.xml><?xml version="1.0" encoding="utf-8"?>
+<p:tagLst xmlns:p="http://schemas.openxmlformats.org/presentationml/2006/main">
   <p:tag name="KSO_WM_BEAUTIFY_FLAG" val=""/>
 </p:tagLst>
 </file>
 
-<file path=ppt/tags/tag11.xml><?xml version="1.0" encoding="utf-8"?>
-<p:tagLst xmlns:a="http://schemas.openxmlformats.org/drawingml/2006/main" xmlns:r="http://schemas.openxmlformats.org/officeDocument/2006/relationships" xmlns:p="http://schemas.openxmlformats.org/presentationml/2006/main">
-  <p:tag name="KSO_WM_BEAUTIFY_FLAG" val=""/>
-</p:tagLst>
-</file>
-
-<file path=ppt/tags/tag2.xml><?xml version="1.0" encoding="utf-8"?>
-<p:tagLst xmlns:a="http://schemas.openxmlformats.org/drawingml/2006/main" xmlns:r="http://schemas.openxmlformats.org/officeDocument/2006/relationships" xmlns:p="http://schemas.openxmlformats.org/presentationml/2006/main">
-  <p:tag name="KSO_WM_BEAUTIFY_FLAG" val=""/>
-  <p:tag name="KSO_WM_UNIT_PLACING_PICTURE_USER_VIEWPORT" val="{&quot;height&quot;:8088,&quot;width&quot;:17232}"/>
-</p:tagLst>
-</file>
-
 <file path=ppt/tags/tag3.xml><?xml version="1.0" encoding="utf-8"?>
-<p:tagLst xmlns:a="http://schemas.openxmlformats.org/drawingml/2006/main" xmlns:r="http://schemas.openxmlformats.org/officeDocument/2006/relationships" xmlns:p="http://schemas.openxmlformats.org/presentationml/2006/main">
+<p:tagLst xmlns:p="http://schemas.openxmlformats.org/presentationml/2006/main">
   <p:tag name="KSO_WM_BEAUTIFY_FLAG" val=""/>
 </p:tagLst>
 </file>
 
 <file path=ppt/tags/tag4.xml><?xml version="1.0" encoding="utf-8"?>
-<p:tagLst xmlns:a="http://schemas.openxmlformats.org/drawingml/2006/main" xmlns:r="http://schemas.openxmlformats.org/officeDocument/2006/relationships" xmlns:p="http://schemas.openxmlformats.org/presentationml/2006/main">
+<p:tagLst xmlns:p="http://schemas.openxmlformats.org/presentationml/2006/main">
   <p:tag name="KSO_WM_BEAUTIFY_FLAG" val=""/>
 </p:tagLst>
 </file>
 
 <file path=ppt/tags/tag5.xml><?xml version="1.0" encoding="utf-8"?>
-<p:tagLst xmlns:a="http://schemas.openxmlformats.org/drawingml/2006/main" xmlns:r="http://schemas.openxmlformats.org/officeDocument/2006/relationships" xmlns:p="http://schemas.openxmlformats.org/presentationml/2006/main">
+<p:tagLst xmlns:p="http://schemas.openxmlformats.org/presentationml/2006/main">
   <p:tag name="KSO_WM_BEAUTIFY_FLAG" val=""/>
 </p:tagLst>
 </file>
 
 <file path=ppt/tags/tag6.xml><?xml version="1.0" encoding="utf-8"?>
-<p:tagLst xmlns:a="http://schemas.openxmlformats.org/drawingml/2006/main" xmlns:r="http://schemas.openxmlformats.org/officeDocument/2006/relationships" xmlns:p="http://schemas.openxmlformats.org/presentationml/2006/main">
+<p:tagLst xmlns:p="http://schemas.openxmlformats.org/presentationml/2006/main">
   <p:tag name="KSO_WM_BEAUTIFY_FLAG" val=""/>
 </p:tagLst>
 </file>
 
 <file path=ppt/tags/tag7.xml><?xml version="1.0" encoding="utf-8"?>
-<p:tagLst xmlns:a="http://schemas.openxmlformats.org/drawingml/2006/main" xmlns:r="http://schemas.openxmlformats.org/officeDocument/2006/relationships" xmlns:p="http://schemas.openxmlformats.org/presentationml/2006/main">
+<p:tagLst xmlns:p="http://schemas.openxmlformats.org/presentationml/2006/main">
+  <p:tag name="KSO_WM_UNIT_TABLE_BEAUTIFY" val="smartTable{060c6029-20ba-49d1-a05e-58a5e6264843}"/>
+</p:tagLst>
+</file>
+
+<file path=ppt/tags/tag8.xml><?xml version="1.0" encoding="utf-8"?>
+<p:tagLst xmlns:p="http://schemas.openxmlformats.org/presentationml/2006/main">
   <p:tag name="KSO_WM_BEAUTIFY_FLAG" val=""/>
 </p:tagLst>
 </file>
 
-<file path=ppt/tags/tag8.xml><?xml version="1.0" encoding="utf-8"?>
-<p:tagLst xmlns:a="http://schemas.openxmlformats.org/drawingml/2006/main" xmlns:r="http://schemas.openxmlformats.org/officeDocument/2006/relationships" xmlns:p="http://schemas.openxmlformats.org/presentationml/2006/main">
-  <p:tag name="KSO_WM_UNIT_TABLE_BEAUTIFY" val="smartTable{060c6029-20ba-49d1-a05e-58a5e6264843}"/>
-</p:tagLst>
-</file>
-
 <file path=ppt/tags/tag9.xml><?xml version="1.0" encoding="utf-8"?>
-<p:tagLst xmlns:a="http://schemas.openxmlformats.org/drawingml/2006/main" xmlns:r="http://schemas.openxmlformats.org/officeDocument/2006/relationships" xmlns:p="http://schemas.openxmlformats.org/presentationml/2006/main">
+<p:tagLst xmlns:p="http://schemas.openxmlformats.org/presentationml/2006/main">
+  <p:tag name="KSO_WM_UNIT_TABLE_BEAUTIFY" val="smartTable{984a0859-1a2d-49f3-93a0-de85d86d6103}"/>
   <p:tag name="KSO_WM_BEAUTIFY_FLAG" val=""/>
 </p:tagLst>
 </file>
@@ -13857,8 +13790,6 @@
       </a:bgFillStyleLst>
     </a:fmtScheme>
   </a:themeElements>
-  <a:objectDefaults/>
-  <a:extraClrSchemeLst/>
   <a:extLst>
     <a:ext uri="{05A4C25C-085E-4340-85A3-A5531E510DB2}">
       <thm15:themeFamily xmlns:thm15="http://schemas.microsoft.com/office/thememl/2012/main" name="Office Theme" id="{62F939B6-93AF-4DB8-9C6B-D6C7DFDC589F}" vid="{4A3C46E8-61CC-4603-A589-7422A47A8E4A}"/>
@@ -14118,8 +14049,6 @@
       </a:bgFillStyleLst>
     </a:fmtScheme>
   </a:themeElements>
-  <a:objectDefaults/>
-  <a:extraClrSchemeLst/>
   <a:extLst>
     <a:ext uri="{05A4C25C-085E-4340-85A3-A5531E510DB2}">
       <thm15:themeFamily xmlns:thm15="http://schemas.microsoft.com/office/thememl/2012/main" name="Office Theme" id="{62F939B6-93AF-4DB8-9C6B-D6C7DFDC589F}" vid="{4A3C46E8-61CC-4603-A589-7422A47A8E4A}"/>
@@ -14171,7 +14100,7 @@
     </a:clrScheme>
     <a:fontScheme name="Office">
       <a:majorFont>
-        <a:latin typeface="等线 Light" panose="020F0302020204030204"/>
+        <a:latin typeface="等线 Light"/>
         <a:ea typeface=""/>
         <a:cs typeface=""/>
         <a:font script="Jpan" typeface="游ゴシック Light"/>
@@ -14204,26 +14133,9 @@
         <a:font script="Viet" typeface="Times New Roman"/>
         <a:font script="Uigh" typeface="Microsoft Uighur"/>
         <a:font script="Geor" typeface="Sylfaen"/>
-        <a:font script="Armn" typeface="Arial"/>
-        <a:font script="Bugi" typeface="Leelawadee UI"/>
-        <a:font script="Bopo" typeface="Microsoft JhengHei"/>
-        <a:font script="Java" typeface="Javanese Text"/>
-        <a:font script="Lisu" typeface="Segoe UI"/>
-        <a:font script="Mymr" typeface="Myanmar Text"/>
-        <a:font script="Nkoo" typeface="Ebrima"/>
-        <a:font script="Olck" typeface="Nirmala UI"/>
-        <a:font script="Osma" typeface="Ebrima"/>
-        <a:font script="Phag" typeface="Phagspa"/>
-        <a:font script="Syrn" typeface="Estrangelo Edessa"/>
-        <a:font script="Syrj" typeface="Estrangelo Edessa"/>
-        <a:font script="Syre" typeface="Estrangelo Edessa"/>
-        <a:font script="Sora" typeface="Nirmala UI"/>
-        <a:font script="Tale" typeface="Microsoft Tai Le"/>
-        <a:font script="Talu" typeface="Microsoft New Tai Lue"/>
-        <a:font script="Tfng" typeface="Ebrima"/>
       </a:majorFont>
       <a:minorFont>
-        <a:latin typeface="等线" panose="020F0502020204030204"/>
+        <a:latin typeface="等线"/>
         <a:ea typeface=""/>
         <a:cs typeface=""/>
         <a:font script="Jpan" typeface="游ゴシック"/>
@@ -14256,23 +14168,6 @@
         <a:font script="Viet" typeface="Arial"/>
         <a:font script="Uigh" typeface="Microsoft Uighur"/>
         <a:font script="Geor" typeface="Sylfaen"/>
-        <a:font script="Armn" typeface="Arial"/>
-        <a:font script="Bugi" typeface="Leelawadee UI"/>
-        <a:font script="Bopo" typeface="Microsoft JhengHei"/>
-        <a:font script="Java" typeface="Javanese Text"/>
-        <a:font script="Lisu" typeface="Segoe UI"/>
-        <a:font script="Mymr" typeface="Myanmar Text"/>
-        <a:font script="Nkoo" typeface="Ebrima"/>
-        <a:font script="Olck" typeface="Nirmala UI"/>
-        <a:font script="Osma" typeface="Ebrima"/>
-        <a:font script="Phag" typeface="Phagspa"/>
-        <a:font script="Syrn" typeface="Estrangelo Edessa"/>
-        <a:font script="Syrj" typeface="Estrangelo Edessa"/>
-        <a:font script="Syre" typeface="Estrangelo Edessa"/>
-        <a:font script="Sora" typeface="Nirmala UI"/>
-        <a:font script="Tale" typeface="Microsoft Tai Le"/>
-        <a:font script="Talu" typeface="Microsoft New Tai Lue"/>
-        <a:font script="Tfng" typeface="Ebrima"/>
       </a:minorFont>
     </a:fontScheme>
     <a:fmtScheme name="Office">
@@ -14413,8 +14308,6 @@
       </a:bgFillStyleLst>
     </a:fmtScheme>
   </a:themeElements>
-  <a:objectDefaults/>
-  <a:extraClrSchemeLst/>
   <a:extLst>
     <a:ext uri="{05A4C25C-085E-4340-85A3-A5531E510DB2}">
       <thm15:themeFamily xmlns:thm15="http://schemas.microsoft.com/office/thememl/2012/main" name="Office Theme" id="{62F939B6-93AF-4DB8-9C6B-D6C7DFDC589F}" vid="{4A3C46E8-61CC-4603-A589-7422A47A8E4A}"/>

--- a/tutorial/T09/Tutorial9.pptx
+++ b/tutorial/T09/Tutorial9.pptx
@@ -3,37 +3,37 @@
 <p:presentation xmlns:a="http://schemas.openxmlformats.org/drawingml/2006/main" xmlns:r="http://schemas.openxmlformats.org/officeDocument/2006/relationships" xmlns:p="http://schemas.openxmlformats.org/presentationml/2006/main">
   <p:sldMasterIdLst>
     <p:sldMasterId id="2147483648" r:id="rId1"/>
-    <p:sldMasterId id="2147483660" r:id="rId3"/>
+    <p:sldMasterId id="2147483660" r:id="rId2"/>
   </p:sldMasterIdLst>
   <p:notesMasterIdLst>
-    <p:notesMasterId r:id="rId13"/>
+    <p:notesMasterId r:id="rId23"/>
   </p:notesMasterIdLst>
   <p:sldIdLst>
-    <p:sldId id="256" r:id="rId4"/>
-    <p:sldId id="257" r:id="rId5"/>
-    <p:sldId id="258" r:id="rId6"/>
-    <p:sldId id="259" r:id="rId7"/>
-    <p:sldId id="260" r:id="rId8"/>
-    <p:sldId id="261" r:id="rId9"/>
-    <p:sldId id="262" r:id="rId10"/>
-    <p:sldId id="263" r:id="rId11"/>
-    <p:sldId id="264" r:id="rId12"/>
-    <p:sldId id="265" r:id="rId14"/>
-    <p:sldId id="271" r:id="rId15"/>
-    <p:sldId id="272" r:id="rId16"/>
-    <p:sldId id="273" r:id="rId17"/>
-    <p:sldId id="275" r:id="rId18"/>
-    <p:sldId id="274" r:id="rId19"/>
-    <p:sldId id="267" r:id="rId20"/>
-    <p:sldId id="268" r:id="rId21"/>
-    <p:sldId id="269" r:id="rId22"/>
-    <p:sldId id="270" r:id="rId23"/>
-    <p:sldId id="276" r:id="rId24"/>
+    <p:sldId id="256" r:id="rId3"/>
+    <p:sldId id="257" r:id="rId4"/>
+    <p:sldId id="258" r:id="rId5"/>
+    <p:sldId id="259" r:id="rId6"/>
+    <p:sldId id="260" r:id="rId7"/>
+    <p:sldId id="261" r:id="rId8"/>
+    <p:sldId id="262" r:id="rId9"/>
+    <p:sldId id="263" r:id="rId10"/>
+    <p:sldId id="264" r:id="rId11"/>
+    <p:sldId id="265" r:id="rId12"/>
+    <p:sldId id="271" r:id="rId13"/>
+    <p:sldId id="272" r:id="rId14"/>
+    <p:sldId id="273" r:id="rId15"/>
+    <p:sldId id="275" r:id="rId16"/>
+    <p:sldId id="274" r:id="rId17"/>
+    <p:sldId id="267" r:id="rId18"/>
+    <p:sldId id="268" r:id="rId19"/>
+    <p:sldId id="269" r:id="rId20"/>
+    <p:sldId id="270" r:id="rId21"/>
+    <p:sldId id="276" r:id="rId22"/>
   </p:sldIdLst>
   <p:sldSz cx="12192000" cy="6858000"/>
   <p:notesSz cx="6858000" cy="9144000"/>
   <p:custDataLst>
-    <p:tags r:id="rId28"/>
+    <p:tags r:id="rId24"/>
   </p:custDataLst>
   <p:defaultTextStyle>
     <a:defPPr>
@@ -130,6 +130,11 @@
       </a:defRPr>
     </a:lvl9pPr>
   </p:defaultTextStyle>
+  <p:extLst>
+    <p:ext uri="{EFAFB233-063F-42B5-8137-9DF3F51BA10A}">
+      <p15:sldGuideLst xmlns:p15="http://schemas.microsoft.com/office/powerpoint/2012/main"/>
+    </p:ext>
+  </p:extLst>
 </p:presentation>
 </file>
 
@@ -215,6 +220,7 @@
           <a:p>
             <a:fld id="{C8179AED-ECC2-4C91-8802-0EE7FB193B20}" type="datetimeFigureOut">
               <a:rPr lang="zh-CN" altLang="en-US" smtClean="0"/>
+              <a:t>2023/3/31</a:t>
             </a:fld>
             <a:endParaRPr lang="zh-CN" altLang="en-US"/>
           </a:p>
@@ -281,7 +287,6 @@
               <a:rPr lang="en-US" altLang="zh-CN"/>
               <a:t>Edit Master text styles</a:t>
             </a:r>
-            <a:endParaRPr lang="en-US" altLang="zh-CN"/>
           </a:p>
           <a:p>
             <a:pPr lvl="1"/>
@@ -289,7 +294,6 @@
               <a:rPr lang="en-US" altLang="zh-CN"/>
               <a:t>Second level</a:t>
             </a:r>
-            <a:endParaRPr lang="en-US" altLang="zh-CN"/>
           </a:p>
           <a:p>
             <a:pPr lvl="2"/>
@@ -297,7 +301,6 @@
               <a:rPr lang="en-US" altLang="zh-CN"/>
               <a:t>Third level</a:t>
             </a:r>
-            <a:endParaRPr lang="en-US" altLang="zh-CN"/>
           </a:p>
           <a:p>
             <a:pPr lvl="3"/>
@@ -305,7 +308,6 @@
               <a:rPr lang="en-US" altLang="zh-CN"/>
               <a:t>Fourth level</a:t>
             </a:r>
-            <a:endParaRPr lang="en-US" altLang="zh-CN"/>
           </a:p>
           <a:p>
             <a:pPr lvl="4"/>
@@ -377,6 +379,7 @@
           <a:p>
             <a:fld id="{3DF2B010-1AEA-4471-8F2C-23691641F493}" type="slidenum">
               <a:rPr lang="zh-CN" altLang="en-US" smtClean="0"/>
+              <a:t>‹#›</a:t>
             </a:fld>
             <a:endParaRPr lang="zh-CN" altLang="en-US"/>
           </a:p>
@@ -545,6 +548,7 @@
           <a:p>
             <a:fld id="{3DF2B010-1AEA-4471-8F2C-23691641F493}" type="slidenum">
               <a:rPr lang="zh-CN" altLang="en-US" smtClean="0"/>
+              <a:t>9</a:t>
             </a:fld>
             <a:endParaRPr lang="zh-CN" altLang="en-US"/>
           </a:p>
@@ -623,6 +627,7 @@
           <a:p>
             <a:fld id="{3DF2B010-1AEA-4471-8F2C-23691641F493}" type="slidenum">
               <a:rPr lang="zh-CN" altLang="en-US" smtClean="0"/>
+              <a:t>16</a:t>
             </a:fld>
             <a:endParaRPr lang="zh-CN" altLang="en-US"/>
           </a:p>
@@ -701,6 +706,7 @@
           <a:p>
             <a:fld id="{3DF2B010-1AEA-4471-8F2C-23691641F493}" type="slidenum">
               <a:rPr lang="zh-CN" altLang="en-US" smtClean="0"/>
+              <a:t>17</a:t>
             </a:fld>
             <a:endParaRPr lang="zh-CN" altLang="en-US"/>
           </a:p>
@@ -845,6 +851,7 @@
           <a:p>
             <a:fld id="{A9F02FE8-3415-4A08-9C6C-93DDC515E45D}" type="datetimeFigureOut">
               <a:rPr lang="zh-CN" altLang="en-US" smtClean="0"/>
+              <a:t>2023/3/31</a:t>
             </a:fld>
             <a:endParaRPr lang="zh-CN" altLang="en-US"/>
           </a:p>
@@ -886,6 +893,7 @@
           <a:p>
             <a:fld id="{57842DCC-5249-4D2B-A703-C5A7D3861ADB}" type="slidenum">
               <a:rPr lang="zh-CN" altLang="en-US" smtClean="0"/>
+              <a:t>‹#›</a:t>
             </a:fld>
             <a:endParaRPr lang="zh-CN" altLang="en-US"/>
           </a:p>
@@ -959,7 +967,6 @@
               <a:rPr lang="en-US" altLang="zh-CN"/>
               <a:t>Edit Master text styles</a:t>
             </a:r>
-            <a:endParaRPr lang="en-US" altLang="zh-CN"/>
           </a:p>
           <a:p>
             <a:pPr lvl="1"/>
@@ -967,7 +974,6 @@
               <a:rPr lang="en-US" altLang="zh-CN"/>
               <a:t>Second level</a:t>
             </a:r>
-            <a:endParaRPr lang="en-US" altLang="zh-CN"/>
           </a:p>
           <a:p>
             <a:pPr lvl="2"/>
@@ -975,7 +981,6 @@
               <a:rPr lang="en-US" altLang="zh-CN"/>
               <a:t>Third level</a:t>
             </a:r>
-            <a:endParaRPr lang="en-US" altLang="zh-CN"/>
           </a:p>
           <a:p>
             <a:pPr lvl="3"/>
@@ -983,7 +988,6 @@
               <a:rPr lang="en-US" altLang="zh-CN"/>
               <a:t>Fourth level</a:t>
             </a:r>
-            <a:endParaRPr lang="en-US" altLang="zh-CN"/>
           </a:p>
           <a:p>
             <a:pPr lvl="4"/>
@@ -1012,6 +1016,7 @@
           <a:p>
             <a:fld id="{A9F02FE8-3415-4A08-9C6C-93DDC515E45D}" type="datetimeFigureOut">
               <a:rPr lang="zh-CN" altLang="en-US" smtClean="0"/>
+              <a:t>2023/3/31</a:t>
             </a:fld>
             <a:endParaRPr lang="zh-CN" altLang="en-US"/>
           </a:p>
@@ -1053,6 +1058,7 @@
           <a:p>
             <a:fld id="{57842DCC-5249-4D2B-A703-C5A7D3861ADB}" type="slidenum">
               <a:rPr lang="zh-CN" altLang="en-US" smtClean="0"/>
+              <a:t>‹#›</a:t>
             </a:fld>
             <a:endParaRPr lang="zh-CN" altLang="en-US"/>
           </a:p>
@@ -1136,7 +1142,6 @@
               <a:rPr lang="en-US" altLang="zh-CN"/>
               <a:t>Edit Master text styles</a:t>
             </a:r>
-            <a:endParaRPr lang="en-US" altLang="zh-CN"/>
           </a:p>
           <a:p>
             <a:pPr lvl="1"/>
@@ -1144,7 +1149,6 @@
               <a:rPr lang="en-US" altLang="zh-CN"/>
               <a:t>Second level</a:t>
             </a:r>
-            <a:endParaRPr lang="en-US" altLang="zh-CN"/>
           </a:p>
           <a:p>
             <a:pPr lvl="2"/>
@@ -1152,7 +1156,6 @@
               <a:rPr lang="en-US" altLang="zh-CN"/>
               <a:t>Third level</a:t>
             </a:r>
-            <a:endParaRPr lang="en-US" altLang="zh-CN"/>
           </a:p>
           <a:p>
             <a:pPr lvl="3"/>
@@ -1160,7 +1163,6 @@
               <a:rPr lang="en-US" altLang="zh-CN"/>
               <a:t>Fourth level</a:t>
             </a:r>
-            <a:endParaRPr lang="en-US" altLang="zh-CN"/>
           </a:p>
           <a:p>
             <a:pPr lvl="4"/>
@@ -1189,6 +1191,7 @@
           <a:p>
             <a:fld id="{A9F02FE8-3415-4A08-9C6C-93DDC515E45D}" type="datetimeFigureOut">
               <a:rPr lang="zh-CN" altLang="en-US" smtClean="0"/>
+              <a:t>2023/3/31</a:t>
             </a:fld>
             <a:endParaRPr lang="zh-CN" altLang="en-US"/>
           </a:p>
@@ -1230,6 +1233,7 @@
           <a:p>
             <a:fld id="{57842DCC-5249-4D2B-A703-C5A7D3861ADB}" type="slidenum">
               <a:rPr lang="zh-CN" altLang="en-US" smtClean="0"/>
+              <a:t>‹#›</a:t>
             </a:fld>
             <a:endParaRPr lang="zh-CN" altLang="en-US"/>
           </a:p>
@@ -1374,6 +1378,7 @@
           <a:p>
             <a:fld id="{A9F02FE8-3415-4A08-9C6C-93DDC515E45D}" type="datetimeFigureOut">
               <a:rPr lang="zh-CN" altLang="en-US" smtClean="0"/>
+              <a:t>2023/3/31</a:t>
             </a:fld>
             <a:endParaRPr lang="zh-CN" altLang="en-US"/>
           </a:p>
@@ -1415,6 +1420,7 @@
           <a:p>
             <a:fld id="{57842DCC-5249-4D2B-A703-C5A7D3861ADB}" type="slidenum">
               <a:rPr lang="zh-CN" altLang="en-US" smtClean="0"/>
+              <a:t>‹#›</a:t>
             </a:fld>
             <a:endParaRPr lang="zh-CN" altLang="en-US"/>
           </a:p>
@@ -1488,7 +1494,6 @@
               <a:rPr lang="en-US" altLang="zh-CN"/>
               <a:t>Edit Master text styles</a:t>
             </a:r>
-            <a:endParaRPr lang="en-US" altLang="zh-CN"/>
           </a:p>
           <a:p>
             <a:pPr lvl="1"/>
@@ -1496,7 +1501,6 @@
               <a:rPr lang="en-US" altLang="zh-CN"/>
               <a:t>Second level</a:t>
             </a:r>
-            <a:endParaRPr lang="en-US" altLang="zh-CN"/>
           </a:p>
           <a:p>
             <a:pPr lvl="2"/>
@@ -1504,7 +1508,6 @@
               <a:rPr lang="en-US" altLang="zh-CN"/>
               <a:t>Third level</a:t>
             </a:r>
-            <a:endParaRPr lang="en-US" altLang="zh-CN"/>
           </a:p>
           <a:p>
             <a:pPr lvl="3"/>
@@ -1512,7 +1515,6 @@
               <a:rPr lang="en-US" altLang="zh-CN"/>
               <a:t>Fourth level</a:t>
             </a:r>
-            <a:endParaRPr lang="en-US" altLang="zh-CN"/>
           </a:p>
           <a:p>
             <a:pPr lvl="4"/>
@@ -1541,6 +1543,7 @@
           <a:p>
             <a:fld id="{A9F02FE8-3415-4A08-9C6C-93DDC515E45D}" type="datetimeFigureOut">
               <a:rPr lang="zh-CN" altLang="en-US" smtClean="0"/>
+              <a:t>2023/3/31</a:t>
             </a:fld>
             <a:endParaRPr lang="zh-CN" altLang="en-US"/>
           </a:p>
@@ -1582,6 +1585,7 @@
           <a:p>
             <a:fld id="{57842DCC-5249-4D2B-A703-C5A7D3861ADB}" type="slidenum">
               <a:rPr lang="zh-CN" altLang="en-US" smtClean="0"/>
+              <a:t>‹#›</a:t>
             </a:fld>
             <a:endParaRPr lang="zh-CN" altLang="en-US"/>
           </a:p>
@@ -1760,7 +1764,6 @@
               <a:rPr lang="en-US" altLang="zh-CN"/>
               <a:t>Edit Master text styles</a:t>
             </a:r>
-            <a:endParaRPr lang="en-US" altLang="zh-CN"/>
           </a:p>
         </p:txBody>
       </p:sp>
@@ -1781,6 +1784,7 @@
           <a:p>
             <a:fld id="{A9F02FE8-3415-4A08-9C6C-93DDC515E45D}" type="datetimeFigureOut">
               <a:rPr lang="zh-CN" altLang="en-US" smtClean="0"/>
+              <a:t>2023/3/31</a:t>
             </a:fld>
             <a:endParaRPr lang="zh-CN" altLang="en-US"/>
           </a:p>
@@ -1822,6 +1826,7 @@
           <a:p>
             <a:fld id="{57842DCC-5249-4D2B-A703-C5A7D3861ADB}" type="slidenum">
               <a:rPr lang="zh-CN" altLang="en-US" smtClean="0"/>
+              <a:t>‹#›</a:t>
             </a:fld>
             <a:endParaRPr lang="zh-CN" altLang="en-US"/>
           </a:p>
@@ -1900,7 +1905,6 @@
               <a:rPr lang="en-US" altLang="zh-CN"/>
               <a:t>Edit Master text styles</a:t>
             </a:r>
-            <a:endParaRPr lang="en-US" altLang="zh-CN"/>
           </a:p>
           <a:p>
             <a:pPr lvl="1"/>
@@ -1908,7 +1912,6 @@
               <a:rPr lang="en-US" altLang="zh-CN"/>
               <a:t>Second level</a:t>
             </a:r>
-            <a:endParaRPr lang="en-US" altLang="zh-CN"/>
           </a:p>
           <a:p>
             <a:pPr lvl="2"/>
@@ -1916,7 +1919,6 @@
               <a:rPr lang="en-US" altLang="zh-CN"/>
               <a:t>Third level</a:t>
             </a:r>
-            <a:endParaRPr lang="en-US" altLang="zh-CN"/>
           </a:p>
           <a:p>
             <a:pPr lvl="3"/>
@@ -1924,7 +1926,6 @@
               <a:rPr lang="en-US" altLang="zh-CN"/>
               <a:t>Fourth level</a:t>
             </a:r>
-            <a:endParaRPr lang="en-US" altLang="zh-CN"/>
           </a:p>
           <a:p>
             <a:pPr lvl="4"/>
@@ -1961,7 +1962,6 @@
               <a:rPr lang="en-US" altLang="zh-CN"/>
               <a:t>Edit Master text styles</a:t>
             </a:r>
-            <a:endParaRPr lang="en-US" altLang="zh-CN"/>
           </a:p>
           <a:p>
             <a:pPr lvl="1"/>
@@ -1969,7 +1969,6 @@
               <a:rPr lang="en-US" altLang="zh-CN"/>
               <a:t>Second level</a:t>
             </a:r>
-            <a:endParaRPr lang="en-US" altLang="zh-CN"/>
           </a:p>
           <a:p>
             <a:pPr lvl="2"/>
@@ -1977,7 +1976,6 @@
               <a:rPr lang="en-US" altLang="zh-CN"/>
               <a:t>Third level</a:t>
             </a:r>
-            <a:endParaRPr lang="en-US" altLang="zh-CN"/>
           </a:p>
           <a:p>
             <a:pPr lvl="3"/>
@@ -1985,7 +1983,6 @@
               <a:rPr lang="en-US" altLang="zh-CN"/>
               <a:t>Fourth level</a:t>
             </a:r>
-            <a:endParaRPr lang="en-US" altLang="zh-CN"/>
           </a:p>
           <a:p>
             <a:pPr lvl="4"/>
@@ -2014,6 +2011,7 @@
           <a:p>
             <a:fld id="{A9F02FE8-3415-4A08-9C6C-93DDC515E45D}" type="datetimeFigureOut">
               <a:rPr lang="zh-CN" altLang="en-US" smtClean="0"/>
+              <a:t>2023/3/31</a:t>
             </a:fld>
             <a:endParaRPr lang="zh-CN" altLang="en-US"/>
           </a:p>
@@ -2055,6 +2053,7 @@
           <a:p>
             <a:fld id="{57842DCC-5249-4D2B-A703-C5A7D3861ADB}" type="slidenum">
               <a:rPr lang="zh-CN" altLang="en-US" smtClean="0"/>
+              <a:t>‹#›</a:t>
             </a:fld>
             <a:endParaRPr lang="zh-CN" altLang="en-US"/>
           </a:p>
@@ -2175,7 +2174,6 @@
               <a:rPr lang="en-US" altLang="zh-CN"/>
               <a:t>Edit Master text styles</a:t>
             </a:r>
-            <a:endParaRPr lang="en-US" altLang="zh-CN"/>
           </a:p>
         </p:txBody>
       </p:sp>
@@ -2204,7 +2202,6 @@
               <a:rPr lang="en-US" altLang="zh-CN"/>
               <a:t>Edit Master text styles</a:t>
             </a:r>
-            <a:endParaRPr lang="en-US" altLang="zh-CN"/>
           </a:p>
           <a:p>
             <a:pPr lvl="1"/>
@@ -2212,7 +2209,6 @@
               <a:rPr lang="en-US" altLang="zh-CN"/>
               <a:t>Second level</a:t>
             </a:r>
-            <a:endParaRPr lang="en-US" altLang="zh-CN"/>
           </a:p>
           <a:p>
             <a:pPr lvl="2"/>
@@ -2220,7 +2216,6 @@
               <a:rPr lang="en-US" altLang="zh-CN"/>
               <a:t>Third level</a:t>
             </a:r>
-            <a:endParaRPr lang="en-US" altLang="zh-CN"/>
           </a:p>
           <a:p>
             <a:pPr lvl="3"/>
@@ -2228,7 +2223,6 @@
               <a:rPr lang="en-US" altLang="zh-CN"/>
               <a:t>Fourth level</a:t>
             </a:r>
-            <a:endParaRPr lang="en-US" altLang="zh-CN"/>
           </a:p>
           <a:p>
             <a:pPr lvl="4"/>
@@ -2302,7 +2296,6 @@
               <a:rPr lang="en-US" altLang="zh-CN"/>
               <a:t>Edit Master text styles</a:t>
             </a:r>
-            <a:endParaRPr lang="en-US" altLang="zh-CN"/>
           </a:p>
         </p:txBody>
       </p:sp>
@@ -2331,7 +2324,6 @@
               <a:rPr lang="en-US" altLang="zh-CN"/>
               <a:t>Edit Master text styles</a:t>
             </a:r>
-            <a:endParaRPr lang="en-US" altLang="zh-CN"/>
           </a:p>
           <a:p>
             <a:pPr lvl="1"/>
@@ -2339,7 +2331,6 @@
               <a:rPr lang="en-US" altLang="zh-CN"/>
               <a:t>Second level</a:t>
             </a:r>
-            <a:endParaRPr lang="en-US" altLang="zh-CN"/>
           </a:p>
           <a:p>
             <a:pPr lvl="2"/>
@@ -2347,7 +2338,6 @@
               <a:rPr lang="en-US" altLang="zh-CN"/>
               <a:t>Third level</a:t>
             </a:r>
-            <a:endParaRPr lang="en-US" altLang="zh-CN"/>
           </a:p>
           <a:p>
             <a:pPr lvl="3"/>
@@ -2355,7 +2345,6 @@
               <a:rPr lang="en-US" altLang="zh-CN"/>
               <a:t>Fourth level</a:t>
             </a:r>
-            <a:endParaRPr lang="en-US" altLang="zh-CN"/>
           </a:p>
           <a:p>
             <a:pPr lvl="4"/>
@@ -2384,6 +2373,7 @@
           <a:p>
             <a:fld id="{A9F02FE8-3415-4A08-9C6C-93DDC515E45D}" type="datetimeFigureOut">
               <a:rPr lang="zh-CN" altLang="en-US" smtClean="0"/>
+              <a:t>2023/3/31</a:t>
             </a:fld>
             <a:endParaRPr lang="zh-CN" altLang="en-US"/>
           </a:p>
@@ -2425,6 +2415,7 @@
           <a:p>
             <a:fld id="{57842DCC-5249-4D2B-A703-C5A7D3861ADB}" type="slidenum">
               <a:rPr lang="zh-CN" altLang="en-US" smtClean="0"/>
+              <a:t>‹#›</a:t>
             </a:fld>
             <a:endParaRPr lang="zh-CN" altLang="en-US"/>
           </a:p>
@@ -2495,6 +2486,7 @@
           <a:p>
             <a:fld id="{A9F02FE8-3415-4A08-9C6C-93DDC515E45D}" type="datetimeFigureOut">
               <a:rPr lang="zh-CN" altLang="en-US" smtClean="0"/>
+              <a:t>2023/3/31</a:t>
             </a:fld>
             <a:endParaRPr lang="zh-CN" altLang="en-US"/>
           </a:p>
@@ -2536,6 +2528,7 @@
           <a:p>
             <a:fld id="{57842DCC-5249-4D2B-A703-C5A7D3861ADB}" type="slidenum">
               <a:rPr lang="zh-CN" altLang="en-US" smtClean="0"/>
+              <a:t>‹#›</a:t>
             </a:fld>
             <a:endParaRPr lang="zh-CN" altLang="en-US"/>
           </a:p>
@@ -2583,6 +2576,7 @@
           <a:p>
             <a:fld id="{A9F02FE8-3415-4A08-9C6C-93DDC515E45D}" type="datetimeFigureOut">
               <a:rPr lang="zh-CN" altLang="en-US" smtClean="0"/>
+              <a:t>2023/3/31</a:t>
             </a:fld>
             <a:endParaRPr lang="zh-CN" altLang="en-US"/>
           </a:p>
@@ -2624,6 +2618,7 @@
           <a:p>
             <a:fld id="{57842DCC-5249-4D2B-A703-C5A7D3861ADB}" type="slidenum">
               <a:rPr lang="zh-CN" altLang="en-US" smtClean="0"/>
+              <a:t>‹#›</a:t>
             </a:fld>
             <a:endParaRPr lang="zh-CN" altLang="en-US"/>
           </a:p>
@@ -2739,7 +2734,6 @@
               <a:rPr lang="en-US" altLang="zh-CN"/>
               <a:t>Edit Master text styles</a:t>
             </a:r>
-            <a:endParaRPr lang="en-US" altLang="zh-CN"/>
           </a:p>
           <a:p>
             <a:pPr lvl="1"/>
@@ -2747,7 +2741,6 @@
               <a:rPr lang="en-US" altLang="zh-CN"/>
               <a:t>Second level</a:t>
             </a:r>
-            <a:endParaRPr lang="en-US" altLang="zh-CN"/>
           </a:p>
           <a:p>
             <a:pPr lvl="2"/>
@@ -2755,7 +2748,6 @@
               <a:rPr lang="en-US" altLang="zh-CN"/>
               <a:t>Third level</a:t>
             </a:r>
-            <a:endParaRPr lang="en-US" altLang="zh-CN"/>
           </a:p>
           <a:p>
             <a:pPr lvl="3"/>
@@ -2763,7 +2755,6 @@
               <a:rPr lang="en-US" altLang="zh-CN"/>
               <a:t>Fourth level</a:t>
             </a:r>
-            <a:endParaRPr lang="en-US" altLang="zh-CN"/>
           </a:p>
           <a:p>
             <a:pPr lvl="4"/>
@@ -2837,7 +2828,6 @@
               <a:rPr lang="en-US" altLang="zh-CN"/>
               <a:t>Edit Master text styles</a:t>
             </a:r>
-            <a:endParaRPr lang="en-US" altLang="zh-CN"/>
           </a:p>
         </p:txBody>
       </p:sp>
@@ -2858,6 +2848,7 @@
           <a:p>
             <a:fld id="{A9F02FE8-3415-4A08-9C6C-93DDC515E45D}" type="datetimeFigureOut">
               <a:rPr lang="zh-CN" altLang="en-US" smtClean="0"/>
+              <a:t>2023/3/31</a:t>
             </a:fld>
             <a:endParaRPr lang="zh-CN" altLang="en-US"/>
           </a:p>
@@ -2899,6 +2890,7 @@
           <a:p>
             <a:fld id="{57842DCC-5249-4D2B-A703-C5A7D3861ADB}" type="slidenum">
               <a:rPr lang="zh-CN" altLang="en-US" smtClean="0"/>
+              <a:t>‹#›</a:t>
             </a:fld>
             <a:endParaRPr lang="zh-CN" altLang="en-US"/>
           </a:p>
@@ -2972,7 +2964,6 @@
               <a:rPr lang="en-US" altLang="zh-CN"/>
               <a:t>Edit Master text styles</a:t>
             </a:r>
-            <a:endParaRPr lang="en-US" altLang="zh-CN"/>
           </a:p>
           <a:p>
             <a:pPr lvl="1"/>
@@ -2980,7 +2971,6 @@
               <a:rPr lang="en-US" altLang="zh-CN"/>
               <a:t>Second level</a:t>
             </a:r>
-            <a:endParaRPr lang="en-US" altLang="zh-CN"/>
           </a:p>
           <a:p>
             <a:pPr lvl="2"/>
@@ -2988,7 +2978,6 @@
               <a:rPr lang="en-US" altLang="zh-CN"/>
               <a:t>Third level</a:t>
             </a:r>
-            <a:endParaRPr lang="en-US" altLang="zh-CN"/>
           </a:p>
           <a:p>
             <a:pPr lvl="3"/>
@@ -2996,7 +2985,6 @@
               <a:rPr lang="en-US" altLang="zh-CN"/>
               <a:t>Fourth level</a:t>
             </a:r>
-            <a:endParaRPr lang="en-US" altLang="zh-CN"/>
           </a:p>
           <a:p>
             <a:pPr lvl="4"/>
@@ -3025,6 +3013,7 @@
           <a:p>
             <a:fld id="{A9F02FE8-3415-4A08-9C6C-93DDC515E45D}" type="datetimeFigureOut">
               <a:rPr lang="zh-CN" altLang="en-US" smtClean="0"/>
+              <a:t>2023/3/31</a:t>
             </a:fld>
             <a:endParaRPr lang="zh-CN" altLang="en-US"/>
           </a:p>
@@ -3066,6 +3055,7 @@
           <a:p>
             <a:fld id="{57842DCC-5249-4D2B-A703-C5A7D3861ADB}" type="slidenum">
               <a:rPr lang="zh-CN" altLang="en-US" smtClean="0"/>
+              <a:t>‹#›</a:t>
             </a:fld>
             <a:endParaRPr lang="zh-CN" altLang="en-US"/>
           </a:p>
@@ -3251,7 +3241,6 @@
               <a:rPr lang="en-US" altLang="zh-CN"/>
               <a:t>Edit Master text styles</a:t>
             </a:r>
-            <a:endParaRPr lang="en-US" altLang="zh-CN"/>
           </a:p>
         </p:txBody>
       </p:sp>
@@ -3272,6 +3261,7 @@
           <a:p>
             <a:fld id="{A9F02FE8-3415-4A08-9C6C-93DDC515E45D}" type="datetimeFigureOut">
               <a:rPr lang="zh-CN" altLang="en-US" smtClean="0"/>
+              <a:t>2023/3/31</a:t>
             </a:fld>
             <a:endParaRPr lang="zh-CN" altLang="en-US"/>
           </a:p>
@@ -3313,6 +3303,7 @@
           <a:p>
             <a:fld id="{57842DCC-5249-4D2B-A703-C5A7D3861ADB}" type="slidenum">
               <a:rPr lang="zh-CN" altLang="en-US" smtClean="0"/>
+              <a:t>‹#›</a:t>
             </a:fld>
             <a:endParaRPr lang="zh-CN" altLang="en-US"/>
           </a:p>
@@ -3386,7 +3377,6 @@
               <a:rPr lang="en-US" altLang="zh-CN"/>
               <a:t>Edit Master text styles</a:t>
             </a:r>
-            <a:endParaRPr lang="en-US" altLang="zh-CN"/>
           </a:p>
           <a:p>
             <a:pPr lvl="1"/>
@@ -3394,7 +3384,6 @@
               <a:rPr lang="en-US" altLang="zh-CN"/>
               <a:t>Second level</a:t>
             </a:r>
-            <a:endParaRPr lang="en-US" altLang="zh-CN"/>
           </a:p>
           <a:p>
             <a:pPr lvl="2"/>
@@ -3402,7 +3391,6 @@
               <a:rPr lang="en-US" altLang="zh-CN"/>
               <a:t>Third level</a:t>
             </a:r>
-            <a:endParaRPr lang="en-US" altLang="zh-CN"/>
           </a:p>
           <a:p>
             <a:pPr lvl="3"/>
@@ -3410,7 +3398,6 @@
               <a:rPr lang="en-US" altLang="zh-CN"/>
               <a:t>Fourth level</a:t>
             </a:r>
-            <a:endParaRPr lang="en-US" altLang="zh-CN"/>
           </a:p>
           <a:p>
             <a:pPr lvl="4"/>
@@ -3439,6 +3426,7 @@
           <a:p>
             <a:fld id="{A9F02FE8-3415-4A08-9C6C-93DDC515E45D}" type="datetimeFigureOut">
               <a:rPr lang="zh-CN" altLang="en-US" smtClean="0"/>
+              <a:t>2023/3/31</a:t>
             </a:fld>
             <a:endParaRPr lang="zh-CN" altLang="en-US"/>
           </a:p>
@@ -3480,6 +3468,7 @@
           <a:p>
             <a:fld id="{57842DCC-5249-4D2B-A703-C5A7D3861ADB}" type="slidenum">
               <a:rPr lang="zh-CN" altLang="en-US" smtClean="0"/>
+              <a:t>‹#›</a:t>
             </a:fld>
             <a:endParaRPr lang="zh-CN" altLang="en-US"/>
           </a:p>
@@ -3563,7 +3552,6 @@
               <a:rPr lang="en-US" altLang="zh-CN"/>
               <a:t>Edit Master text styles</a:t>
             </a:r>
-            <a:endParaRPr lang="en-US" altLang="zh-CN"/>
           </a:p>
           <a:p>
             <a:pPr lvl="1"/>
@@ -3571,7 +3559,6 @@
               <a:rPr lang="en-US" altLang="zh-CN"/>
               <a:t>Second level</a:t>
             </a:r>
-            <a:endParaRPr lang="en-US" altLang="zh-CN"/>
           </a:p>
           <a:p>
             <a:pPr lvl="2"/>
@@ -3579,7 +3566,6 @@
               <a:rPr lang="en-US" altLang="zh-CN"/>
               <a:t>Third level</a:t>
             </a:r>
-            <a:endParaRPr lang="en-US" altLang="zh-CN"/>
           </a:p>
           <a:p>
             <a:pPr lvl="3"/>
@@ -3587,7 +3573,6 @@
               <a:rPr lang="en-US" altLang="zh-CN"/>
               <a:t>Fourth level</a:t>
             </a:r>
-            <a:endParaRPr lang="en-US" altLang="zh-CN"/>
           </a:p>
           <a:p>
             <a:pPr lvl="4"/>
@@ -3616,6 +3601,7 @@
           <a:p>
             <a:fld id="{A9F02FE8-3415-4A08-9C6C-93DDC515E45D}" type="datetimeFigureOut">
               <a:rPr lang="zh-CN" altLang="en-US" smtClean="0"/>
+              <a:t>2023/3/31</a:t>
             </a:fld>
             <a:endParaRPr lang="zh-CN" altLang="en-US"/>
           </a:p>
@@ -3657,6 +3643,7 @@
           <a:p>
             <a:fld id="{57842DCC-5249-4D2B-A703-C5A7D3861ADB}" type="slidenum">
               <a:rPr lang="zh-CN" altLang="en-US" smtClean="0"/>
+              <a:t>‹#›</a:t>
             </a:fld>
             <a:endParaRPr lang="zh-CN" altLang="en-US"/>
           </a:p>
@@ -3835,7 +3822,6 @@
               <a:rPr lang="en-US" altLang="zh-CN"/>
               <a:t>Edit Master text styles</a:t>
             </a:r>
-            <a:endParaRPr lang="en-US" altLang="zh-CN"/>
           </a:p>
         </p:txBody>
       </p:sp>
@@ -3856,6 +3842,7 @@
           <a:p>
             <a:fld id="{A9F02FE8-3415-4A08-9C6C-93DDC515E45D}" type="datetimeFigureOut">
               <a:rPr lang="zh-CN" altLang="en-US" smtClean="0"/>
+              <a:t>2023/3/31</a:t>
             </a:fld>
             <a:endParaRPr lang="zh-CN" altLang="en-US"/>
           </a:p>
@@ -3897,6 +3884,7 @@
           <a:p>
             <a:fld id="{57842DCC-5249-4D2B-A703-C5A7D3861ADB}" type="slidenum">
               <a:rPr lang="zh-CN" altLang="en-US" smtClean="0"/>
+              <a:t>‹#›</a:t>
             </a:fld>
             <a:endParaRPr lang="zh-CN" altLang="en-US"/>
           </a:p>
@@ -3975,7 +3963,6 @@
               <a:rPr lang="en-US" altLang="zh-CN"/>
               <a:t>Edit Master text styles</a:t>
             </a:r>
-            <a:endParaRPr lang="en-US" altLang="zh-CN"/>
           </a:p>
           <a:p>
             <a:pPr lvl="1"/>
@@ -3983,7 +3970,6 @@
               <a:rPr lang="en-US" altLang="zh-CN"/>
               <a:t>Second level</a:t>
             </a:r>
-            <a:endParaRPr lang="en-US" altLang="zh-CN"/>
           </a:p>
           <a:p>
             <a:pPr lvl="2"/>
@@ -3991,7 +3977,6 @@
               <a:rPr lang="en-US" altLang="zh-CN"/>
               <a:t>Third level</a:t>
             </a:r>
-            <a:endParaRPr lang="en-US" altLang="zh-CN"/>
           </a:p>
           <a:p>
             <a:pPr lvl="3"/>
@@ -3999,7 +3984,6 @@
               <a:rPr lang="en-US" altLang="zh-CN"/>
               <a:t>Fourth level</a:t>
             </a:r>
-            <a:endParaRPr lang="en-US" altLang="zh-CN"/>
           </a:p>
           <a:p>
             <a:pPr lvl="4"/>
@@ -4036,7 +4020,6 @@
               <a:rPr lang="en-US" altLang="zh-CN"/>
               <a:t>Edit Master text styles</a:t>
             </a:r>
-            <a:endParaRPr lang="en-US" altLang="zh-CN"/>
           </a:p>
           <a:p>
             <a:pPr lvl="1"/>
@@ -4044,7 +4027,6 @@
               <a:rPr lang="en-US" altLang="zh-CN"/>
               <a:t>Second level</a:t>
             </a:r>
-            <a:endParaRPr lang="en-US" altLang="zh-CN"/>
           </a:p>
           <a:p>
             <a:pPr lvl="2"/>
@@ -4052,7 +4034,6 @@
               <a:rPr lang="en-US" altLang="zh-CN"/>
               <a:t>Third level</a:t>
             </a:r>
-            <a:endParaRPr lang="en-US" altLang="zh-CN"/>
           </a:p>
           <a:p>
             <a:pPr lvl="3"/>
@@ -4060,7 +4041,6 @@
               <a:rPr lang="en-US" altLang="zh-CN"/>
               <a:t>Fourth level</a:t>
             </a:r>
-            <a:endParaRPr lang="en-US" altLang="zh-CN"/>
           </a:p>
           <a:p>
             <a:pPr lvl="4"/>
@@ -4089,6 +4069,7 @@
           <a:p>
             <a:fld id="{A9F02FE8-3415-4A08-9C6C-93DDC515E45D}" type="datetimeFigureOut">
               <a:rPr lang="zh-CN" altLang="en-US" smtClean="0"/>
+              <a:t>2023/3/31</a:t>
             </a:fld>
             <a:endParaRPr lang="zh-CN" altLang="en-US"/>
           </a:p>
@@ -4130,6 +4111,7 @@
           <a:p>
             <a:fld id="{57842DCC-5249-4D2B-A703-C5A7D3861ADB}" type="slidenum">
               <a:rPr lang="zh-CN" altLang="en-US" smtClean="0"/>
+              <a:t>‹#›</a:t>
             </a:fld>
             <a:endParaRPr lang="zh-CN" altLang="en-US"/>
           </a:p>
@@ -4250,7 +4232,6 @@
               <a:rPr lang="en-US" altLang="zh-CN"/>
               <a:t>Edit Master text styles</a:t>
             </a:r>
-            <a:endParaRPr lang="en-US" altLang="zh-CN"/>
           </a:p>
         </p:txBody>
       </p:sp>
@@ -4279,7 +4260,6 @@
               <a:rPr lang="en-US" altLang="zh-CN"/>
               <a:t>Edit Master text styles</a:t>
             </a:r>
-            <a:endParaRPr lang="en-US" altLang="zh-CN"/>
           </a:p>
           <a:p>
             <a:pPr lvl="1"/>
@@ -4287,7 +4267,6 @@
               <a:rPr lang="en-US" altLang="zh-CN"/>
               <a:t>Second level</a:t>
             </a:r>
-            <a:endParaRPr lang="en-US" altLang="zh-CN"/>
           </a:p>
           <a:p>
             <a:pPr lvl="2"/>
@@ -4295,7 +4274,6 @@
               <a:rPr lang="en-US" altLang="zh-CN"/>
               <a:t>Third level</a:t>
             </a:r>
-            <a:endParaRPr lang="en-US" altLang="zh-CN"/>
           </a:p>
           <a:p>
             <a:pPr lvl="3"/>
@@ -4303,7 +4281,6 @@
               <a:rPr lang="en-US" altLang="zh-CN"/>
               <a:t>Fourth level</a:t>
             </a:r>
-            <a:endParaRPr lang="en-US" altLang="zh-CN"/>
           </a:p>
           <a:p>
             <a:pPr lvl="4"/>
@@ -4377,7 +4354,6 @@
               <a:rPr lang="en-US" altLang="zh-CN"/>
               <a:t>Edit Master text styles</a:t>
             </a:r>
-            <a:endParaRPr lang="en-US" altLang="zh-CN"/>
           </a:p>
         </p:txBody>
       </p:sp>
@@ -4406,7 +4382,6 @@
               <a:rPr lang="en-US" altLang="zh-CN"/>
               <a:t>Edit Master text styles</a:t>
             </a:r>
-            <a:endParaRPr lang="en-US" altLang="zh-CN"/>
           </a:p>
           <a:p>
             <a:pPr lvl="1"/>
@@ -4414,7 +4389,6 @@
               <a:rPr lang="en-US" altLang="zh-CN"/>
               <a:t>Second level</a:t>
             </a:r>
-            <a:endParaRPr lang="en-US" altLang="zh-CN"/>
           </a:p>
           <a:p>
             <a:pPr lvl="2"/>
@@ -4422,7 +4396,6 @@
               <a:rPr lang="en-US" altLang="zh-CN"/>
               <a:t>Third level</a:t>
             </a:r>
-            <a:endParaRPr lang="en-US" altLang="zh-CN"/>
           </a:p>
           <a:p>
             <a:pPr lvl="3"/>
@@ -4430,7 +4403,6 @@
               <a:rPr lang="en-US" altLang="zh-CN"/>
               <a:t>Fourth level</a:t>
             </a:r>
-            <a:endParaRPr lang="en-US" altLang="zh-CN"/>
           </a:p>
           <a:p>
             <a:pPr lvl="4"/>
@@ -4459,6 +4431,7 @@
           <a:p>
             <a:fld id="{A9F02FE8-3415-4A08-9C6C-93DDC515E45D}" type="datetimeFigureOut">
               <a:rPr lang="zh-CN" altLang="en-US" smtClean="0"/>
+              <a:t>2023/3/31</a:t>
             </a:fld>
             <a:endParaRPr lang="zh-CN" altLang="en-US"/>
           </a:p>
@@ -4500,6 +4473,7 @@
           <a:p>
             <a:fld id="{57842DCC-5249-4D2B-A703-C5A7D3861ADB}" type="slidenum">
               <a:rPr lang="zh-CN" altLang="en-US" smtClean="0"/>
+              <a:t>‹#›</a:t>
             </a:fld>
             <a:endParaRPr lang="zh-CN" altLang="en-US"/>
           </a:p>
@@ -4570,6 +4544,7 @@
           <a:p>
             <a:fld id="{A9F02FE8-3415-4A08-9C6C-93DDC515E45D}" type="datetimeFigureOut">
               <a:rPr lang="zh-CN" altLang="en-US" smtClean="0"/>
+              <a:t>2023/3/31</a:t>
             </a:fld>
             <a:endParaRPr lang="zh-CN" altLang="en-US"/>
           </a:p>
@@ -4611,6 +4586,7 @@
           <a:p>
             <a:fld id="{57842DCC-5249-4D2B-A703-C5A7D3861ADB}" type="slidenum">
               <a:rPr lang="zh-CN" altLang="en-US" smtClean="0"/>
+              <a:t>‹#›</a:t>
             </a:fld>
             <a:endParaRPr lang="zh-CN" altLang="en-US"/>
           </a:p>
@@ -4658,6 +4634,7 @@
           <a:p>
             <a:fld id="{A9F02FE8-3415-4A08-9C6C-93DDC515E45D}" type="datetimeFigureOut">
               <a:rPr lang="zh-CN" altLang="en-US" smtClean="0"/>
+              <a:t>2023/3/31</a:t>
             </a:fld>
             <a:endParaRPr lang="zh-CN" altLang="en-US"/>
           </a:p>
@@ -4699,6 +4676,7 @@
           <a:p>
             <a:fld id="{57842DCC-5249-4D2B-A703-C5A7D3861ADB}" type="slidenum">
               <a:rPr lang="zh-CN" altLang="en-US" smtClean="0"/>
+              <a:t>‹#›</a:t>
             </a:fld>
             <a:endParaRPr lang="zh-CN" altLang="en-US"/>
           </a:p>
@@ -4814,7 +4792,6 @@
               <a:rPr lang="en-US" altLang="zh-CN"/>
               <a:t>Edit Master text styles</a:t>
             </a:r>
-            <a:endParaRPr lang="en-US" altLang="zh-CN"/>
           </a:p>
           <a:p>
             <a:pPr lvl="1"/>
@@ -4822,7 +4799,6 @@
               <a:rPr lang="en-US" altLang="zh-CN"/>
               <a:t>Second level</a:t>
             </a:r>
-            <a:endParaRPr lang="en-US" altLang="zh-CN"/>
           </a:p>
           <a:p>
             <a:pPr lvl="2"/>
@@ -4830,7 +4806,6 @@
               <a:rPr lang="en-US" altLang="zh-CN"/>
               <a:t>Third level</a:t>
             </a:r>
-            <a:endParaRPr lang="en-US" altLang="zh-CN"/>
           </a:p>
           <a:p>
             <a:pPr lvl="3"/>
@@ -4838,7 +4813,6 @@
               <a:rPr lang="en-US" altLang="zh-CN"/>
               <a:t>Fourth level</a:t>
             </a:r>
-            <a:endParaRPr lang="en-US" altLang="zh-CN"/>
           </a:p>
           <a:p>
             <a:pPr lvl="4"/>
@@ -4912,7 +4886,6 @@
               <a:rPr lang="en-US" altLang="zh-CN"/>
               <a:t>Edit Master text styles</a:t>
             </a:r>
-            <a:endParaRPr lang="en-US" altLang="zh-CN"/>
           </a:p>
         </p:txBody>
       </p:sp>
@@ -4933,6 +4906,7 @@
           <a:p>
             <a:fld id="{A9F02FE8-3415-4A08-9C6C-93DDC515E45D}" type="datetimeFigureOut">
               <a:rPr lang="zh-CN" altLang="en-US" smtClean="0"/>
+              <a:t>2023/3/31</a:t>
             </a:fld>
             <a:endParaRPr lang="zh-CN" altLang="en-US"/>
           </a:p>
@@ -4974,6 +4948,7 @@
           <a:p>
             <a:fld id="{57842DCC-5249-4D2B-A703-C5A7D3861ADB}" type="slidenum">
               <a:rPr lang="zh-CN" altLang="en-US" smtClean="0"/>
+              <a:t>‹#›</a:t>
             </a:fld>
             <a:endParaRPr lang="zh-CN" altLang="en-US"/>
           </a:p>
@@ -5159,7 +5134,6 @@
               <a:rPr lang="en-US" altLang="zh-CN"/>
               <a:t>Edit Master text styles</a:t>
             </a:r>
-            <a:endParaRPr lang="en-US" altLang="zh-CN"/>
           </a:p>
         </p:txBody>
       </p:sp>
@@ -5180,6 +5154,7 @@
           <a:p>
             <a:fld id="{A9F02FE8-3415-4A08-9C6C-93DDC515E45D}" type="datetimeFigureOut">
               <a:rPr lang="zh-CN" altLang="en-US" smtClean="0"/>
+              <a:t>2023/3/31</a:t>
             </a:fld>
             <a:endParaRPr lang="zh-CN" altLang="en-US"/>
           </a:p>
@@ -5221,6 +5196,7 @@
           <a:p>
             <a:fld id="{57842DCC-5249-4D2B-A703-C5A7D3861ADB}" type="slidenum">
               <a:rPr lang="zh-CN" altLang="en-US" smtClean="0"/>
+              <a:t>‹#›</a:t>
             </a:fld>
             <a:endParaRPr lang="zh-CN" altLang="en-US"/>
           </a:p>
@@ -5319,7 +5295,6 @@
               <a:rPr lang="en-US" altLang="zh-CN"/>
               <a:t>Edit Master text styles</a:t>
             </a:r>
-            <a:endParaRPr lang="en-US" altLang="zh-CN"/>
           </a:p>
           <a:p>
             <a:pPr lvl="1"/>
@@ -5327,7 +5302,6 @@
               <a:rPr lang="en-US" altLang="zh-CN"/>
               <a:t>Second level</a:t>
             </a:r>
-            <a:endParaRPr lang="en-US" altLang="zh-CN"/>
           </a:p>
           <a:p>
             <a:pPr lvl="2"/>
@@ -5335,7 +5309,6 @@
               <a:rPr lang="en-US" altLang="zh-CN"/>
               <a:t>Third level</a:t>
             </a:r>
-            <a:endParaRPr lang="en-US" altLang="zh-CN"/>
           </a:p>
           <a:p>
             <a:pPr lvl="3"/>
@@ -5343,7 +5316,6 @@
               <a:rPr lang="en-US" altLang="zh-CN"/>
               <a:t>Fourth level</a:t>
             </a:r>
-            <a:endParaRPr lang="en-US" altLang="zh-CN"/>
           </a:p>
           <a:p>
             <a:pPr lvl="4"/>
@@ -5390,6 +5362,7 @@
           <a:p>
             <a:fld id="{A9F02FE8-3415-4A08-9C6C-93DDC515E45D}" type="datetimeFigureOut">
               <a:rPr lang="zh-CN" altLang="en-US" smtClean="0"/>
+              <a:t>2023/3/31</a:t>
             </a:fld>
             <a:endParaRPr lang="zh-CN" altLang="en-US"/>
           </a:p>
@@ -5467,6 +5440,7 @@
           <a:p>
             <a:fld id="{57842DCC-5249-4D2B-A703-C5A7D3861ADB}" type="slidenum">
               <a:rPr lang="zh-CN" altLang="en-US" smtClean="0"/>
+              <a:t>‹#›</a:t>
             </a:fld>
             <a:endParaRPr lang="zh-CN" altLang="en-US"/>
           </a:p>
@@ -5856,7 +5830,6 @@
               <a:rPr lang="en-US" altLang="zh-CN"/>
               <a:t>Edit Master text styles</a:t>
             </a:r>
-            <a:endParaRPr lang="en-US" altLang="zh-CN"/>
           </a:p>
           <a:p>
             <a:pPr lvl="1"/>
@@ -5864,7 +5837,6 @@
               <a:rPr lang="en-US" altLang="zh-CN"/>
               <a:t>Second level</a:t>
             </a:r>
-            <a:endParaRPr lang="en-US" altLang="zh-CN"/>
           </a:p>
           <a:p>
             <a:pPr lvl="2"/>
@@ -5872,7 +5844,6 @@
               <a:rPr lang="en-US" altLang="zh-CN"/>
               <a:t>Third level</a:t>
             </a:r>
-            <a:endParaRPr lang="en-US" altLang="zh-CN"/>
           </a:p>
           <a:p>
             <a:pPr lvl="3"/>
@@ -5880,7 +5851,6 @@
               <a:rPr lang="en-US" altLang="zh-CN"/>
               <a:t>Fourth level</a:t>
             </a:r>
-            <a:endParaRPr lang="en-US" altLang="zh-CN"/>
           </a:p>
           <a:p>
             <a:pPr lvl="4"/>
@@ -5927,6 +5897,7 @@
           <a:p>
             <a:fld id="{A9F02FE8-3415-4A08-9C6C-93DDC515E45D}" type="datetimeFigureOut">
               <a:rPr lang="zh-CN" altLang="en-US" smtClean="0"/>
+              <a:t>2023/3/31</a:t>
             </a:fld>
             <a:endParaRPr lang="zh-CN" altLang="en-US"/>
           </a:p>
@@ -6004,6 +5975,7 @@
           <a:p>
             <a:fld id="{57842DCC-5249-4D2B-A703-C5A7D3861ADB}" type="slidenum">
               <a:rPr lang="zh-CN" altLang="en-US" smtClean="0"/>
+              <a:t>‹#›</a:t>
             </a:fld>
             <a:endParaRPr lang="zh-CN" altLang="en-US"/>
           </a:p>
@@ -6351,7 +6323,6 @@
               <a:rPr lang="en-US" altLang="zh-CN" sz="2800" b="1" dirty="0"/>
               <a:t>Tutorial 9 Assignment 3 Preliminaries and Hints</a:t>
             </a:r>
-            <a:endParaRPr lang="en-US" altLang="zh-CN" sz="2800" b="1" dirty="0"/>
           </a:p>
           <a:p>
             <a:endParaRPr lang="en-US" altLang="zh-CN" sz="2800" b="1" dirty="0"/>
@@ -6364,14 +6335,12 @@
               <a:rPr lang="en-US" altLang="zh-CN" sz="2800" dirty="0"/>
               <a:t>Tutor: Luo Qin</a:t>
             </a:r>
-            <a:endParaRPr lang="en-US" altLang="zh-CN" sz="2800" dirty="0"/>
           </a:p>
           <a:p>
             <a:r>
               <a:rPr lang="en-US" altLang="zh-CN" sz="2800" dirty="0"/>
               <a:t>qluo22@cse.cuhk.edu.hk</a:t>
             </a:r>
-            <a:endParaRPr lang="en-US" altLang="zh-CN" sz="2800" dirty="0"/>
           </a:p>
           <a:p>
             <a:endParaRPr lang="en-US" altLang="zh-CN" sz="2800" dirty="0"/>
@@ -6470,7 +6439,6 @@
               <a:rPr lang="en-US" altLang="zh-CN" b="1" dirty="0"/>
               <a:t>Review of the Singly linked list</a:t>
             </a:r>
-            <a:endParaRPr lang="en-US" altLang="zh-CN" b="1" dirty="0"/>
           </a:p>
         </p:txBody>
       </p:sp>
@@ -6483,7 +6451,7 @@
           <p:nvPr/>
         </p:nvPicPr>
         <p:blipFill>
-          <a:blip r:embed="rId1"/>
+          <a:blip r:embed="rId2"/>
           <a:stretch>
             <a:fillRect/>
           </a:stretch>
@@ -6524,7 +6492,6 @@
               <a:rPr lang="en-US" altLang="zh-CN" sz="2400" dirty="0"/>
               <a:t>Three operations:</a:t>
             </a:r>
-            <a:endParaRPr lang="en-US" altLang="zh-CN" sz="2400" dirty="0"/>
           </a:p>
           <a:p>
             <a:pPr marL="285750" indent="-285750">
@@ -6535,7 +6502,6 @@
               <a:rPr lang="en-US" altLang="zh-CN" sz="2400" dirty="0"/>
               <a:t>Find a node in the singly linked list</a:t>
             </a:r>
-            <a:endParaRPr lang="en-US" altLang="zh-CN" sz="2400" dirty="0"/>
           </a:p>
           <a:p>
             <a:pPr marL="285750" indent="-285750">
@@ -6546,7 +6512,6 @@
               <a:rPr lang="en-US" altLang="zh-CN" sz="2400" dirty="0"/>
               <a:t>Insert a node into the singly linked list</a:t>
             </a:r>
-            <a:endParaRPr lang="en-US" altLang="zh-CN" sz="2400" dirty="0"/>
           </a:p>
           <a:p>
             <a:pPr marL="285750" indent="-285750">
@@ -6557,7 +6522,6 @@
               <a:rPr lang="en-US" altLang="zh-CN" sz="2400" dirty="0"/>
               <a:t>Delete a node in the singly linked list</a:t>
             </a:r>
-            <a:endParaRPr lang="en-US" altLang="zh-CN" sz="2400" dirty="0"/>
           </a:p>
           <a:p>
             <a:r>
@@ -6572,14 +6536,12 @@
               <a:rPr lang="en-US" altLang="zh-CN" sz="2400" b="1" dirty="0"/>
               <a:t>a review of these operations</a:t>
             </a:r>
-            <a:endParaRPr lang="en-US" altLang="zh-CN" sz="2400" b="1" dirty="0"/>
           </a:p>
           <a:p>
             <a:r>
               <a:rPr lang="en-US" altLang="zh-CN" sz="2400" b="1" dirty="0"/>
               <a:t>about singly linked list in your data structure coarse.</a:t>
             </a:r>
-            <a:endParaRPr lang="en-US" altLang="zh-CN" sz="2400" b="1" dirty="0"/>
           </a:p>
         </p:txBody>
       </p:sp>
@@ -6668,7 +6630,7 @@
           <p:nvPr/>
         </p:nvPicPr>
         <p:blipFill>
-          <a:blip r:embed="rId2"/>
+          <a:blip r:embed="rId3"/>
           <a:stretch>
             <a:fillRect/>
           </a:stretch>
@@ -6792,7 +6754,6 @@
               <a:rPr lang="en-US" altLang="zh-CN" b="1" dirty="0"/>
               <a:t>Code Walk</a:t>
             </a:r>
-            <a:endParaRPr lang="en-US" altLang="zh-CN" b="1" dirty="0"/>
           </a:p>
           <a:p>
             <a:pPr marL="0" indent="0">
@@ -6817,7 +6778,7 @@
           <p:nvPr/>
         </p:nvPicPr>
         <p:blipFill>
-          <a:blip r:embed="rId1"/>
+          <a:blip r:embed="rId2"/>
           <a:stretch>
             <a:fillRect/>
           </a:stretch>
@@ -6862,7 +6823,6 @@
               <a:rPr lang="en-US" altLang="zh-CN" dirty="0"/>
               <a:t>:   Definition of the node in the linked list</a:t>
             </a:r>
-            <a:endParaRPr lang="en-US" altLang="zh-CN" dirty="0"/>
           </a:p>
           <a:p>
             <a:r>
@@ -6885,7 +6845,6 @@
               <a:rPr lang="en-US" altLang="zh-CN" b="1" dirty="0"/>
               <a:t>Your implementation of the FIFO and LRU algorithm</a:t>
             </a:r>
-            <a:endParaRPr lang="en-US" altLang="zh-CN" b="1" dirty="0"/>
           </a:p>
           <a:p>
             <a:r>
@@ -6896,7 +6855,6 @@
               <a:rPr lang="en-US" altLang="zh-CN" dirty="0"/>
               <a:t>  File I/O, visualize the status of the cache and calculate the page missing</a:t>
             </a:r>
-            <a:endParaRPr lang="en-US" altLang="zh-CN" dirty="0"/>
           </a:p>
           <a:p>
             <a:r>
@@ -6907,7 +6865,6 @@
               <a:rPr lang="en-US" altLang="zh-CN" dirty="0"/>
               <a:t> </a:t>
             </a:r>
-            <a:endParaRPr lang="en-US" altLang="zh-CN" dirty="0"/>
           </a:p>
         </p:txBody>
       </p:sp>
@@ -7077,7 +7034,6 @@
               <a:rPr lang="en-US" altLang="zh-CN" dirty="0"/>
               <a:t>)</a:t>
             </a:r>
-            <a:endParaRPr lang="en-US" altLang="zh-CN" dirty="0"/>
           </a:p>
           <a:p>
             <a:r>
@@ -7124,7 +7080,6 @@
               <a:rPr lang="en-US" altLang="zh-CN" dirty="0"/>
               <a:t>)</a:t>
             </a:r>
-            <a:endParaRPr lang="en-US" altLang="zh-CN" dirty="0"/>
           </a:p>
           <a:p>
             <a:endParaRPr lang="en-US" altLang="zh-CN" dirty="0"/>
@@ -7138,7 +7093,6 @@
               <a:rPr lang="en-US" altLang="zh-CN" dirty="0"/>
               <a:t>:</a:t>
             </a:r>
-            <a:endParaRPr lang="en-US" altLang="zh-CN" dirty="0"/>
           </a:p>
           <a:p>
             <a:r>
@@ -7153,7 +7107,6 @@
               <a:rPr lang="en-US" altLang="zh-CN" dirty="0"/>
               <a:t>The page number intended to be accessed.</a:t>
             </a:r>
-            <a:endParaRPr lang="en-US" altLang="zh-CN" dirty="0"/>
           </a:p>
           <a:p>
             <a:r>
@@ -7172,14 +7125,12 @@
               <a:rPr lang="en-US" altLang="zh-CN" dirty="0"/>
               <a:t>: The pointer pointing at the header of FIFO and LRU cache</a:t>
             </a:r>
-            <a:endParaRPr lang="en-US" altLang="zh-CN" dirty="0"/>
           </a:p>
           <a:p>
             <a:r>
               <a:rPr lang="en-US" altLang="zh-CN" b="1" dirty="0"/>
               <a:t>(Why double pointer? May need to change the header of FIFO and LRU cache in these two functions.)</a:t>
             </a:r>
-            <a:endParaRPr lang="en-US" altLang="zh-CN" b="1" dirty="0"/>
           </a:p>
           <a:p>
             <a:r>
@@ -7190,7 +7141,6 @@
               <a:rPr lang="en-US" altLang="zh-CN" dirty="0"/>
               <a:t>: The capacity of the FIFO and LRU cache</a:t>
             </a:r>
-            <a:endParaRPr lang="en-US" altLang="zh-CN" dirty="0"/>
           </a:p>
           <a:p>
             <a:endParaRPr lang="en-US" altLang="zh-CN" dirty="0"/>
@@ -7204,14 +7154,12 @@
               <a:rPr lang="en-US" altLang="zh-CN" dirty="0"/>
               <a:t> Value:</a:t>
             </a:r>
-            <a:endParaRPr lang="en-US" altLang="zh-CN" dirty="0"/>
           </a:p>
           <a:p>
             <a:r>
               <a:rPr lang="en-US" altLang="zh-CN" dirty="0"/>
               <a:t>Whether the page is missed, 1-misses 0-hits</a:t>
             </a:r>
-            <a:endParaRPr lang="en-US" altLang="zh-CN" dirty="0"/>
           </a:p>
           <a:p>
             <a:endParaRPr lang="en-US" altLang="zh-CN" dirty="0"/>
@@ -7302,7 +7250,6 @@
               <a:rPr lang="en-US" altLang="zh-CN" sz="2000" b="1" dirty="0"/>
               <a:t>Code Walk</a:t>
             </a:r>
-            <a:endParaRPr lang="en-US" altLang="zh-CN" sz="2000" b="1" dirty="0"/>
           </a:p>
           <a:p>
             <a:r>
@@ -7316,14 +7263,12 @@
               <a:rPr lang="en-US" altLang="zh-CN" dirty="0"/>
               <a:t>report the status of cache after assessing each page in the reference row and calculate the total number of </a:t>
             </a:r>
-            <a:endParaRPr lang="en-US" altLang="zh-CN" dirty="0"/>
           </a:p>
           <a:p>
             <a:r>
               <a:rPr lang="en-US" altLang="zh-CN" dirty="0"/>
               <a:t>missing pages</a:t>
             </a:r>
-            <a:endParaRPr lang="en-US" altLang="zh-CN" dirty="0"/>
           </a:p>
         </p:txBody>
       </p:sp>
@@ -7336,7 +7281,7 @@
           <p:nvPr/>
         </p:nvPicPr>
         <p:blipFill>
-          <a:blip r:embed="rId1"/>
+          <a:blip r:embed="rId2"/>
           <a:stretch>
             <a:fillRect/>
           </a:stretch>
@@ -7390,7 +7335,7 @@
           <p:nvPr/>
         </p:nvPicPr>
         <p:blipFill>
-          <a:blip r:embed="rId2"/>
+          <a:blip r:embed="rId3"/>
           <a:stretch>
             <a:fillRect/>
           </a:stretch>
@@ -7536,7 +7481,7 @@
           <p:nvPr/>
         </p:nvPicPr>
         <p:blipFill>
-          <a:blip r:embed="rId3"/>
+          <a:blip r:embed="rId4"/>
           <a:stretch>
             <a:fillRect/>
           </a:stretch>
@@ -7629,7 +7574,6 @@
               <a:rPr lang="en-US" altLang="zh-CN" b="1" dirty="0"/>
               <a:t>Testcase</a:t>
             </a:r>
-            <a:endParaRPr lang="en-US" altLang="zh-CN" b="1" dirty="0"/>
           </a:p>
           <a:p>
             <a:endParaRPr lang="en-US" altLang="zh-CN" dirty="0"/>
@@ -7639,7 +7583,6 @@
               <a:rPr lang="en-US" altLang="zh-CN" dirty="0"/>
               <a:t>2 testcases are provided for you to check your implementation</a:t>
             </a:r>
-            <a:endParaRPr lang="en-US" altLang="zh-CN" dirty="0"/>
           </a:p>
           <a:p>
             <a:endParaRPr lang="en-US" altLang="zh-CN" dirty="0"/>
@@ -7649,21 +7592,18 @@
               <a:rPr lang="en-US" altLang="zh-CN" dirty="0"/>
               <a:t>&lt;cache capacity&gt;</a:t>
             </a:r>
-            <a:endParaRPr lang="en-US" altLang="zh-CN" dirty="0"/>
           </a:p>
           <a:p>
             <a:r>
               <a:rPr lang="en-US" altLang="zh-CN" dirty="0"/>
               <a:t>&lt;number of pages K&gt;</a:t>
             </a:r>
-            <a:endParaRPr lang="en-US" altLang="zh-CN" dirty="0"/>
           </a:p>
           <a:p>
             <a:r>
               <a:rPr lang="en-US" altLang="zh-CN" dirty="0"/>
               <a:t>&lt;visited page number 1&gt;, &lt;visited page number 2&gt;, …, &lt;visited page number K&gt;</a:t>
             </a:r>
-            <a:endParaRPr lang="en-US" altLang="zh-CN" dirty="0"/>
           </a:p>
           <a:p>
             <a:endParaRPr lang="en-US" altLang="zh-CN" dirty="0"/>
@@ -7673,7 +7613,6 @@
               <a:rPr lang="en-US" altLang="zh-CN" dirty="0"/>
               <a:t>For example, testcase for the example in page 8 of this ppt</a:t>
             </a:r>
-            <a:endParaRPr lang="en-US" altLang="zh-CN" dirty="0"/>
           </a:p>
         </p:txBody>
       </p:sp>
@@ -7686,7 +7625,7 @@
           <p:nvPr/>
         </p:nvPicPr>
         <p:blipFill>
-          <a:blip r:embed="rId1"/>
+          <a:blip r:embed="rId2"/>
           <a:stretch>
             <a:fillRect/>
           </a:stretch>
@@ -7710,7 +7649,7 @@
           <p:nvPr/>
         </p:nvPicPr>
         <p:blipFill>
-          <a:blip r:embed="rId2"/>
+          <a:blip r:embed="rId3"/>
           <a:stretch>
             <a:fillRect/>
           </a:stretch>
@@ -7961,7 +7900,6 @@
               <a:rPr lang="en-US" altLang="zh-CN" sz="2400" b="1" dirty="0"/>
               <a:t>How to compile and run</a:t>
             </a:r>
-            <a:endParaRPr lang="en-US" altLang="zh-CN" sz="2400" b="1" dirty="0"/>
           </a:p>
           <a:p>
             <a:pPr marL="914400" lvl="1" indent="-457200">
@@ -7972,7 +7910,6 @@
               <a:rPr lang="en-US" altLang="zh-CN" sz="2400" dirty="0"/>
               <a:t>Use “make” command to compile</a:t>
             </a:r>
-            <a:endParaRPr lang="en-US" altLang="zh-CN" sz="2400" dirty="0"/>
           </a:p>
           <a:p>
             <a:pPr marL="914400" lvl="1" indent="-457200">
@@ -7983,7 +7920,6 @@
               <a:rPr lang="en-US" altLang="zh-CN" sz="2400" dirty="0"/>
               <a:t>Use the following command to run:</a:t>
             </a:r>
-            <a:endParaRPr lang="en-US" altLang="zh-CN" sz="2400" dirty="0"/>
           </a:p>
           <a:p>
             <a:pPr lvl="1"/>
@@ -8023,7 +7959,6 @@
               <a:rPr lang="en-US" altLang="zh-CN" sz="2400" dirty="0"/>
               <a:t>&gt;</a:t>
             </a:r>
-            <a:endParaRPr lang="en-US" altLang="zh-CN" sz="2400" dirty="0"/>
           </a:p>
           <a:p>
             <a:pPr lvl="1"/>
@@ -8031,7 +7966,6 @@
               <a:rPr lang="en-US" altLang="zh-CN" sz="2400" dirty="0"/>
               <a:t>     For example, if we want to run testcase1</a:t>
             </a:r>
-            <a:endParaRPr lang="en-US" altLang="zh-CN" sz="2400" dirty="0"/>
           </a:p>
           <a:p>
             <a:pPr lvl="1"/>
@@ -8055,7 +7989,6 @@
               <a:rPr lang="en-US" altLang="zh-CN" sz="2400" dirty="0"/>
               <a:t> ./testcase/case1_out.txt</a:t>
             </a:r>
-            <a:endParaRPr lang="en-US" altLang="zh-CN" sz="2400" dirty="0"/>
           </a:p>
         </p:txBody>
       </p:sp>
@@ -8158,7 +8091,6 @@
               <a:rPr lang="en-US" altLang="zh-CN" dirty="0"/>
               <a:t>), there would be infinite loop</a:t>
             </a:r>
-            <a:endParaRPr lang="en-US" altLang="zh-CN" dirty="0"/>
           </a:p>
           <a:p>
             <a:r>
@@ -8185,28 +8117,24 @@
               <a:rPr lang="en-US" altLang="zh-CN" dirty="0"/>
               <a:t>’ and make its value zero to </a:t>
             </a:r>
-            <a:endParaRPr lang="en-US" altLang="zh-CN" dirty="0"/>
           </a:p>
           <a:p>
             <a:r>
               <a:rPr lang="en-US" altLang="zh-CN" dirty="0"/>
               <a:t>terminate the indefinite loop.</a:t>
             </a:r>
-            <a:endParaRPr lang="en-US" altLang="zh-CN" dirty="0"/>
           </a:p>
           <a:p>
             <a:r>
               <a:rPr lang="en-US" altLang="zh-CN" b="1" dirty="0"/>
               <a:t>How to get physical address: Firstly calculate logical address using segmentation and physical address</a:t>
             </a:r>
-            <a:endParaRPr lang="en-US" altLang="zh-CN" b="1" dirty="0"/>
           </a:p>
           <a:p>
             <a:r>
               <a:rPr lang="en-US" altLang="zh-CN" b="1" dirty="0"/>
               <a:t>Using paging</a:t>
             </a:r>
-            <a:endParaRPr lang="en-US" altLang="zh-CN" b="1" dirty="0"/>
           </a:p>
           <a:p>
             <a:endParaRPr lang="en-US" altLang="zh-CN" b="1" dirty="0"/>
@@ -8225,7 +8153,7 @@
           <p:nvPr/>
         </p:nvPicPr>
         <p:blipFill>
-          <a:blip r:embed="rId1"/>
+          <a:blip r:embed="rId3"/>
           <a:stretch>
             <a:fillRect/>
           </a:stretch>
@@ -8249,7 +8177,7 @@
           <p:nvPr/>
         </p:nvPicPr>
         <p:blipFill>
-          <a:blip r:embed="rId2"/>
+          <a:blip r:embed="rId4"/>
           <a:stretch>
             <a:fillRect/>
           </a:stretch>
@@ -8299,7 +8227,6 @@
               <a:rPr lang="en-US" altLang="zh-CN" dirty="0"/>
               <a:t>Single Process</a:t>
             </a:r>
-            <a:endParaRPr lang="en-US" altLang="zh-CN" dirty="0"/>
           </a:p>
           <a:p>
             <a:pPr algn="ctr"/>
@@ -8350,7 +8277,6 @@
               <a:rPr lang="en-US" altLang="zh-CN" sz="1600" dirty="0"/>
               <a:t>Multi Processes</a:t>
             </a:r>
-            <a:endParaRPr lang="en-US" altLang="zh-CN" sz="1600" dirty="0"/>
           </a:p>
           <a:p>
             <a:pPr algn="ctr"/>
@@ -8468,7 +8394,6 @@
               <a:rPr lang="en-US" altLang="zh-CN" sz="2000" dirty="0"/>
               <a:t>VirtualBox + Ubuntu-18.04 </a:t>
             </a:r>
-            <a:endParaRPr lang="en-US" altLang="zh-CN" sz="2000" dirty="0"/>
           </a:p>
           <a:p>
             <a:pPr marL="285750" indent="-285750">
@@ -8487,7 +8412,6 @@
               <a:rPr lang="en-US" altLang="zh-CN" sz="2000" dirty="0"/>
               <a:t> 3.4</a:t>
             </a:r>
-            <a:endParaRPr lang="en-US" altLang="zh-CN" sz="2000" dirty="0"/>
           </a:p>
           <a:p>
             <a:pPr marL="285750" indent="-285750">
@@ -8502,7 +8426,6 @@
               <a:rPr lang="en-US" altLang="zh-CN" sz="2000" dirty="0"/>
               <a:t> IA-32 Emulation Platform</a:t>
             </a:r>
-            <a:endParaRPr lang="en-US" altLang="zh-CN" sz="2000" dirty="0"/>
           </a:p>
           <a:p>
             <a:pPr marL="285750" indent="-285750">
@@ -8521,14 +8444,12 @@
               <a:rPr lang="en-US" altLang="zh-CN" sz="2000" dirty="0"/>
               <a:t> code)</a:t>
             </a:r>
-            <a:endParaRPr lang="en-US" altLang="zh-CN" sz="2000" dirty="0"/>
           </a:p>
           <a:p>
             <a:r>
               <a:rPr lang="en-US" altLang="zh-CN" sz="2000" dirty="0"/>
               <a:t>The setup instruction of the lab environment </a:t>
             </a:r>
-            <a:endParaRPr lang="en-US" altLang="zh-CN" sz="2000" dirty="0"/>
           </a:p>
           <a:p>
             <a:r>
@@ -8552,7 +8473,7 @@
           <p:nvPr/>
         </p:nvPicPr>
         <p:blipFill>
-          <a:blip r:embed="rId1"/>
+          <a:blip r:embed="rId3"/>
           <a:stretch>
             <a:fillRect/>
           </a:stretch>
@@ -8643,7 +8564,6 @@
               <a:rPr lang="en-US" altLang="zh-CN" b="1" dirty="0"/>
               <a:t> IA-32 Emulation : x86 PC emulator to run</a:t>
             </a:r>
-            <a:endParaRPr lang="en-US" altLang="zh-CN" b="1" dirty="0"/>
           </a:p>
           <a:p>
             <a:r>
@@ -8757,10 +8677,6 @@
               </a:rPr>
               <a:t> IA-32</a:t>
             </a:r>
-            <a:endParaRPr lang="en-US" altLang="zh-CN" sz="1800" dirty="0">
-              <a:latin typeface="微软雅黑" panose="020B0503020204020204" charset="-122"/>
-              <a:ea typeface="微软雅黑" panose="020B0503020204020204" charset="-122"/>
-            </a:endParaRPr>
           </a:p>
           <a:p>
             <a:r>
@@ -8777,10 +8693,6 @@
               </a:rPr>
               <a:t> and c</a:t>
             </a:r>
-            <a:endParaRPr lang="en-US" altLang="zh-CN" sz="1800" b="1" dirty="0">
-              <a:latin typeface="微软雅黑" panose="020B0503020204020204" charset="-122"/>
-              <a:ea typeface="微软雅黑" panose="020B0503020204020204" charset="-122"/>
-            </a:endParaRPr>
           </a:p>
           <a:p>
             <a:pPr marL="0" indent="0">
@@ -8814,10 +8726,6 @@
               </a:rPr>
               <a:t>.</a:t>
             </a:r>
-            <a:endParaRPr lang="en-US" altLang="zh-CN" sz="1800" dirty="0">
-              <a:latin typeface="微软雅黑" panose="020B0503020204020204" charset="-122"/>
-              <a:ea typeface="微软雅黑" panose="020B0503020204020204" charset="-122"/>
-            </a:endParaRPr>
           </a:p>
           <a:p>
             <a:r>
@@ -8850,10 +8758,6 @@
               </a:rPr>
               <a:t> is the command used for seeing the status of the segment registers.  It is used for finding the base address and the size of the segment.</a:t>
             </a:r>
-            <a:endParaRPr lang="en-US" altLang="zh-CN" sz="1800" dirty="0">
-              <a:latin typeface="微软雅黑" panose="020B0503020204020204" charset="-122"/>
-              <a:ea typeface="微软雅黑" panose="020B0503020204020204" charset="-122"/>
-            </a:endParaRPr>
           </a:p>
           <a:p>
             <a:r>
@@ -8886,10 +8790,6 @@
               </a:rPr>
               <a:t> is the command used for seeing the status of the control registers, like cr0-cr3. cr3 stores the starting address of the page directory.</a:t>
             </a:r>
-            <a:endParaRPr lang="en-US" altLang="zh-CN" sz="1800" dirty="0">
-              <a:latin typeface="微软雅黑" panose="020B0503020204020204" charset="-122"/>
-              <a:ea typeface="微软雅黑" panose="020B0503020204020204" charset="-122"/>
-            </a:endParaRPr>
           </a:p>
           <a:p>
             <a:r>
@@ -8922,10 +8822,6 @@
               </a:rPr>
               <a:t> is command used for seeing the contents in the memory cells with the given physical address.</a:t>
             </a:r>
-            <a:endParaRPr lang="en-US" altLang="zh-CN" sz="1800" dirty="0">
-              <a:latin typeface="微软雅黑" panose="020B0503020204020204" charset="-122"/>
-              <a:ea typeface="微软雅黑" panose="020B0503020204020204" charset="-122"/>
-            </a:endParaRPr>
           </a:p>
           <a:p>
             <a:r>
@@ -8958,10 +8854,6 @@
               </a:rPr>
               <a:t> is command used for setting the corresponding memory cell with the given number.</a:t>
             </a:r>
-            <a:endParaRPr lang="en-US" altLang="zh-CN" sz="1800" dirty="0">
-              <a:latin typeface="微软雅黑" panose="020B0503020204020204" charset="-122"/>
-              <a:ea typeface="微软雅黑" panose="020B0503020204020204" charset="-122"/>
-            </a:endParaRPr>
           </a:p>
           <a:p>
             <a:pPr marL="0" indent="0">
@@ -9107,7 +8999,6 @@
               <a:rPr lang="en-US" altLang="zh-CN" dirty="0"/>
               <a:t> using</a:t>
             </a:r>
-            <a:endParaRPr lang="en-US" altLang="zh-CN" dirty="0"/>
           </a:p>
           <a:p>
             <a:pPr marL="0" indent="0">
@@ -9117,7 +9008,6 @@
               <a:rPr lang="en-US" altLang="zh-CN" dirty="0"/>
               <a:t>address translation)</a:t>
             </a:r>
-            <a:endParaRPr lang="en-US" altLang="zh-CN" dirty="0"/>
           </a:p>
           <a:p>
             <a:pPr marL="0" indent="0">
@@ -9127,7 +9017,6 @@
               <a:rPr lang="en-US" altLang="zh-CN" dirty="0"/>
               <a:t>Zoom link: https://cuhk.zoom.us/rec/share/YiSXwJu47YbBeE5K7aqwNRm0SzZ1RCo7oPHwwgY297Icq9GWOfUFxGMHNywxIhUh.ymrIjNPCrpbr8aYm?startTime=1679493977000</a:t>
             </a:r>
-            <a:endParaRPr lang="en-US" altLang="zh-CN" dirty="0"/>
           </a:p>
           <a:p>
             <a:pPr marL="0" indent="0">
@@ -9137,7 +9026,6 @@
               <a:rPr lang="en-US" altLang="zh-CN" dirty="0"/>
               <a:t>Password: NECKA2c?</a:t>
             </a:r>
-            <a:endParaRPr lang="en-US" altLang="zh-CN" dirty="0"/>
           </a:p>
         </p:txBody>
       </p:sp>
@@ -9228,10 +9116,6 @@
               </a:rPr>
               <a:t>There would be two parts in Assignment 3.</a:t>
             </a:r>
-            <a:endParaRPr lang="en-US" altLang="zh-CN" sz="2400" dirty="0">
-              <a:latin typeface="微软雅黑" panose="020B0503020204020204" charset="-122"/>
-              <a:ea typeface="微软雅黑" panose="020B0503020204020204" charset="-122"/>
-            </a:endParaRPr>
           </a:p>
           <a:p>
             <a:pPr marL="0" indent="0">
@@ -9267,10 +9151,6 @@
               </a:rPr>
               <a:t> Part (100 marks)</a:t>
             </a:r>
-            <a:endParaRPr lang="en-US" altLang="zh-CN" sz="2400" dirty="0">
-              <a:latin typeface="微软雅黑" panose="020B0503020204020204" charset="-122"/>
-              <a:ea typeface="微软雅黑" panose="020B0503020204020204" charset="-122"/>
-            </a:endParaRPr>
           </a:p>
           <a:p>
             <a:pPr marL="0" indent="0">
@@ -9283,10 +9163,6 @@
               </a:rPr>
               <a:t>You are required to complete this part.</a:t>
             </a:r>
-            <a:endParaRPr lang="en-US" altLang="zh-CN" sz="2400" b="1" dirty="0">
-              <a:latin typeface="微软雅黑" panose="020B0503020204020204" charset="-122"/>
-              <a:ea typeface="微软雅黑" panose="020B0503020204020204" charset="-122"/>
-            </a:endParaRPr>
           </a:p>
           <a:p>
             <a:pPr marL="0" indent="0">
@@ -9299,10 +9175,6 @@
               </a:rPr>
               <a:t>A written problem (Problem 1) and a programming problem (Problem 2)</a:t>
             </a:r>
-            <a:endParaRPr lang="en-US" altLang="zh-CN" sz="2400" dirty="0">
-              <a:latin typeface="微软雅黑" panose="020B0503020204020204" charset="-122"/>
-              <a:ea typeface="微软雅黑" panose="020B0503020204020204" charset="-122"/>
-            </a:endParaRPr>
           </a:p>
           <a:p>
             <a:pPr marL="0" indent="0">
@@ -9325,11 +9197,6 @@
               </a:rPr>
               <a:t>Part 2 Bonus Part (20 marks)</a:t>
             </a:r>
-            <a:endParaRPr lang="en-US" altLang="zh-CN" sz="2400" dirty="0">
-              <a:latin typeface="微软雅黑" panose="020B0503020204020204" charset="-122"/>
-              <a:ea typeface="微软雅黑" panose="020B0503020204020204" charset="-122"/>
-              <a:sym typeface="+mn-ea"/>
-            </a:endParaRPr>
           </a:p>
           <a:p>
             <a:pPr marL="0" indent="0">
@@ -9342,10 +9209,6 @@
               </a:rPr>
               <a:t>We would consider the marks added in your final grade of the course if you do it.</a:t>
             </a:r>
-            <a:endParaRPr lang="en-US" altLang="zh-CN" sz="2400" b="1" dirty="0">
-              <a:latin typeface="微软雅黑" panose="020B0503020204020204" charset="-122"/>
-              <a:ea typeface="微软雅黑" panose="020B0503020204020204" charset="-122"/>
-            </a:endParaRPr>
           </a:p>
           <a:p>
             <a:pPr marL="0" indent="0">
@@ -9358,10 +9221,6 @@
               </a:rPr>
               <a:t>A case study problem</a:t>
             </a:r>
-            <a:endParaRPr lang="en-US" altLang="zh-CN" sz="2400" dirty="0">
-              <a:latin typeface="微软雅黑" panose="020B0503020204020204" charset="-122"/>
-              <a:ea typeface="微软雅黑" panose="020B0503020204020204" charset="-122"/>
-            </a:endParaRPr>
           </a:p>
           <a:p>
             <a:pPr marL="0" indent="0">
@@ -9381,7 +9240,7 @@
                 <a:latin typeface="微软雅黑" panose="020B0503020204020204" charset="-122"/>
                 <a:ea typeface="微软雅黑" panose="020B0503020204020204" charset="-122"/>
               </a:rPr>
-              <a:t>DDL: 00:00:00 am, Apr 17</a:t>
+              <a:t>DDL: 18:00:00 pm, Apr 17</a:t>
             </a:r>
             <a:r>
               <a:rPr lang="en-US" altLang="zh-CN" sz="2400" b="1" baseline="30000" dirty="0">
@@ -9397,10 +9256,6 @@
               </a:rPr>
               <a:t> (Mon)</a:t>
             </a:r>
-            <a:endParaRPr lang="en-US" altLang="zh-CN" sz="2400" b="1" dirty="0">
-              <a:latin typeface="微软雅黑" panose="020B0503020204020204" charset="-122"/>
-              <a:ea typeface="微软雅黑" panose="020B0503020204020204" charset="-122"/>
-            </a:endParaRPr>
           </a:p>
           <a:p>
             <a:pPr marL="0" indent="0">
@@ -9533,10 +9388,6 @@
               </a:rPr>
               <a:t>Hints about Problem 1</a:t>
             </a:r>
-            <a:endParaRPr lang="en-US" altLang="zh-CN" b="1">
-              <a:latin typeface="微软雅黑" panose="020B0503020204020204" charset="-122"/>
-              <a:ea typeface="微软雅黑" panose="020B0503020204020204" charset="-122"/>
-            </a:endParaRPr>
           </a:p>
         </p:txBody>
       </p:sp>
@@ -9592,10 +9443,6 @@
               </a:rPr>
               <a:t>You need to review the segmentation and multi-level paging</a:t>
             </a:r>
-            <a:endParaRPr lang="en-US" altLang="zh-CN" sz="2400" b="1" dirty="0">
-              <a:latin typeface="微软雅黑" panose="020B0503020204020204" charset="-122"/>
-              <a:ea typeface="微软雅黑" panose="020B0503020204020204" charset="-122"/>
-            </a:endParaRPr>
           </a:p>
           <a:p>
             <a:pPr marL="457200" lvl="1" indent="0">
@@ -9622,10 +9469,6 @@
               </a:rPr>
               <a:t> word addressing</a:t>
             </a:r>
-            <a:endParaRPr lang="en-US" altLang="zh-CN" sz="2400" b="1" dirty="0">
-              <a:latin typeface="微软雅黑" panose="020B0503020204020204" charset="-122"/>
-              <a:ea typeface="微软雅黑" panose="020B0503020204020204" charset="-122"/>
-            </a:endParaRPr>
           </a:p>
           <a:p>
             <a:pPr lvl="1"/>
@@ -9643,10 +9486,6 @@
               </a:rPr>
               <a:t>the unit of data used by a particular processor design</a:t>
             </a:r>
-            <a:endParaRPr lang="en-US" altLang="zh-CN" sz="2400" dirty="0">
-              <a:latin typeface="微软雅黑" panose="020B0503020204020204" charset="-122"/>
-              <a:ea typeface="微软雅黑" panose="020B0503020204020204" charset="-122"/>
-            </a:endParaRPr>
           </a:p>
           <a:p>
             <a:pPr lvl="2"/>
@@ -9657,10 +9496,6 @@
               </a:rPr>
               <a:t>word length = the width of the data bus</a:t>
             </a:r>
-            <a:endParaRPr lang="en-US" altLang="zh-CN" sz="2400" dirty="0">
-              <a:latin typeface="微软雅黑" panose="020B0503020204020204" charset="-122"/>
-              <a:ea typeface="微软雅黑" panose="020B0503020204020204" charset="-122"/>
-            </a:endParaRPr>
           </a:p>
           <a:p>
             <a:pPr lvl="2"/>
@@ -9671,10 +9506,6 @@
               </a:rPr>
               <a:t>32-bit machine, the word length is 32 bit (4 bytes, 1 byte = 8 bit)</a:t>
             </a:r>
-            <a:endParaRPr lang="en-US" altLang="zh-CN" sz="2400" dirty="0">
-              <a:latin typeface="微软雅黑" panose="020B0503020204020204" charset="-122"/>
-              <a:ea typeface="微软雅黑" panose="020B0503020204020204" charset="-122"/>
-            </a:endParaRPr>
           </a:p>
           <a:p>
             <a:pPr lvl="1"/>
@@ -9692,10 +9523,6 @@
               </a:rPr>
               <a:t> The bits of a data could be stored in a physical address</a:t>
             </a:r>
-            <a:endParaRPr lang="en-US" altLang="zh-CN" sz="2400" dirty="0">
-              <a:latin typeface="微软雅黑" panose="020B0503020204020204" charset="-122"/>
-              <a:ea typeface="微软雅黑" panose="020B0503020204020204" charset="-122"/>
-            </a:endParaRPr>
           </a:p>
           <a:p>
             <a:pPr lvl="2"/>
@@ -9706,10 +9533,6 @@
               </a:rPr>
               <a:t>The capacity of memory with one physical address is usually the times of bytes</a:t>
             </a:r>
-            <a:endParaRPr lang="en-US" altLang="zh-CN" sz="2400" dirty="0">
-              <a:latin typeface="微软雅黑" panose="020B0503020204020204" charset="-122"/>
-              <a:ea typeface="微软雅黑" panose="020B0503020204020204" charset="-122"/>
-            </a:endParaRPr>
           </a:p>
           <a:p>
             <a:pPr lvl="2"/>
@@ -9727,10 +9550,6 @@
               </a:rPr>
               <a:t> and byte addressing</a:t>
             </a:r>
-            <a:endParaRPr lang="en-US" altLang="zh-CN" sz="2400" dirty="0">
-              <a:latin typeface="微软雅黑" panose="020B0503020204020204" charset="-122"/>
-              <a:ea typeface="微软雅黑" panose="020B0503020204020204" charset="-122"/>
-            </a:endParaRPr>
           </a:p>
           <a:p>
             <a:pPr lvl="1"/>
@@ -9840,10 +9659,6 @@
               </a:rPr>
               <a:t>Word Addressing v.s. Byte Addressing</a:t>
             </a:r>
-            <a:endParaRPr lang="en-US" altLang="zh-CN">
-              <a:latin typeface="微软雅黑" panose="020B0503020204020204" charset="-122"/>
-              <a:ea typeface="微软雅黑" panose="020B0503020204020204" charset="-122"/>
-            </a:endParaRPr>
           </a:p>
         </p:txBody>
       </p:sp>
@@ -9856,7 +9671,7 @@
           <p:nvPr/>
         </p:nvPicPr>
         <p:blipFill>
-          <a:blip r:embed="rId1"/>
+          <a:blip r:embed="rId2"/>
           <a:stretch>
             <a:fillRect/>
           </a:stretch>
@@ -9910,7 +9725,7 @@
           <p:nvPr/>
         </p:nvPicPr>
         <p:blipFill>
-          <a:blip r:embed="rId2"/>
+          <a:blip r:embed="rId3"/>
           <a:stretch>
             <a:fillRect/>
           </a:stretch>
@@ -10156,7 +9971,6 @@
               <a:rPr lang="en-US" altLang="zh-CN" sz="2400"/>
               <a:t>Multi-level Page Table</a:t>
             </a:r>
-            <a:endParaRPr lang="en-US" altLang="zh-CN" sz="2400"/>
           </a:p>
         </p:txBody>
       </p:sp>
@@ -10173,7 +9987,7 @@
           </p:nvPr>
         </p:nvPicPr>
         <p:blipFill>
-          <a:blip r:embed="rId2"/>
+          <a:blip r:embed="rId3"/>
           <a:stretch>
             <a:fillRect/>
           </a:stretch>
@@ -10287,7 +10101,7 @@
           </p:nvPr>
         </p:nvPicPr>
         <p:blipFill>
-          <a:blip r:embed="rId3"/>
+          <a:blip r:embed="rId7"/>
           <a:stretch>
             <a:fillRect/>
           </a:stretch>
@@ -10308,7 +10122,7 @@
           <p:cNvSpPr txBox="1"/>
           <p:nvPr>
             <p:custDataLst>
-              <p:tags r:id="rId4"/>
+              <p:tags r:id="rId3"/>
             </p:custDataLst>
           </p:nvPr>
         </p:nvSpPr>
@@ -10350,7 +10164,7 @@
           <p:cNvSpPr txBox="1"/>
           <p:nvPr>
             <p:custDataLst>
-              <p:tags r:id="rId5"/>
+              <p:tags r:id="rId4"/>
             </p:custDataLst>
           </p:nvPr>
         </p:nvSpPr>
@@ -10392,7 +10206,7 @@
           <p:cNvSpPr txBox="1"/>
           <p:nvPr>
             <p:custDataLst>
-              <p:tags r:id="rId6"/>
+              <p:tags r:id="rId5"/>
             </p:custDataLst>
           </p:nvPr>
         </p:nvSpPr>
@@ -10521,10 +10335,6 @@
               </a:rPr>
               <a:t>FIFO and LRU policies</a:t>
             </a:r>
-            <a:endParaRPr lang="en-US" altLang="zh-CN" sz="2400" b="1" dirty="0">
-              <a:latin typeface="微软雅黑" panose="020B0503020204020204" charset="-122"/>
-              <a:ea typeface="微软雅黑" panose="020B0503020204020204" charset="-122"/>
-            </a:endParaRPr>
           </a:p>
           <a:p>
             <a:pPr lvl="1" fontAlgn="auto">
@@ -10557,10 +10367,6 @@
               </a:rPr>
               <a:t>Requirements:</a:t>
             </a:r>
-            <a:endParaRPr lang="en-US" altLang="zh-CN" sz="2400" b="1" dirty="0">
-              <a:latin typeface="微软雅黑" panose="020B0503020204020204" charset="-122"/>
-              <a:ea typeface="微软雅黑" panose="020B0503020204020204" charset="-122"/>
-            </a:endParaRPr>
           </a:p>
           <a:p>
             <a:pPr lvl="1" fontAlgn="auto">
@@ -10607,10 +10413,6 @@
               </a:rPr>
               <a:t>Extra Array to record the order or the recency of the elements in cache is</a:t>
             </a:r>
-            <a:endParaRPr lang="en-US" altLang="zh-CN" sz="2055" b="1" dirty="0">
-              <a:latin typeface="微软雅黑" panose="020B0503020204020204" charset="-122"/>
-              <a:ea typeface="微软雅黑" panose="020B0503020204020204" charset="-122"/>
-            </a:endParaRPr>
           </a:p>
           <a:p>
             <a:pPr marL="457200" lvl="1" indent="0" fontAlgn="auto">
@@ -10626,10 +10428,6 @@
               </a:rPr>
               <a:t>not allowed</a:t>
             </a:r>
-            <a:endParaRPr lang="en-US" altLang="zh-CN" sz="2055" b="1" dirty="0">
-              <a:latin typeface="微软雅黑" panose="020B0503020204020204" charset="-122"/>
-              <a:ea typeface="微软雅黑" panose="020B0503020204020204" charset="-122"/>
-            </a:endParaRPr>
           </a:p>
           <a:p>
             <a:pPr lvl="1" fontAlgn="auto">
@@ -10673,10 +10471,6 @@
               </a:rPr>
               <a:t>should be reported at the end.</a:t>
             </a:r>
-            <a:endParaRPr lang="en-US" altLang="zh-CN" sz="2055" dirty="0">
-              <a:latin typeface="微软雅黑" panose="020B0503020204020204" charset="-122"/>
-              <a:ea typeface="微软雅黑" panose="020B0503020204020204" charset="-122"/>
-            </a:endParaRPr>
           </a:p>
           <a:p>
             <a:pPr lvl="0" fontAlgn="auto">
@@ -10705,10 +10499,6 @@
               </a:rPr>
               <a:t>for you to implement</a:t>
             </a:r>
-            <a:endParaRPr lang="en-US" altLang="zh-CN" sz="2395" dirty="0">
-              <a:latin typeface="微软雅黑" panose="020B0503020204020204" charset="-122"/>
-              <a:ea typeface="微软雅黑" panose="020B0503020204020204" charset="-122"/>
-            </a:endParaRPr>
           </a:p>
           <a:p>
             <a:pPr lvl="1" fontAlgn="auto">
@@ -10723,10 +10513,6 @@
               </a:rPr>
               <a:t>It is better to use it.</a:t>
             </a:r>
-            <a:endParaRPr lang="en-US" altLang="zh-CN" sz="2050" dirty="0">
-              <a:latin typeface="微软雅黑" panose="020B0503020204020204" charset="-122"/>
-              <a:ea typeface="微软雅黑" panose="020B0503020204020204" charset="-122"/>
-            </a:endParaRPr>
           </a:p>
           <a:p>
             <a:pPr lvl="1" fontAlgn="auto">
@@ -10755,10 +10541,6 @@
               </a:rPr>
               <a:t>. Besides, you should add a Readme file for me how to compile and run your file.</a:t>
             </a:r>
-            <a:endParaRPr lang="en-US" altLang="zh-CN" sz="2050" dirty="0">
-              <a:latin typeface="微软雅黑" panose="020B0503020204020204" charset="-122"/>
-              <a:ea typeface="微软雅黑" panose="020B0503020204020204" charset="-122"/>
-            </a:endParaRPr>
           </a:p>
           <a:p>
             <a:pPr lvl="1" fontAlgn="auto">
@@ -10859,10 +10641,6 @@
               </a:rPr>
               <a:t>Brief Review about FIFO and LRU algorithm</a:t>
             </a:r>
-            <a:endParaRPr lang="en-US" altLang="zh-CN" sz="2400">
-              <a:latin typeface="微软雅黑" panose="020B0503020204020204" charset="-122"/>
-              <a:ea typeface="微软雅黑" panose="020B0503020204020204" charset="-122"/>
-            </a:endParaRPr>
           </a:p>
           <a:p>
             <a:pPr marL="0" indent="0">
@@ -10875,10 +10653,6 @@
               </a:rPr>
               <a:t>Reference Row: 1 2 3 1 4 1 3 </a:t>
             </a:r>
-            <a:endParaRPr lang="en-US" altLang="zh-CN" sz="2400">
-              <a:latin typeface="微软雅黑" panose="020B0503020204020204" charset="-122"/>
-              <a:ea typeface="微软雅黑" panose="020B0503020204020204" charset="-122"/>
-            </a:endParaRPr>
           </a:p>
         </p:txBody>
       </p:sp>
@@ -10903,13 +10677,55 @@
                 <a:tableStyleId>{5C22544A-7EE6-4342-B048-85BDC9FD1C3A}</a:tableStyleId>
               </a:tblPr>
               <a:tblGrid>
-                <a:gridCol w="1218565"/>
-                <a:gridCol w="1218565"/>
-                <a:gridCol w="1218565"/>
-                <a:gridCol w="1218565"/>
-                <a:gridCol w="1218565"/>
-                <a:gridCol w="1218565"/>
-                <a:gridCol w="1218565"/>
+                <a:gridCol w="1218565">
+                  <a:extLst>
+                    <a:ext uri="{9D8B030D-6E8A-4147-A177-3AD203B41FA5}">
+                      <a16:colId xmlns:a16="http://schemas.microsoft.com/office/drawing/2014/main" val="20000"/>
+                    </a:ext>
+                  </a:extLst>
+                </a:gridCol>
+                <a:gridCol w="1218565">
+                  <a:extLst>
+                    <a:ext uri="{9D8B030D-6E8A-4147-A177-3AD203B41FA5}">
+                      <a16:colId xmlns:a16="http://schemas.microsoft.com/office/drawing/2014/main" val="20001"/>
+                    </a:ext>
+                  </a:extLst>
+                </a:gridCol>
+                <a:gridCol w="1218565">
+                  <a:extLst>
+                    <a:ext uri="{9D8B030D-6E8A-4147-A177-3AD203B41FA5}">
+                      <a16:colId xmlns:a16="http://schemas.microsoft.com/office/drawing/2014/main" val="20002"/>
+                    </a:ext>
+                  </a:extLst>
+                </a:gridCol>
+                <a:gridCol w="1218565">
+                  <a:extLst>
+                    <a:ext uri="{9D8B030D-6E8A-4147-A177-3AD203B41FA5}">
+                      <a16:colId xmlns:a16="http://schemas.microsoft.com/office/drawing/2014/main" val="20003"/>
+                    </a:ext>
+                  </a:extLst>
+                </a:gridCol>
+                <a:gridCol w="1218565">
+                  <a:extLst>
+                    <a:ext uri="{9D8B030D-6E8A-4147-A177-3AD203B41FA5}">
+                      <a16:colId xmlns:a16="http://schemas.microsoft.com/office/drawing/2014/main" val="20004"/>
+                    </a:ext>
+                  </a:extLst>
+                </a:gridCol>
+                <a:gridCol w="1218565">
+                  <a:extLst>
+                    <a:ext uri="{9D8B030D-6E8A-4147-A177-3AD203B41FA5}">
+                      <a16:colId xmlns:a16="http://schemas.microsoft.com/office/drawing/2014/main" val="20005"/>
+                    </a:ext>
+                  </a:extLst>
+                </a:gridCol>
+                <a:gridCol w="1218565">
+                  <a:extLst>
+                    <a:ext uri="{9D8B030D-6E8A-4147-A177-3AD203B41FA5}">
+                      <a16:colId xmlns:a16="http://schemas.microsoft.com/office/drawing/2014/main" val="20006"/>
+                    </a:ext>
+                  </a:extLst>
+                </a:gridCol>
               </a:tblGrid>
               <a:tr h="365760">
                 <a:tc>
@@ -10928,11 +10744,6 @@
                         </a:rPr>
                         <a:t>1</a:t>
                       </a:r>
-                      <a:endParaRPr lang="en-US" altLang="zh-CN" b="1">
-                        <a:solidFill>
-                          <a:schemeClr val="tx1"/>
-                        </a:solidFill>
-                      </a:endParaRPr>
                     </a:p>
                   </a:txBody>
                   <a:tcPr>
@@ -10981,11 +10792,6 @@
                         </a:rPr>
                         <a:t>1</a:t>
                       </a:r>
-                      <a:endParaRPr lang="en-US" altLang="zh-CN" b="1">
-                        <a:solidFill>
-                          <a:schemeClr val="tx1"/>
-                        </a:solidFill>
-                      </a:endParaRPr>
                     </a:p>
                   </a:txBody>
                   <a:tcPr>
@@ -11034,11 +10840,6 @@
                         </a:rPr>
                         <a:t>1</a:t>
                       </a:r>
-                      <a:endParaRPr lang="en-US" altLang="zh-CN" b="1">
-                        <a:solidFill>
-                          <a:schemeClr val="tx1"/>
-                        </a:solidFill>
-                      </a:endParaRPr>
                     </a:p>
                   </a:txBody>
                   <a:tcPr>
@@ -11087,11 +10888,6 @@
                         </a:rPr>
                         <a:t>1</a:t>
                       </a:r>
-                      <a:endParaRPr lang="en-US" altLang="zh-CN" b="1">
-                        <a:solidFill>
-                          <a:schemeClr val="tx1"/>
-                        </a:solidFill>
-                      </a:endParaRPr>
                     </a:p>
                   </a:txBody>
                   <a:tcPr>
@@ -11138,11 +10934,6 @@
                         </a:rPr>
                         <a:t>2</a:t>
                       </a:r>
-                      <a:endParaRPr lang="en-US" altLang="zh-CN" b="1">
-                        <a:solidFill>
-                          <a:schemeClr val="tx1"/>
-                        </a:solidFill>
-                      </a:endParaRPr>
                     </a:p>
                   </a:txBody>
                   <a:tcPr>
@@ -11191,11 +10982,6 @@
                         </a:rPr>
                         <a:t>3</a:t>
                       </a:r>
-                      <a:endParaRPr lang="en-US" altLang="zh-CN" b="1">
-                        <a:solidFill>
-                          <a:schemeClr val="tx1"/>
-                        </a:solidFill>
-                      </a:endParaRPr>
                     </a:p>
                   </a:txBody>
                   <a:tcPr>
@@ -11244,11 +11030,6 @@
                         </a:rPr>
                         <a:t>3</a:t>
                       </a:r>
-                      <a:endParaRPr lang="en-US" altLang="zh-CN" b="1">
-                        <a:solidFill>
-                          <a:schemeClr val="tx1"/>
-                        </a:solidFill>
-                      </a:endParaRPr>
                     </a:p>
                   </a:txBody>
                   <a:tcPr>
@@ -11279,6 +11060,11 @@
                     <a:noFill/>
                   </a:tcPr>
                 </a:tc>
+                <a:extLst>
+                  <a:ext uri="{0D108BD9-81ED-4DB2-BD59-A6C34878D82A}">
+                    <a16:rowId xmlns:a16="http://schemas.microsoft.com/office/drawing/2014/main" val="10000"/>
+                  </a:ext>
+                </a:extLst>
               </a:tr>
               <a:tr h="381000">
                 <a:tc>
@@ -11342,11 +11128,6 @@
                         </a:rPr>
                         <a:t>2</a:t>
                       </a:r>
-                      <a:endParaRPr lang="en-US" altLang="zh-CN" b="1">
-                        <a:solidFill>
-                          <a:schemeClr val="tx1"/>
-                        </a:solidFill>
-                      </a:endParaRPr>
                     </a:p>
                   </a:txBody>
                   <a:tcPr>
@@ -11395,11 +11176,6 @@
                         </a:rPr>
                         <a:t>2</a:t>
                       </a:r>
-                      <a:endParaRPr lang="en-US" altLang="zh-CN" b="1">
-                        <a:solidFill>
-                          <a:schemeClr val="tx1"/>
-                        </a:solidFill>
-                      </a:endParaRPr>
                     </a:p>
                   </a:txBody>
                   <a:tcPr>
@@ -11448,11 +11224,6 @@
                         </a:rPr>
                         <a:t>2</a:t>
                       </a:r>
-                      <a:endParaRPr lang="en-US" altLang="zh-CN" b="1">
-                        <a:solidFill>
-                          <a:schemeClr val="tx1"/>
-                        </a:solidFill>
-                      </a:endParaRPr>
                     </a:p>
                   </a:txBody>
                   <a:tcPr>
@@ -11499,11 +11270,6 @@
                         </a:rPr>
                         <a:t>3</a:t>
                       </a:r>
-                      <a:endParaRPr lang="en-US" altLang="zh-CN" b="1">
-                        <a:solidFill>
-                          <a:schemeClr val="tx1"/>
-                        </a:solidFill>
-                      </a:endParaRPr>
                     </a:p>
                   </a:txBody>
                   <a:tcPr>
@@ -11552,11 +11318,6 @@
                         </a:rPr>
                         <a:t>4</a:t>
                       </a:r>
-                      <a:endParaRPr lang="en-US" altLang="zh-CN" b="1">
-                        <a:solidFill>
-                          <a:schemeClr val="tx1"/>
-                        </a:solidFill>
-                      </a:endParaRPr>
                     </a:p>
                   </a:txBody>
                   <a:tcPr>
@@ -11605,11 +11366,6 @@
                         </a:rPr>
                         <a:t>4</a:t>
                       </a:r>
-                      <a:endParaRPr lang="en-US" altLang="zh-CN" b="1">
-                        <a:solidFill>
-                          <a:schemeClr val="tx1"/>
-                        </a:solidFill>
-                      </a:endParaRPr>
                     </a:p>
                   </a:txBody>
                   <a:tcPr>
@@ -11640,6 +11396,11 @@
                     <a:noFill/>
                   </a:tcPr>
                 </a:tc>
+                <a:extLst>
+                  <a:ext uri="{0D108BD9-81ED-4DB2-BD59-A6C34878D82A}">
+                    <a16:rowId xmlns:a16="http://schemas.microsoft.com/office/drawing/2014/main" val="10001"/>
+                  </a:ext>
+                </a:extLst>
               </a:tr>
               <a:tr h="381000">
                 <a:tc>
@@ -11748,11 +11509,6 @@
                         </a:rPr>
                         <a:t>3</a:t>
                       </a:r>
-                      <a:endParaRPr lang="en-US" altLang="zh-CN" b="1">
-                        <a:solidFill>
-                          <a:schemeClr val="tx1"/>
-                        </a:solidFill>
-                      </a:endParaRPr>
                     </a:p>
                   </a:txBody>
                   <a:tcPr>
@@ -11801,11 +11557,6 @@
                         </a:rPr>
                         <a:t>3</a:t>
                       </a:r>
-                      <a:endParaRPr lang="en-US" altLang="zh-CN" b="1">
-                        <a:solidFill>
-                          <a:schemeClr val="tx1"/>
-                        </a:solidFill>
-                      </a:endParaRPr>
                     </a:p>
                   </a:txBody>
                   <a:tcPr>
@@ -11852,11 +11603,6 @@
                         </a:rPr>
                         <a:t>4</a:t>
                       </a:r>
-                      <a:endParaRPr lang="en-US" altLang="zh-CN" b="1">
-                        <a:solidFill>
-                          <a:schemeClr val="tx1"/>
-                        </a:solidFill>
-                      </a:endParaRPr>
                     </a:p>
                   </a:txBody>
                   <a:tcPr>
@@ -11905,11 +11651,6 @@
                         </a:rPr>
                         <a:t>1</a:t>
                       </a:r>
-                      <a:endParaRPr lang="en-US" altLang="zh-CN" b="1">
-                        <a:solidFill>
-                          <a:schemeClr val="tx1"/>
-                        </a:solidFill>
-                      </a:endParaRPr>
                     </a:p>
                   </a:txBody>
                   <a:tcPr>
@@ -11958,11 +11699,6 @@
                         </a:rPr>
                         <a:t>1</a:t>
                       </a:r>
-                      <a:endParaRPr lang="en-US" altLang="zh-CN" b="1">
-                        <a:solidFill>
-                          <a:schemeClr val="tx1"/>
-                        </a:solidFill>
-                      </a:endParaRPr>
                     </a:p>
                   </a:txBody>
                   <a:tcPr>
@@ -11993,6 +11729,11 @@
                     <a:noFill/>
                   </a:tcPr>
                 </a:tc>
+                <a:extLst>
+                  <a:ext uri="{0D108BD9-81ED-4DB2-BD59-A6C34878D82A}">
+                    <a16:rowId xmlns:a16="http://schemas.microsoft.com/office/drawing/2014/main" val="10002"/>
+                  </a:ext>
+                </a:extLst>
               </a:tr>
             </a:tbl>
           </a:graphicData>
@@ -12027,10 +11768,6 @@
               </a:rPr>
               <a:t>FIFO (First-in First-come)</a:t>
             </a:r>
-            <a:endParaRPr lang="en-US" altLang="zh-CN">
-              <a:latin typeface="微软雅黑" panose="020B0503020204020204" charset="-122"/>
-              <a:ea typeface="微软雅黑" panose="020B0503020204020204" charset="-122"/>
-            </a:endParaRPr>
           </a:p>
         </p:txBody>
       </p:sp>
@@ -12067,10 +11804,6 @@
               </a:rPr>
               <a:t>LRU (Least Recently Used)</a:t>
             </a:r>
-            <a:endParaRPr lang="en-US" altLang="zh-CN">
-              <a:latin typeface="微软雅黑" panose="020B0503020204020204" charset="-122"/>
-              <a:ea typeface="微软雅黑" panose="020B0503020204020204" charset="-122"/>
-            </a:endParaRPr>
           </a:p>
         </p:txBody>
       </p:sp>
@@ -12103,10 +11836,6 @@
               </a:rPr>
               <a:t>Page Fault (Missing) Times: 5</a:t>
             </a:r>
-            <a:endParaRPr lang="en-US" altLang="zh-CN">
-              <a:latin typeface="微软雅黑" panose="020B0503020204020204" charset="-122"/>
-              <a:ea typeface="微软雅黑" panose="020B0503020204020204" charset="-122"/>
-            </a:endParaRPr>
           </a:p>
         </p:txBody>
       </p:sp>
@@ -12131,13 +11860,55 @@
                 <a:tableStyleId>{5C22544A-7EE6-4342-B048-85BDC9FD1C3A}</a:tableStyleId>
               </a:tblPr>
               <a:tblGrid>
-                <a:gridCol w="1218565"/>
-                <a:gridCol w="1218565"/>
-                <a:gridCol w="1218565"/>
-                <a:gridCol w="1218565"/>
-                <a:gridCol w="1218565"/>
-                <a:gridCol w="1218565"/>
-                <a:gridCol w="1218565"/>
+                <a:gridCol w="1218565">
+                  <a:extLst>
+                    <a:ext uri="{9D8B030D-6E8A-4147-A177-3AD203B41FA5}">
+                      <a16:colId xmlns:a16="http://schemas.microsoft.com/office/drawing/2014/main" val="20000"/>
+                    </a:ext>
+                  </a:extLst>
+                </a:gridCol>
+                <a:gridCol w="1218565">
+                  <a:extLst>
+                    <a:ext uri="{9D8B030D-6E8A-4147-A177-3AD203B41FA5}">
+                      <a16:colId xmlns:a16="http://schemas.microsoft.com/office/drawing/2014/main" val="20001"/>
+                    </a:ext>
+                  </a:extLst>
+                </a:gridCol>
+                <a:gridCol w="1218565">
+                  <a:extLst>
+                    <a:ext uri="{9D8B030D-6E8A-4147-A177-3AD203B41FA5}">
+                      <a16:colId xmlns:a16="http://schemas.microsoft.com/office/drawing/2014/main" val="20002"/>
+                    </a:ext>
+                  </a:extLst>
+                </a:gridCol>
+                <a:gridCol w="1218565">
+                  <a:extLst>
+                    <a:ext uri="{9D8B030D-6E8A-4147-A177-3AD203B41FA5}">
+                      <a16:colId xmlns:a16="http://schemas.microsoft.com/office/drawing/2014/main" val="20003"/>
+                    </a:ext>
+                  </a:extLst>
+                </a:gridCol>
+                <a:gridCol w="1218565">
+                  <a:extLst>
+                    <a:ext uri="{9D8B030D-6E8A-4147-A177-3AD203B41FA5}">
+                      <a16:colId xmlns:a16="http://schemas.microsoft.com/office/drawing/2014/main" val="20004"/>
+                    </a:ext>
+                  </a:extLst>
+                </a:gridCol>
+                <a:gridCol w="1218565">
+                  <a:extLst>
+                    <a:ext uri="{9D8B030D-6E8A-4147-A177-3AD203B41FA5}">
+                      <a16:colId xmlns:a16="http://schemas.microsoft.com/office/drawing/2014/main" val="20005"/>
+                    </a:ext>
+                  </a:extLst>
+                </a:gridCol>
+                <a:gridCol w="1218565">
+                  <a:extLst>
+                    <a:ext uri="{9D8B030D-6E8A-4147-A177-3AD203B41FA5}">
+                      <a16:colId xmlns:a16="http://schemas.microsoft.com/office/drawing/2014/main" val="20006"/>
+                    </a:ext>
+                  </a:extLst>
+                </a:gridCol>
               </a:tblGrid>
               <a:tr h="365760">
                 <a:tc>
@@ -12156,11 +11927,6 @@
                         </a:rPr>
                         <a:t>1</a:t>
                       </a:r>
-                      <a:endParaRPr lang="en-US" altLang="zh-CN" b="1">
-                        <a:solidFill>
-                          <a:schemeClr val="tx1"/>
-                        </a:solidFill>
-                      </a:endParaRPr>
                     </a:p>
                   </a:txBody>
                   <a:tcPr>
@@ -12209,11 +11975,6 @@
                         </a:rPr>
                         <a:t>1</a:t>
                       </a:r>
-                      <a:endParaRPr lang="en-US" altLang="zh-CN" b="1">
-                        <a:solidFill>
-                          <a:schemeClr val="tx1"/>
-                        </a:solidFill>
-                      </a:endParaRPr>
                     </a:p>
                   </a:txBody>
                   <a:tcPr>
@@ -12262,11 +12023,6 @@
                         </a:rPr>
                         <a:t>1</a:t>
                       </a:r>
-                      <a:endParaRPr lang="en-US" altLang="zh-CN" b="1">
-                        <a:solidFill>
-                          <a:schemeClr val="tx1"/>
-                        </a:solidFill>
-                      </a:endParaRPr>
                     </a:p>
                   </a:txBody>
                   <a:tcPr>
@@ -12315,11 +12071,6 @@
                         </a:rPr>
                         <a:t>2</a:t>
                       </a:r>
-                      <a:endParaRPr lang="en-US" altLang="zh-CN" b="1">
-                        <a:solidFill>
-                          <a:schemeClr val="tx1"/>
-                        </a:solidFill>
-                      </a:endParaRPr>
                     </a:p>
                   </a:txBody>
                   <a:tcPr>
@@ -12366,11 +12117,6 @@
                         </a:rPr>
                         <a:t>3</a:t>
                       </a:r>
-                      <a:endParaRPr lang="en-US" altLang="zh-CN" b="1">
-                        <a:solidFill>
-                          <a:schemeClr val="tx1"/>
-                        </a:solidFill>
-                      </a:endParaRPr>
                     </a:p>
                   </a:txBody>
                   <a:tcPr>
@@ -12419,11 +12165,6 @@
                         </a:rPr>
                         <a:t>3</a:t>
                       </a:r>
-                      <a:endParaRPr lang="en-US" altLang="zh-CN" b="1">
-                        <a:solidFill>
-                          <a:schemeClr val="tx1"/>
-                        </a:solidFill>
-                      </a:endParaRPr>
                     </a:p>
                   </a:txBody>
                   <a:tcPr>
@@ -12470,11 +12211,6 @@
                         </a:rPr>
                         <a:t>4</a:t>
                       </a:r>
-                      <a:endParaRPr lang="en-US" altLang="zh-CN" b="1">
-                        <a:solidFill>
-                          <a:schemeClr val="tx1"/>
-                        </a:solidFill>
-                      </a:endParaRPr>
                     </a:p>
                   </a:txBody>
                   <a:tcPr>
@@ -12505,6 +12241,11 @@
                     <a:noFill/>
                   </a:tcPr>
                 </a:tc>
+                <a:extLst>
+                  <a:ext uri="{0D108BD9-81ED-4DB2-BD59-A6C34878D82A}">
+                    <a16:rowId xmlns:a16="http://schemas.microsoft.com/office/drawing/2014/main" val="10000"/>
+                  </a:ext>
+                </a:extLst>
               </a:tr>
               <a:tr h="381000">
                 <a:tc>
@@ -12568,11 +12309,6 @@
                         </a:rPr>
                         <a:t>2</a:t>
                       </a:r>
-                      <a:endParaRPr lang="en-US" altLang="zh-CN" b="1">
-                        <a:solidFill>
-                          <a:schemeClr val="tx1"/>
-                        </a:solidFill>
-                      </a:endParaRPr>
                     </a:p>
                   </a:txBody>
                   <a:tcPr>
@@ -12621,11 +12357,6 @@
                         </a:rPr>
                         <a:t>2</a:t>
                       </a:r>
-                      <a:endParaRPr lang="en-US" altLang="zh-CN" b="1">
-                        <a:solidFill>
-                          <a:schemeClr val="tx1"/>
-                        </a:solidFill>
-                      </a:endParaRPr>
                     </a:p>
                   </a:txBody>
                   <a:tcPr>
@@ -12674,11 +12405,6 @@
                         </a:rPr>
                         <a:t>3</a:t>
                       </a:r>
-                      <a:endParaRPr lang="en-US" altLang="zh-CN" b="1">
-                        <a:solidFill>
-                          <a:schemeClr val="tx1"/>
-                        </a:solidFill>
-                      </a:endParaRPr>
                     </a:p>
                   </a:txBody>
                   <a:tcPr>
@@ -12725,11 +12451,6 @@
                         </a:rPr>
                         <a:t>1</a:t>
                       </a:r>
-                      <a:endParaRPr lang="en-US" altLang="zh-CN" b="1">
-                        <a:solidFill>
-                          <a:schemeClr val="tx1"/>
-                        </a:solidFill>
-                      </a:endParaRPr>
                     </a:p>
                   </a:txBody>
                   <a:tcPr>
@@ -12778,11 +12499,6 @@
                         </a:rPr>
                         <a:t>4</a:t>
                       </a:r>
-                      <a:endParaRPr lang="en-US" altLang="zh-CN" b="1">
-                        <a:solidFill>
-                          <a:schemeClr val="tx1"/>
-                        </a:solidFill>
-                      </a:endParaRPr>
                     </a:p>
                   </a:txBody>
                   <a:tcPr>
@@ -12829,11 +12545,6 @@
                         </a:rPr>
                         <a:t>1</a:t>
                       </a:r>
-                      <a:endParaRPr lang="en-US" altLang="zh-CN" b="1">
-                        <a:solidFill>
-                          <a:schemeClr val="tx1"/>
-                        </a:solidFill>
-                      </a:endParaRPr>
                     </a:p>
                   </a:txBody>
                   <a:tcPr>
@@ -12864,6 +12575,11 @@
                     <a:noFill/>
                   </a:tcPr>
                 </a:tc>
+                <a:extLst>
+                  <a:ext uri="{0D108BD9-81ED-4DB2-BD59-A6C34878D82A}">
+                    <a16:rowId xmlns:a16="http://schemas.microsoft.com/office/drawing/2014/main" val="10001"/>
+                  </a:ext>
+                </a:extLst>
               </a:tr>
               <a:tr h="381000">
                 <a:tc>
@@ -12972,11 +12688,6 @@
                         </a:rPr>
                         <a:t>3</a:t>
                       </a:r>
-                      <a:endParaRPr lang="en-US" altLang="zh-CN" b="1">
-                        <a:solidFill>
-                          <a:schemeClr val="tx1"/>
-                        </a:solidFill>
-                      </a:endParaRPr>
                     </a:p>
                   </a:txBody>
                   <a:tcPr>
@@ -13025,11 +12736,6 @@
                         </a:rPr>
                         <a:t>1</a:t>
                       </a:r>
-                      <a:endParaRPr lang="en-US" altLang="zh-CN" b="1">
-                        <a:solidFill>
-                          <a:schemeClr val="tx1"/>
-                        </a:solidFill>
-                      </a:endParaRPr>
                     </a:p>
                   </a:txBody>
                   <a:tcPr>
@@ -13076,11 +12782,6 @@
                         </a:rPr>
                         <a:t>4</a:t>
                       </a:r>
-                      <a:endParaRPr lang="en-US" altLang="zh-CN" b="1">
-                        <a:solidFill>
-                          <a:schemeClr val="tx1"/>
-                        </a:solidFill>
-                      </a:endParaRPr>
                     </a:p>
                   </a:txBody>
                   <a:tcPr>
@@ -13129,11 +12830,6 @@
                         </a:rPr>
                         <a:t>1</a:t>
                       </a:r>
-                      <a:endParaRPr lang="en-US" altLang="zh-CN" b="1">
-                        <a:solidFill>
-                          <a:schemeClr val="tx1"/>
-                        </a:solidFill>
-                      </a:endParaRPr>
                     </a:p>
                   </a:txBody>
                   <a:tcPr>
@@ -13180,11 +12876,6 @@
                         </a:rPr>
                         <a:t>3</a:t>
                       </a:r>
-                      <a:endParaRPr lang="en-US" altLang="zh-CN" b="1">
-                        <a:solidFill>
-                          <a:schemeClr val="tx1"/>
-                        </a:solidFill>
-                      </a:endParaRPr>
                     </a:p>
                   </a:txBody>
                   <a:tcPr>
@@ -13215,6 +12906,11 @@
                     <a:noFill/>
                   </a:tcPr>
                 </a:tc>
+                <a:extLst>
+                  <a:ext uri="{0D108BD9-81ED-4DB2-BD59-A6C34878D82A}">
+                    <a16:rowId xmlns:a16="http://schemas.microsoft.com/office/drawing/2014/main" val="10002"/>
+                  </a:ext>
+                </a:extLst>
               </a:tr>
             </a:tbl>
           </a:graphicData>
@@ -13253,10 +12949,6 @@
               </a:rPr>
               <a:t>Page Fault (Missing) Times: 4</a:t>
             </a:r>
-            <a:endParaRPr lang="en-US" altLang="zh-CN">
-              <a:latin typeface="微软雅黑" panose="020B0503020204020204" charset="-122"/>
-              <a:ea typeface="微软雅黑" panose="020B0503020204020204" charset="-122"/>
-            </a:endParaRPr>
           </a:p>
         </p:txBody>
       </p:sp>
@@ -13343,7 +13035,6 @@
               <a:rPr lang="en-US" altLang="zh-CN" sz="2400" dirty="0"/>
               <a:t>How to implement FIFO and LRU?</a:t>
             </a:r>
-            <a:endParaRPr lang="en-US" altLang="zh-CN" sz="2400" dirty="0"/>
           </a:p>
           <a:p>
             <a:pPr marL="457200" lvl="1" indent="0">
@@ -13353,7 +13044,6 @@
               <a:rPr lang="en-US" altLang="zh-CN" dirty="0"/>
               <a:t>Three cases to be considered</a:t>
             </a:r>
-            <a:endParaRPr lang="en-US" altLang="zh-CN" dirty="0"/>
           </a:p>
           <a:p>
             <a:pPr lvl="1"/>
@@ -13361,7 +13051,6 @@
               <a:rPr lang="en-US" altLang="zh-CN" dirty="0"/>
               <a:t>If the visited page hits, then?</a:t>
             </a:r>
-            <a:endParaRPr lang="en-US" altLang="zh-CN" dirty="0"/>
           </a:p>
           <a:p>
             <a:pPr lvl="1"/>
@@ -13369,7 +13058,6 @@
               <a:rPr lang="en-US" altLang="zh-CN" dirty="0"/>
               <a:t>If the cache is not full, then?</a:t>
             </a:r>
-            <a:endParaRPr lang="en-US" altLang="zh-CN" dirty="0"/>
           </a:p>
           <a:p>
             <a:pPr lvl="1"/>
@@ -13377,14 +13065,12 @@
               <a:rPr lang="en-US" altLang="zh-CN" dirty="0"/>
               <a:t>If the cache is full, then?</a:t>
             </a:r>
-            <a:endParaRPr lang="en-US" altLang="zh-CN" dirty="0"/>
           </a:p>
           <a:p>
             <a:r>
               <a:rPr lang="en-US" altLang="zh-CN" sz="2400" dirty="0"/>
               <a:t>Data structure used for implementation of LRU</a:t>
             </a:r>
-            <a:endParaRPr lang="en-US" altLang="zh-CN" sz="2400" dirty="0"/>
           </a:p>
           <a:p>
             <a:pPr marL="0" indent="0">
@@ -13394,7 +13080,6 @@
               <a:rPr lang="en-US" altLang="zh-CN" sz="2400" dirty="0"/>
               <a:t>   FIFO: queue structure</a:t>
             </a:r>
-            <a:endParaRPr lang="en-US" altLang="zh-CN" sz="2400" dirty="0"/>
           </a:p>
           <a:p>
             <a:pPr marL="0" indent="0">
@@ -13404,7 +13089,6 @@
               <a:rPr lang="en-US" altLang="zh-CN" sz="2400" dirty="0"/>
               <a:t>   LRU:</a:t>
             </a:r>
-            <a:endParaRPr lang="en-US" altLang="zh-CN" sz="2400" dirty="0"/>
           </a:p>
           <a:p>
             <a:pPr lvl="1"/>
@@ -13412,7 +13096,6 @@
               <a:rPr lang="en-US" altLang="zh-CN" dirty="0"/>
               <a:t>Use array to mark the recency of the page in cache</a:t>
             </a:r>
-            <a:endParaRPr lang="en-US" altLang="zh-CN" dirty="0"/>
           </a:p>
           <a:p>
             <a:pPr lvl="2"/>
@@ -13428,7 +13111,6 @@
               <a:rPr lang="en-US" altLang="zh-CN" sz="2400" b="1" dirty="0"/>
               <a:t>.</a:t>
             </a:r>
-            <a:endParaRPr lang="en-US" altLang="zh-CN" sz="2400" b="1" dirty="0"/>
           </a:p>
           <a:p>
             <a:pPr lvl="1"/>
@@ -13444,7 +13126,6 @@
               <a:rPr lang="en-US" altLang="zh-CN" b="1" dirty="0"/>
               <a:t> page at the head or tail of the linked list  </a:t>
             </a:r>
-            <a:endParaRPr lang="en-US" altLang="zh-CN" b="1" dirty="0"/>
           </a:p>
           <a:p>
             <a:pPr lvl="1"/>
@@ -13452,7 +13133,6 @@
               <a:rPr lang="en-US" altLang="zh-CN" dirty="0"/>
               <a:t>Use linked list and the hash map (improve the timing complexity of finding the existence of page in cache)</a:t>
             </a:r>
-            <a:endParaRPr lang="en-US" altLang="zh-CN" dirty="0"/>
           </a:p>
           <a:p>
             <a:pPr marL="457200" lvl="1" indent="0">
@@ -13471,70 +13151,70 @@
 </file>
 
 <file path=ppt/tags/tag1.xml><?xml version="1.0" encoding="utf-8"?>
-<p:tagLst xmlns:p="http://schemas.openxmlformats.org/presentationml/2006/main">
+<p:tagLst xmlns:a="http://schemas.openxmlformats.org/drawingml/2006/main" xmlns:r="http://schemas.openxmlformats.org/officeDocument/2006/relationships" xmlns:p="http://schemas.openxmlformats.org/presentationml/2006/main">
+  <p:tag name="KSO_WPP_MARK_KEY" val="502f532e-55ad-42c1-bdad-99b032ff04f5"/>
+  <p:tag name="COMMONDATA" val="eyJoZGlkIjoiNWI5Y2JmYmI4ODU3ZjcwNmJlY2M3MzA5OGRhZjViM2QifQ=="/>
+</p:tagLst>
+</file>
+
+<file path=ppt/tags/tag10.xml><?xml version="1.0" encoding="utf-8"?>
+<p:tagLst xmlns:a="http://schemas.openxmlformats.org/drawingml/2006/main" xmlns:r="http://schemas.openxmlformats.org/officeDocument/2006/relationships" xmlns:p="http://schemas.openxmlformats.org/presentationml/2006/main">
+  <p:tag name="KSO_WM_UNIT_TABLE_BEAUTIFY" val="smartTable{984a0859-1a2d-49f3-93a0-de85d86d6103}"/>
+  <p:tag name="KSO_WM_BEAUTIFY_FLAG" val=""/>
+</p:tagLst>
+</file>
+
+<file path=ppt/tags/tag11.xml><?xml version="1.0" encoding="utf-8"?>
+<p:tagLst xmlns:a="http://schemas.openxmlformats.org/drawingml/2006/main" xmlns:r="http://schemas.openxmlformats.org/officeDocument/2006/relationships" xmlns:p="http://schemas.openxmlformats.org/presentationml/2006/main">
+  <p:tag name="KSO_WM_BEAUTIFY_FLAG" val=""/>
+</p:tagLst>
+</file>
+
+<file path=ppt/tags/tag2.xml><?xml version="1.0" encoding="utf-8"?>
+<p:tagLst xmlns:a="http://schemas.openxmlformats.org/drawingml/2006/main" xmlns:r="http://schemas.openxmlformats.org/officeDocument/2006/relationships" xmlns:p="http://schemas.openxmlformats.org/presentationml/2006/main">
   <p:tag name="KSO_WM_BEAUTIFY_FLAG" val=""/>
   <p:tag name="KSO_WM_UNIT_PLACING_PICTURE_USER_VIEWPORT" val="{&quot;height&quot;:8088,&quot;width&quot;:17232}"/>
 </p:tagLst>
 </file>
 
-<file path=ppt/tags/tag10.xml><?xml version="1.0" encoding="utf-8"?>
-<p:tagLst xmlns:p="http://schemas.openxmlformats.org/presentationml/2006/main">
-  <p:tag name="KSO_WM_BEAUTIFY_FLAG" val=""/>
-</p:tagLst>
-</file>
-
-<file path=ppt/tags/tag11.xml><?xml version="1.0" encoding="utf-8"?>
-<p:tagLst xmlns:p="http://schemas.openxmlformats.org/presentationml/2006/main">
-  <p:tag name="KSO_WPP_MARK_KEY" val="502f532e-55ad-42c1-bdad-99b032ff04f5"/>
-  <p:tag name="COMMONDATA" val="eyJoZGlkIjoiNWI5Y2JmYmI4ODU3ZjcwNmJlY2M3MzA5OGRhZjViM2QifQ=="/>
-</p:tagLst>
-</file>
-
-<file path=ppt/tags/tag2.xml><?xml version="1.0" encoding="utf-8"?>
-<p:tagLst xmlns:p="http://schemas.openxmlformats.org/presentationml/2006/main">
-  <p:tag name="KSO_WM_BEAUTIFY_FLAG" val=""/>
-</p:tagLst>
-</file>
-
 <file path=ppt/tags/tag3.xml><?xml version="1.0" encoding="utf-8"?>
-<p:tagLst xmlns:p="http://schemas.openxmlformats.org/presentationml/2006/main">
+<p:tagLst xmlns:a="http://schemas.openxmlformats.org/drawingml/2006/main" xmlns:r="http://schemas.openxmlformats.org/officeDocument/2006/relationships" xmlns:p="http://schemas.openxmlformats.org/presentationml/2006/main">
   <p:tag name="KSO_WM_BEAUTIFY_FLAG" val=""/>
 </p:tagLst>
 </file>
 
 <file path=ppt/tags/tag4.xml><?xml version="1.0" encoding="utf-8"?>
-<p:tagLst xmlns:p="http://schemas.openxmlformats.org/presentationml/2006/main">
+<p:tagLst xmlns:a="http://schemas.openxmlformats.org/drawingml/2006/main" xmlns:r="http://schemas.openxmlformats.org/officeDocument/2006/relationships" xmlns:p="http://schemas.openxmlformats.org/presentationml/2006/main">
   <p:tag name="KSO_WM_BEAUTIFY_FLAG" val=""/>
 </p:tagLst>
 </file>
 
 <file path=ppt/tags/tag5.xml><?xml version="1.0" encoding="utf-8"?>
-<p:tagLst xmlns:p="http://schemas.openxmlformats.org/presentationml/2006/main">
+<p:tagLst xmlns:a="http://schemas.openxmlformats.org/drawingml/2006/main" xmlns:r="http://schemas.openxmlformats.org/officeDocument/2006/relationships" xmlns:p="http://schemas.openxmlformats.org/presentationml/2006/main">
   <p:tag name="KSO_WM_BEAUTIFY_FLAG" val=""/>
 </p:tagLst>
 </file>
 
 <file path=ppt/tags/tag6.xml><?xml version="1.0" encoding="utf-8"?>
-<p:tagLst xmlns:p="http://schemas.openxmlformats.org/presentationml/2006/main">
+<p:tagLst xmlns:a="http://schemas.openxmlformats.org/drawingml/2006/main" xmlns:r="http://schemas.openxmlformats.org/officeDocument/2006/relationships" xmlns:p="http://schemas.openxmlformats.org/presentationml/2006/main">
   <p:tag name="KSO_WM_BEAUTIFY_FLAG" val=""/>
 </p:tagLst>
 </file>
 
 <file path=ppt/tags/tag7.xml><?xml version="1.0" encoding="utf-8"?>
-<p:tagLst xmlns:p="http://schemas.openxmlformats.org/presentationml/2006/main">
+<p:tagLst xmlns:a="http://schemas.openxmlformats.org/drawingml/2006/main" xmlns:r="http://schemas.openxmlformats.org/officeDocument/2006/relationships" xmlns:p="http://schemas.openxmlformats.org/presentationml/2006/main">
+  <p:tag name="KSO_WM_BEAUTIFY_FLAG" val=""/>
+</p:tagLst>
+</file>
+
+<file path=ppt/tags/tag8.xml><?xml version="1.0" encoding="utf-8"?>
+<p:tagLst xmlns:a="http://schemas.openxmlformats.org/drawingml/2006/main" xmlns:r="http://schemas.openxmlformats.org/officeDocument/2006/relationships" xmlns:p="http://schemas.openxmlformats.org/presentationml/2006/main">
   <p:tag name="KSO_WM_UNIT_TABLE_BEAUTIFY" val="smartTable{060c6029-20ba-49d1-a05e-58a5e6264843}"/>
 </p:tagLst>
 </file>
 
-<file path=ppt/tags/tag8.xml><?xml version="1.0" encoding="utf-8"?>
-<p:tagLst xmlns:p="http://schemas.openxmlformats.org/presentationml/2006/main">
-  <p:tag name="KSO_WM_BEAUTIFY_FLAG" val=""/>
-</p:tagLst>
-</file>
-
 <file path=ppt/tags/tag9.xml><?xml version="1.0" encoding="utf-8"?>
-<p:tagLst xmlns:p="http://schemas.openxmlformats.org/presentationml/2006/main">
-  <p:tag name="KSO_WM_UNIT_TABLE_BEAUTIFY" val="smartTable{984a0859-1a2d-49f3-93a0-de85d86d6103}"/>
+<p:tagLst xmlns:a="http://schemas.openxmlformats.org/drawingml/2006/main" xmlns:r="http://schemas.openxmlformats.org/officeDocument/2006/relationships" xmlns:p="http://schemas.openxmlformats.org/presentationml/2006/main">
   <p:tag name="KSO_WM_BEAUTIFY_FLAG" val=""/>
 </p:tagLst>
 </file>
@@ -13790,6 +13470,8 @@
       </a:bgFillStyleLst>
     </a:fmtScheme>
   </a:themeElements>
+  <a:objectDefaults/>
+  <a:extraClrSchemeLst/>
   <a:extLst>
     <a:ext uri="{05A4C25C-085E-4340-85A3-A5531E510DB2}">
       <thm15:themeFamily xmlns:thm15="http://schemas.microsoft.com/office/thememl/2012/main" name="Office Theme" id="{62F939B6-93AF-4DB8-9C6B-D6C7DFDC589F}" vid="{4A3C46E8-61CC-4603-A589-7422A47A8E4A}"/>
@@ -14049,6 +13731,8 @@
       </a:bgFillStyleLst>
     </a:fmtScheme>
   </a:themeElements>
+  <a:objectDefaults/>
+  <a:extraClrSchemeLst/>
   <a:extLst>
     <a:ext uri="{05A4C25C-085E-4340-85A3-A5531E510DB2}">
       <thm15:themeFamily xmlns:thm15="http://schemas.microsoft.com/office/thememl/2012/main" name="Office Theme" id="{62F939B6-93AF-4DB8-9C6B-D6C7DFDC589F}" vid="{4A3C46E8-61CC-4603-A589-7422A47A8E4A}"/>
@@ -14308,6 +13992,8 @@
       </a:bgFillStyleLst>
     </a:fmtScheme>
   </a:themeElements>
+  <a:objectDefaults/>
+  <a:extraClrSchemeLst/>
   <a:extLst>
     <a:ext uri="{05A4C25C-085E-4340-85A3-A5531E510DB2}">
       <thm15:themeFamily xmlns:thm15="http://schemas.microsoft.com/office/thememl/2012/main" name="Office Theme" id="{62F939B6-93AF-4DB8-9C6B-D6C7DFDC589F}" vid="{4A3C46E8-61CC-4603-A589-7422A47A8E4A}"/>
